--- a/docs/Techallenge.pptx
+++ b/docs/Techallenge.pptx
@@ -7,6 +7,16 @@
   <p:sldIdLst>
     <p:sldId id="256" r:id="rId2"/>
     <p:sldId id="257" r:id="rId3"/>
+    <p:sldId id="260" r:id="rId4"/>
+    <p:sldId id="258" r:id="rId5"/>
+    <p:sldId id="259" r:id="rId6"/>
+    <p:sldId id="264" r:id="rId7"/>
+    <p:sldId id="261" r:id="rId8"/>
+    <p:sldId id="262" r:id="rId9"/>
+    <p:sldId id="263" r:id="rId10"/>
+    <p:sldId id="265" r:id="rId11"/>
+    <p:sldId id="266" r:id="rId12"/>
+    <p:sldId id="267" r:id="rId13"/>
   </p:sldIdLst>
   <p:sldSz cx="12192000" cy="6858000"/>
   <p:notesSz cx="6858000" cy="9144000"/>
@@ -105,7 +115,734 @@
       </a:defRPr>
     </a:lvl9pPr>
   </p:defaultTextStyle>
+  <p:extLst>
+    <p:ext uri="{EFAFB233-063F-42B5-8137-9DF3F51BA10A}">
+      <p15:sldGuideLst xmlns:p15="http://schemas.microsoft.com/office/powerpoint/2012/main"/>
+    </p:ext>
+  </p:extLst>
 </p:presentation>
+</file>
+
+<file path=ppt/revisionInfo.xml><?xml version="1.0" encoding="utf-8"?>
+<p1510:revInfo xmlns:a="http://schemas.openxmlformats.org/drawingml/2006/main" xmlns:r="http://schemas.openxmlformats.org/officeDocument/2006/relationships" xmlns:p1510="http://schemas.microsoft.com/office/powerpoint/2015/10/main">
+  <p1510:revLst>
+    <p1510:client id="{F96FA70E-2BB0-490A-87BE-6DD546359386}" v="108" dt="2024-09-15T01:34:11.392"/>
+  </p1510:revLst>
+</p1510:revInfo>
+</file>
+
+<file path=ppt/changesInfos/changesInfo1.xml><?xml version="1.0" encoding="utf-8"?>
+<pc:chgInfo xmlns:a="http://schemas.openxmlformats.org/drawingml/2006/main" xmlns:r="http://schemas.openxmlformats.org/officeDocument/2006/relationships" xmlns:ac="http://schemas.microsoft.com/office/drawing/2013/main/command" xmlns:pc="http://schemas.microsoft.com/office/powerpoint/2013/main/command">
+  <pc:docChgLst>
+    <pc:chgData name="Rindolfo Eduardo Barra Roa" userId="f0a78e94f6ee1239" providerId="LiveId" clId="{F96FA70E-2BB0-490A-87BE-6DD546359386}"/>
+    <pc:docChg chg="undo redo custSel addSld modSld sldOrd">
+      <pc:chgData name="Rindolfo Eduardo Barra Roa" userId="f0a78e94f6ee1239" providerId="LiveId" clId="{F96FA70E-2BB0-490A-87BE-6DD546359386}" dt="2024-09-15T01:34:11.392" v="2410" actId="1076"/>
+      <pc:docMkLst>
+        <pc:docMk/>
+      </pc:docMkLst>
+      <pc:sldChg chg="addSp delSp modSp mod">
+        <pc:chgData name="Rindolfo Eduardo Barra Roa" userId="f0a78e94f6ee1239" providerId="LiveId" clId="{F96FA70E-2BB0-490A-87BE-6DD546359386}" dt="2024-09-14T22:14:14.063" v="639" actId="21"/>
+        <pc:sldMkLst>
+          <pc:docMk/>
+          <pc:sldMk cId="3811707469" sldId="256"/>
+        </pc:sldMkLst>
+        <pc:spChg chg="mod">
+          <ac:chgData name="Rindolfo Eduardo Barra Roa" userId="f0a78e94f6ee1239" providerId="LiveId" clId="{F96FA70E-2BB0-490A-87BE-6DD546359386}" dt="2024-09-14T22:01:07.081" v="114" actId="1076"/>
+          <ac:spMkLst>
+            <pc:docMk/>
+            <pc:sldMk cId="3811707469" sldId="256"/>
+            <ac:spMk id="2" creationId="{D04CA50D-14CF-029B-FE46-986252E8ACFB}"/>
+          </ac:spMkLst>
+        </pc:spChg>
+        <pc:spChg chg="mod">
+          <ac:chgData name="Rindolfo Eduardo Barra Roa" userId="f0a78e94f6ee1239" providerId="LiveId" clId="{F96FA70E-2BB0-490A-87BE-6DD546359386}" dt="2024-09-14T22:01:28.684" v="117" actId="1076"/>
+          <ac:spMkLst>
+            <pc:docMk/>
+            <pc:sldMk cId="3811707469" sldId="256"/>
+            <ac:spMk id="3" creationId="{F9E6801D-3620-D9CD-E68C-31FE164EFA6F}"/>
+          </ac:spMkLst>
+        </pc:spChg>
+        <pc:spChg chg="add mod">
+          <ac:chgData name="Rindolfo Eduardo Barra Roa" userId="f0a78e94f6ee1239" providerId="LiveId" clId="{F96FA70E-2BB0-490A-87BE-6DD546359386}" dt="2024-09-14T22:00:04.326" v="104" actId="114"/>
+          <ac:spMkLst>
+            <pc:docMk/>
+            <pc:sldMk cId="3811707469" sldId="256"/>
+            <ac:spMk id="5" creationId="{586D96FB-93A3-49EC-AA26-429204F9AA12}"/>
+          </ac:spMkLst>
+        </pc:spChg>
+        <pc:spChg chg="add mod">
+          <ac:chgData name="Rindolfo Eduardo Barra Roa" userId="f0a78e94f6ee1239" providerId="LiveId" clId="{F96FA70E-2BB0-490A-87BE-6DD546359386}" dt="2024-09-14T22:01:17.059" v="116" actId="1076"/>
+          <ac:spMkLst>
+            <pc:docMk/>
+            <pc:sldMk cId="3811707469" sldId="256"/>
+            <ac:spMk id="6" creationId="{11216456-3A0F-31DC-99C4-48AC6A13ADFC}"/>
+          </ac:spMkLst>
+        </pc:spChg>
+        <pc:picChg chg="del mod">
+          <ac:chgData name="Rindolfo Eduardo Barra Roa" userId="f0a78e94f6ee1239" providerId="LiveId" clId="{F96FA70E-2BB0-490A-87BE-6DD546359386}" dt="2024-09-14T22:14:14.063" v="639" actId="21"/>
+          <ac:picMkLst>
+            <pc:docMk/>
+            <pc:sldMk cId="3811707469" sldId="256"/>
+            <ac:picMk id="1026" creationId="{58F01FA4-047B-4B0C-6E33-A62205DB7271}"/>
+          </ac:picMkLst>
+        </pc:picChg>
+      </pc:sldChg>
+      <pc:sldChg chg="addSp delSp modSp mod">
+        <pc:chgData name="Rindolfo Eduardo Barra Roa" userId="f0a78e94f6ee1239" providerId="LiveId" clId="{F96FA70E-2BB0-490A-87BE-6DD546359386}" dt="2024-09-15T01:06:56.593" v="2083" actId="113"/>
+        <pc:sldMkLst>
+          <pc:docMk/>
+          <pc:sldMk cId="3342342329" sldId="257"/>
+        </pc:sldMkLst>
+        <pc:spChg chg="add del mod">
+          <ac:chgData name="Rindolfo Eduardo Barra Roa" userId="f0a78e94f6ee1239" providerId="LiveId" clId="{F96FA70E-2BB0-490A-87BE-6DD546359386}" dt="2024-09-15T01:06:56.593" v="2083" actId="113"/>
+          <ac:spMkLst>
+            <pc:docMk/>
+            <pc:sldMk cId="3342342329" sldId="257"/>
+            <ac:spMk id="3" creationId="{8828E291-D144-23C6-4AC7-EB989E770168}"/>
+          </ac:spMkLst>
+        </pc:spChg>
+        <pc:spChg chg="add del mod">
+          <ac:chgData name="Rindolfo Eduardo Barra Roa" userId="f0a78e94f6ee1239" providerId="LiveId" clId="{F96FA70E-2BB0-490A-87BE-6DD546359386}" dt="2024-09-14T22:13:23.962" v="633" actId="478"/>
+          <ac:spMkLst>
+            <pc:docMk/>
+            <pc:sldMk cId="3342342329" sldId="257"/>
+            <ac:spMk id="4" creationId="{2534EA48-D2B1-4945-81B6-AB64FB0071E4}"/>
+          </ac:spMkLst>
+        </pc:spChg>
+        <pc:spChg chg="add mod">
+          <ac:chgData name="Rindolfo Eduardo Barra Roa" userId="f0a78e94f6ee1239" providerId="LiveId" clId="{F96FA70E-2BB0-490A-87BE-6DD546359386}" dt="2024-09-14T22:03:59.889" v="125"/>
+          <ac:spMkLst>
+            <pc:docMk/>
+            <pc:sldMk cId="3342342329" sldId="257"/>
+            <ac:spMk id="5" creationId="{52C1B7AF-0ECC-7B1E-A65C-893B19FB49A2}"/>
+          </ac:spMkLst>
+        </pc:spChg>
+        <pc:spChg chg="add mod">
+          <ac:chgData name="Rindolfo Eduardo Barra Roa" userId="f0a78e94f6ee1239" providerId="LiveId" clId="{F96FA70E-2BB0-490A-87BE-6DD546359386}" dt="2024-09-14T22:04:01.439" v="127"/>
+          <ac:spMkLst>
+            <pc:docMk/>
+            <pc:sldMk cId="3342342329" sldId="257"/>
+            <ac:spMk id="6" creationId="{8E9CD3DC-EC6C-C810-5885-E8F6C975B3D4}"/>
+          </ac:spMkLst>
+        </pc:spChg>
+        <pc:picChg chg="add mod">
+          <ac:chgData name="Rindolfo Eduardo Barra Roa" userId="f0a78e94f6ee1239" providerId="LiveId" clId="{F96FA70E-2BB0-490A-87BE-6DD546359386}" dt="2024-09-14T22:37:34.480" v="1264" actId="1076"/>
+          <ac:picMkLst>
+            <pc:docMk/>
+            <pc:sldMk cId="3342342329" sldId="257"/>
+            <ac:picMk id="1026" creationId="{58F01FA4-047B-4B0C-6E33-A62205DB7271}"/>
+          </ac:picMkLst>
+        </pc:picChg>
+      </pc:sldChg>
+      <pc:sldChg chg="addSp delSp modSp new mod">
+        <pc:chgData name="Rindolfo Eduardo Barra Roa" userId="f0a78e94f6ee1239" providerId="LiveId" clId="{F96FA70E-2BB0-490A-87BE-6DD546359386}" dt="2024-09-15T01:34:11.392" v="2410" actId="1076"/>
+        <pc:sldMkLst>
+          <pc:docMk/>
+          <pc:sldMk cId="4242897932" sldId="258"/>
+        </pc:sldMkLst>
+        <pc:spChg chg="mod">
+          <ac:chgData name="Rindolfo Eduardo Barra Roa" userId="f0a78e94f6ee1239" providerId="LiveId" clId="{F96FA70E-2BB0-490A-87BE-6DD546359386}" dt="2024-09-14T22:16:48.282" v="695" actId="20577"/>
+          <ac:spMkLst>
+            <pc:docMk/>
+            <pc:sldMk cId="4242897932" sldId="258"/>
+            <ac:spMk id="2" creationId="{06D812FF-8246-19BC-E568-F72D7B8916BA}"/>
+          </ac:spMkLst>
+        </pc:spChg>
+        <pc:spChg chg="mod">
+          <ac:chgData name="Rindolfo Eduardo Barra Roa" userId="f0a78e94f6ee1239" providerId="LiveId" clId="{F96FA70E-2BB0-490A-87BE-6DD546359386}" dt="2024-09-15T01:08:53.112" v="2093" actId="207"/>
+          <ac:spMkLst>
+            <pc:docMk/>
+            <pc:sldMk cId="4242897932" sldId="258"/>
+            <ac:spMk id="3" creationId="{09387F96-F773-8F68-4EAD-1540CE882DE5}"/>
+          </ac:spMkLst>
+        </pc:spChg>
+        <pc:spChg chg="add del mod">
+          <ac:chgData name="Rindolfo Eduardo Barra Roa" userId="f0a78e94f6ee1239" providerId="LiveId" clId="{F96FA70E-2BB0-490A-87BE-6DD546359386}" dt="2024-09-14T22:23:57.592" v="892" actId="478"/>
+          <ac:spMkLst>
+            <pc:docMk/>
+            <pc:sldMk cId="4242897932" sldId="258"/>
+            <ac:spMk id="5" creationId="{D28F0859-5FA8-9825-B8BF-2950E45196B7}"/>
+          </ac:spMkLst>
+        </pc:spChg>
+        <pc:spChg chg="add mod">
+          <ac:chgData name="Rindolfo Eduardo Barra Roa" userId="f0a78e94f6ee1239" providerId="LiveId" clId="{F96FA70E-2BB0-490A-87BE-6DD546359386}" dt="2024-09-15T01:09:09.574" v="2097" actId="207"/>
+          <ac:spMkLst>
+            <pc:docMk/>
+            <pc:sldMk cId="4242897932" sldId="258"/>
+            <ac:spMk id="6" creationId="{2727276C-E981-4BF2-573E-DB4B52DBF9CB}"/>
+          </ac:spMkLst>
+        </pc:spChg>
+        <pc:spChg chg="add del mod">
+          <ac:chgData name="Rindolfo Eduardo Barra Roa" userId="f0a78e94f6ee1239" providerId="LiveId" clId="{F96FA70E-2BB0-490A-87BE-6DD546359386}" dt="2024-09-14T22:24:43.416" v="902" actId="22"/>
+          <ac:spMkLst>
+            <pc:docMk/>
+            <pc:sldMk cId="4242897932" sldId="258"/>
+            <ac:spMk id="8" creationId="{959E4A33-B172-D6FE-8F5E-60E9C4786D3E}"/>
+          </ac:spMkLst>
+        </pc:spChg>
+        <pc:picChg chg="add mod">
+          <ac:chgData name="Rindolfo Eduardo Barra Roa" userId="f0a78e94f6ee1239" providerId="LiveId" clId="{F96FA70E-2BB0-490A-87BE-6DD546359386}" dt="2024-09-14T22:16:35.865" v="671"/>
+          <ac:picMkLst>
+            <pc:docMk/>
+            <pc:sldMk cId="4242897932" sldId="258"/>
+            <ac:picMk id="4" creationId="{D0B26351-9AD9-9BEF-976B-982FECA2AD84}"/>
+          </ac:picMkLst>
+        </pc:picChg>
+        <pc:picChg chg="add del mod">
+          <ac:chgData name="Rindolfo Eduardo Barra Roa" userId="f0a78e94f6ee1239" providerId="LiveId" clId="{F96FA70E-2BB0-490A-87BE-6DD546359386}" dt="2024-09-14T22:46:35.405" v="1332" actId="478"/>
+          <ac:picMkLst>
+            <pc:docMk/>
+            <pc:sldMk cId="4242897932" sldId="258"/>
+            <ac:picMk id="3074" creationId="{27F85B7F-4F48-AB99-7BFE-76115104625C}"/>
+          </ac:picMkLst>
+        </pc:picChg>
+        <pc:picChg chg="add del">
+          <ac:chgData name="Rindolfo Eduardo Barra Roa" userId="f0a78e94f6ee1239" providerId="LiveId" clId="{F96FA70E-2BB0-490A-87BE-6DD546359386}" dt="2024-09-15T01:33:12.774" v="2404" actId="478"/>
+          <ac:picMkLst>
+            <pc:docMk/>
+            <pc:sldMk cId="4242897932" sldId="258"/>
+            <ac:picMk id="3076" creationId="{B8C285FB-17D6-252D-5D3C-BBC8AFB0F7EE}"/>
+          </ac:picMkLst>
+        </pc:picChg>
+        <pc:picChg chg="add mod">
+          <ac:chgData name="Rindolfo Eduardo Barra Roa" userId="f0a78e94f6ee1239" providerId="LiveId" clId="{F96FA70E-2BB0-490A-87BE-6DD546359386}" dt="2024-09-15T01:34:11.392" v="2410" actId="1076"/>
+          <ac:picMkLst>
+            <pc:docMk/>
+            <pc:sldMk cId="4242897932" sldId="258"/>
+            <ac:picMk id="3078" creationId="{E7B2629F-68EA-120C-854A-BCF47CE2A88D}"/>
+          </ac:picMkLst>
+        </pc:picChg>
+      </pc:sldChg>
+      <pc:sldChg chg="addSp delSp modSp new mod">
+        <pc:chgData name="Rindolfo Eduardo Barra Roa" userId="f0a78e94f6ee1239" providerId="LiveId" clId="{F96FA70E-2BB0-490A-87BE-6DD546359386}" dt="2024-09-15T01:32:42.648" v="2402" actId="1076"/>
+        <pc:sldMkLst>
+          <pc:docMk/>
+          <pc:sldMk cId="1962615074" sldId="259"/>
+        </pc:sldMkLst>
+        <pc:spChg chg="mod">
+          <ac:chgData name="Rindolfo Eduardo Barra Roa" userId="f0a78e94f6ee1239" providerId="LiveId" clId="{F96FA70E-2BB0-490A-87BE-6DD546359386}" dt="2024-09-14T22:26:05.265" v="938" actId="20577"/>
+          <ac:spMkLst>
+            <pc:docMk/>
+            <pc:sldMk cId="1962615074" sldId="259"/>
+            <ac:spMk id="2" creationId="{178A4CD8-6601-C655-9C6B-21B373F762F3}"/>
+          </ac:spMkLst>
+        </pc:spChg>
+        <pc:spChg chg="del">
+          <ac:chgData name="Rindolfo Eduardo Barra Roa" userId="f0a78e94f6ee1239" providerId="LiveId" clId="{F96FA70E-2BB0-490A-87BE-6DD546359386}" dt="2024-09-14T22:26:16.115" v="939"/>
+          <ac:spMkLst>
+            <pc:docMk/>
+            <pc:sldMk cId="1962615074" sldId="259"/>
+            <ac:spMk id="3" creationId="{BBC6D3A3-0AE1-1168-F139-E7D803DAFAE2}"/>
+          </ac:spMkLst>
+        </pc:spChg>
+        <pc:spChg chg="add mod">
+          <ac:chgData name="Rindolfo Eduardo Barra Roa" userId="f0a78e94f6ee1239" providerId="LiveId" clId="{F96FA70E-2BB0-490A-87BE-6DD546359386}" dt="2024-09-15T01:15:23.419" v="2213" actId="20577"/>
+          <ac:spMkLst>
+            <pc:docMk/>
+            <pc:sldMk cId="1962615074" sldId="259"/>
+            <ac:spMk id="6" creationId="{E678F851-6567-0FF3-F945-EDB6D7FA1ACD}"/>
+          </ac:spMkLst>
+        </pc:spChg>
+        <pc:picChg chg="add mod">
+          <ac:chgData name="Rindolfo Eduardo Barra Roa" userId="f0a78e94f6ee1239" providerId="LiveId" clId="{F96FA70E-2BB0-490A-87BE-6DD546359386}" dt="2024-09-15T01:32:42.648" v="2402" actId="1076"/>
+          <ac:picMkLst>
+            <pc:docMk/>
+            <pc:sldMk cId="1962615074" sldId="259"/>
+            <ac:picMk id="5" creationId="{601BE3D7-6297-A970-1968-6A73A4C17F4C}"/>
+          </ac:picMkLst>
+        </pc:picChg>
+        <pc:picChg chg="add mod">
+          <ac:chgData name="Rindolfo Eduardo Barra Roa" userId="f0a78e94f6ee1239" providerId="LiveId" clId="{F96FA70E-2BB0-490A-87BE-6DD546359386}" dt="2024-09-14T22:46:49.921" v="1336"/>
+          <ac:picMkLst>
+            <pc:docMk/>
+            <pc:sldMk cId="1962615074" sldId="259"/>
+            <ac:picMk id="7" creationId="{C5ADA1D0-6DBE-61C0-AB0B-09215F1F7618}"/>
+          </ac:picMkLst>
+        </pc:picChg>
+      </pc:sldChg>
+      <pc:sldChg chg="addSp delSp modSp new mod ord">
+        <pc:chgData name="Rindolfo Eduardo Barra Roa" userId="f0a78e94f6ee1239" providerId="LiveId" clId="{F96FA70E-2BB0-490A-87BE-6DD546359386}" dt="2024-09-15T01:09:23.782" v="2099" actId="207"/>
+        <pc:sldMkLst>
+          <pc:docMk/>
+          <pc:sldMk cId="1467751876" sldId="260"/>
+        </pc:sldMkLst>
+        <pc:spChg chg="mod">
+          <ac:chgData name="Rindolfo Eduardo Barra Roa" userId="f0a78e94f6ee1239" providerId="LiveId" clId="{F96FA70E-2BB0-490A-87BE-6DD546359386}" dt="2024-09-14T22:34:43.788" v="1208" actId="20577"/>
+          <ac:spMkLst>
+            <pc:docMk/>
+            <pc:sldMk cId="1467751876" sldId="260"/>
+            <ac:spMk id="2" creationId="{60C19D84-D279-B828-122A-534DECBA3DDE}"/>
+          </ac:spMkLst>
+        </pc:spChg>
+        <pc:spChg chg="add del mod">
+          <ac:chgData name="Rindolfo Eduardo Barra Roa" userId="f0a78e94f6ee1239" providerId="LiveId" clId="{F96FA70E-2BB0-490A-87BE-6DD546359386}" dt="2024-09-15T01:09:23.782" v="2099" actId="207"/>
+          <ac:spMkLst>
+            <pc:docMk/>
+            <pc:sldMk cId="1467751876" sldId="260"/>
+            <ac:spMk id="3" creationId="{EA9228E3-2AA1-38EB-0004-8026A265E949}"/>
+          </ac:spMkLst>
+        </pc:spChg>
+        <pc:spChg chg="add mod">
+          <ac:chgData name="Rindolfo Eduardo Barra Roa" userId="f0a78e94f6ee1239" providerId="LiveId" clId="{F96FA70E-2BB0-490A-87BE-6DD546359386}" dt="2024-09-14T22:42:14.465" v="1305" actId="478"/>
+          <ac:spMkLst>
+            <pc:docMk/>
+            <pc:sldMk cId="1467751876" sldId="260"/>
+            <ac:spMk id="4" creationId="{59109065-5C29-6633-56EF-3E25615AF92D}"/>
+          </ac:spMkLst>
+        </pc:spChg>
+        <pc:picChg chg="add mod">
+          <ac:chgData name="Rindolfo Eduardo Barra Roa" userId="f0a78e94f6ee1239" providerId="LiveId" clId="{F96FA70E-2BB0-490A-87BE-6DD546359386}" dt="2024-09-14T22:46:46.074" v="1334"/>
+          <ac:picMkLst>
+            <pc:docMk/>
+            <pc:sldMk cId="1467751876" sldId="260"/>
+            <ac:picMk id="5" creationId="{2E111F11-C882-81DB-C3D5-730DDE13A44B}"/>
+          </ac:picMkLst>
+        </pc:picChg>
+        <pc:picChg chg="add del">
+          <ac:chgData name="Rindolfo Eduardo Barra Roa" userId="f0a78e94f6ee1239" providerId="LiveId" clId="{F96FA70E-2BB0-490A-87BE-6DD546359386}" dt="2024-09-14T22:42:17.592" v="1307" actId="478"/>
+          <ac:picMkLst>
+            <pc:docMk/>
+            <pc:sldMk cId="1467751876" sldId="260"/>
+            <ac:picMk id="2050" creationId="{DC59949A-9291-F289-9EA8-92AD75C35262}"/>
+          </ac:picMkLst>
+        </pc:picChg>
+        <pc:picChg chg="add mod">
+          <ac:chgData name="Rindolfo Eduardo Barra Roa" userId="f0a78e94f6ee1239" providerId="LiveId" clId="{F96FA70E-2BB0-490A-87BE-6DD546359386}" dt="2024-09-14T22:45:33.164" v="1327" actId="1076"/>
+          <ac:picMkLst>
+            <pc:docMk/>
+            <pc:sldMk cId="1467751876" sldId="260"/>
+            <ac:picMk id="2052" creationId="{34F28854-D283-3B52-8D5E-4D91FA6B0DA6}"/>
+          </ac:picMkLst>
+        </pc:picChg>
+        <pc:picChg chg="add mod">
+          <ac:chgData name="Rindolfo Eduardo Barra Roa" userId="f0a78e94f6ee1239" providerId="LiveId" clId="{F96FA70E-2BB0-490A-87BE-6DD546359386}" dt="2024-09-14T22:45:37.910" v="1328" actId="1076"/>
+          <ac:picMkLst>
+            <pc:docMk/>
+            <pc:sldMk cId="1467751876" sldId="260"/>
+            <ac:picMk id="2054" creationId="{9AC1D128-F45B-B75E-1864-59C70F9D202B}"/>
+          </ac:picMkLst>
+        </pc:picChg>
+      </pc:sldChg>
+      <pc:sldChg chg="addSp modSp new mod">
+        <pc:chgData name="Rindolfo Eduardo Barra Roa" userId="f0a78e94f6ee1239" providerId="LiveId" clId="{F96FA70E-2BB0-490A-87BE-6DD546359386}" dt="2024-09-15T01:14:40.095" v="2183" actId="1076"/>
+        <pc:sldMkLst>
+          <pc:docMk/>
+          <pc:sldMk cId="1517801204" sldId="261"/>
+        </pc:sldMkLst>
+        <pc:spChg chg="mod">
+          <ac:chgData name="Rindolfo Eduardo Barra Roa" userId="f0a78e94f6ee1239" providerId="LiveId" clId="{F96FA70E-2BB0-490A-87BE-6DD546359386}" dt="2024-09-14T23:58:40.468" v="1528" actId="20577"/>
+          <ac:spMkLst>
+            <pc:docMk/>
+            <pc:sldMk cId="1517801204" sldId="261"/>
+            <ac:spMk id="2" creationId="{A5D663CB-82C7-C6B5-FEAD-4A3D8AFC4256}"/>
+          </ac:spMkLst>
+        </pc:spChg>
+        <pc:spChg chg="mod">
+          <ac:chgData name="Rindolfo Eduardo Barra Roa" userId="f0a78e94f6ee1239" providerId="LiveId" clId="{F96FA70E-2BB0-490A-87BE-6DD546359386}" dt="2024-09-15T01:14:40.095" v="2183" actId="1076"/>
+          <ac:spMkLst>
+            <pc:docMk/>
+            <pc:sldMk cId="1517801204" sldId="261"/>
+            <ac:spMk id="3" creationId="{4AC1F8E4-BE51-ADFA-4AA7-B8D622254608}"/>
+          </ac:spMkLst>
+        </pc:spChg>
+        <pc:picChg chg="add mod">
+          <ac:chgData name="Rindolfo Eduardo Barra Roa" userId="f0a78e94f6ee1239" providerId="LiveId" clId="{F96FA70E-2BB0-490A-87BE-6DD546359386}" dt="2024-09-14T22:46:47.775" v="1335"/>
+          <ac:picMkLst>
+            <pc:docMk/>
+            <pc:sldMk cId="1517801204" sldId="261"/>
+            <ac:picMk id="4" creationId="{0B1A957B-F7E9-57EB-C6C7-967B7EE4075F}"/>
+          </ac:picMkLst>
+        </pc:picChg>
+        <pc:picChg chg="add mod">
+          <ac:chgData name="Rindolfo Eduardo Barra Roa" userId="f0a78e94f6ee1239" providerId="LiveId" clId="{F96FA70E-2BB0-490A-87BE-6DD546359386}" dt="2024-09-14T23:56:53.530" v="1508" actId="1076"/>
+          <ac:picMkLst>
+            <pc:docMk/>
+            <pc:sldMk cId="1517801204" sldId="261"/>
+            <ac:picMk id="6146" creationId="{113ACA46-09E5-5EEB-65FF-5589424D0722}"/>
+          </ac:picMkLst>
+        </pc:picChg>
+        <pc:picChg chg="add mod">
+          <ac:chgData name="Rindolfo Eduardo Barra Roa" userId="f0a78e94f6ee1239" providerId="LiveId" clId="{F96FA70E-2BB0-490A-87BE-6DD546359386}" dt="2024-09-14T23:58:13.074" v="1515" actId="14100"/>
+          <ac:picMkLst>
+            <pc:docMk/>
+            <pc:sldMk cId="1517801204" sldId="261"/>
+            <ac:picMk id="6148" creationId="{61C6C70F-E713-44FE-83C0-7A1C2F870453}"/>
+          </ac:picMkLst>
+        </pc:picChg>
+        <pc:picChg chg="add mod">
+          <ac:chgData name="Rindolfo Eduardo Barra Roa" userId="f0a78e94f6ee1239" providerId="LiveId" clId="{F96FA70E-2BB0-490A-87BE-6DD546359386}" dt="2024-09-14T23:58:32.571" v="1519" actId="1076"/>
+          <ac:picMkLst>
+            <pc:docMk/>
+            <pc:sldMk cId="1517801204" sldId="261"/>
+            <ac:picMk id="6150" creationId="{247696CB-9EAC-66D4-6564-9F7A511E6E6A}"/>
+          </ac:picMkLst>
+        </pc:picChg>
+      </pc:sldChg>
+      <pc:sldChg chg="addSp delSp modSp new mod">
+        <pc:chgData name="Rindolfo Eduardo Barra Roa" userId="f0a78e94f6ee1239" providerId="LiveId" clId="{F96FA70E-2BB0-490A-87BE-6DD546359386}" dt="2024-09-15T01:12:02.873" v="2140" actId="2711"/>
+        <pc:sldMkLst>
+          <pc:docMk/>
+          <pc:sldMk cId="4149787904" sldId="262"/>
+        </pc:sldMkLst>
+        <pc:spChg chg="mod">
+          <ac:chgData name="Rindolfo Eduardo Barra Roa" userId="f0a78e94f6ee1239" providerId="LiveId" clId="{F96FA70E-2BB0-490A-87BE-6DD546359386}" dt="2024-09-15T01:11:26.449" v="2133" actId="20577"/>
+          <ac:spMkLst>
+            <pc:docMk/>
+            <pc:sldMk cId="4149787904" sldId="262"/>
+            <ac:spMk id="2" creationId="{7176B555-C466-CB61-398F-6E7CDAF8FCB6}"/>
+          </ac:spMkLst>
+        </pc:spChg>
+        <pc:spChg chg="del">
+          <ac:chgData name="Rindolfo Eduardo Barra Roa" userId="f0a78e94f6ee1239" providerId="LiveId" clId="{F96FA70E-2BB0-490A-87BE-6DD546359386}" dt="2024-09-14T23:59:21.247" v="1550" actId="478"/>
+          <ac:spMkLst>
+            <pc:docMk/>
+            <pc:sldMk cId="4149787904" sldId="262"/>
+            <ac:spMk id="3" creationId="{C109A814-63D0-3ECD-FDFA-595F0761341D}"/>
+          </ac:spMkLst>
+        </pc:spChg>
+        <pc:spChg chg="add mod">
+          <ac:chgData name="Rindolfo Eduardo Barra Roa" userId="f0a78e94f6ee1239" providerId="LiveId" clId="{F96FA70E-2BB0-490A-87BE-6DD546359386}" dt="2024-09-15T01:11:31.355" v="2134" actId="207"/>
+          <ac:spMkLst>
+            <pc:docMk/>
+            <pc:sldMk cId="4149787904" sldId="262"/>
+            <ac:spMk id="11" creationId="{ADFE9FAA-6200-7C4A-9C80-F550E60B473E}"/>
+          </ac:spMkLst>
+        </pc:spChg>
+        <pc:spChg chg="add mod">
+          <ac:chgData name="Rindolfo Eduardo Barra Roa" userId="f0a78e94f6ee1239" providerId="LiveId" clId="{F96FA70E-2BB0-490A-87BE-6DD546359386}" dt="2024-09-15T01:11:35.631" v="2135" actId="207"/>
+          <ac:spMkLst>
+            <pc:docMk/>
+            <pc:sldMk cId="4149787904" sldId="262"/>
+            <ac:spMk id="12" creationId="{4C8D0BC9-7CB6-B619-26C4-F2E1FFBE2C90}"/>
+          </ac:spMkLst>
+        </pc:spChg>
+        <pc:spChg chg="add mod">
+          <ac:chgData name="Rindolfo Eduardo Barra Roa" userId="f0a78e94f6ee1239" providerId="LiveId" clId="{F96FA70E-2BB0-490A-87BE-6DD546359386}" dt="2024-09-15T01:11:40.914" v="2136" actId="207"/>
+          <ac:spMkLst>
+            <pc:docMk/>
+            <pc:sldMk cId="4149787904" sldId="262"/>
+            <ac:spMk id="13" creationId="{2A865C35-2FEB-65AF-78CF-6E66A27AFAF6}"/>
+          </ac:spMkLst>
+        </pc:spChg>
+        <pc:spChg chg="add mod">
+          <ac:chgData name="Rindolfo Eduardo Barra Roa" userId="f0a78e94f6ee1239" providerId="LiveId" clId="{F96FA70E-2BB0-490A-87BE-6DD546359386}" dt="2024-09-15T01:12:02.873" v="2140" actId="2711"/>
+          <ac:spMkLst>
+            <pc:docMk/>
+            <pc:sldMk cId="4149787904" sldId="262"/>
+            <ac:spMk id="14" creationId="{4F1DAD73-5D1A-26BD-9E26-C1CB4DFE1D71}"/>
+          </ac:spMkLst>
+        </pc:spChg>
+        <pc:picChg chg="add mod">
+          <ac:chgData name="Rindolfo Eduardo Barra Roa" userId="f0a78e94f6ee1239" providerId="LiveId" clId="{F96FA70E-2BB0-490A-87BE-6DD546359386}" dt="2024-09-14T23:51:54.711" v="1382"/>
+          <ac:picMkLst>
+            <pc:docMk/>
+            <pc:sldMk cId="4149787904" sldId="262"/>
+            <ac:picMk id="4" creationId="{C98CBC26-40CE-90C2-2B1B-F74B2396A85C}"/>
+          </ac:picMkLst>
+        </pc:picChg>
+        <pc:picChg chg="add mod modCrop">
+          <ac:chgData name="Rindolfo Eduardo Barra Roa" userId="f0a78e94f6ee1239" providerId="LiveId" clId="{F96FA70E-2BB0-490A-87BE-6DD546359386}" dt="2024-09-15T00:03:45.649" v="1628" actId="1076"/>
+          <ac:picMkLst>
+            <pc:docMk/>
+            <pc:sldMk cId="4149787904" sldId="262"/>
+            <ac:picMk id="6" creationId="{EFEC9CD6-7DFF-E349-A2BA-2AD698E2643F}"/>
+          </ac:picMkLst>
+        </pc:picChg>
+        <pc:picChg chg="add mod modCrop">
+          <ac:chgData name="Rindolfo Eduardo Barra Roa" userId="f0a78e94f6ee1239" providerId="LiveId" clId="{F96FA70E-2BB0-490A-87BE-6DD546359386}" dt="2024-09-15T00:03:45.649" v="1628" actId="1076"/>
+          <ac:picMkLst>
+            <pc:docMk/>
+            <pc:sldMk cId="4149787904" sldId="262"/>
+            <ac:picMk id="8" creationId="{56E7B31B-C247-617E-BC70-FA35A5463E63}"/>
+          </ac:picMkLst>
+        </pc:picChg>
+        <pc:picChg chg="add mod modCrop">
+          <ac:chgData name="Rindolfo Eduardo Barra Roa" userId="f0a78e94f6ee1239" providerId="LiveId" clId="{F96FA70E-2BB0-490A-87BE-6DD546359386}" dt="2024-09-15T00:03:45.649" v="1628" actId="1076"/>
+          <ac:picMkLst>
+            <pc:docMk/>
+            <pc:sldMk cId="4149787904" sldId="262"/>
+            <ac:picMk id="10" creationId="{E8668ED0-3B91-A238-E774-5BA460936387}"/>
+          </ac:picMkLst>
+        </pc:picChg>
+      </pc:sldChg>
+      <pc:sldChg chg="addSp delSp modSp new mod">
+        <pc:chgData name="Rindolfo Eduardo Barra Roa" userId="f0a78e94f6ee1239" providerId="LiveId" clId="{F96FA70E-2BB0-490A-87BE-6DD546359386}" dt="2024-09-15T01:11:55.973" v="2139" actId="207"/>
+        <pc:sldMkLst>
+          <pc:docMk/>
+          <pc:sldMk cId="43287595" sldId="263"/>
+        </pc:sldMkLst>
+        <pc:spChg chg="mod">
+          <ac:chgData name="Rindolfo Eduardo Barra Roa" userId="f0a78e94f6ee1239" providerId="LiveId" clId="{F96FA70E-2BB0-490A-87BE-6DD546359386}" dt="2024-09-15T00:29:00.714" v="1799" actId="20577"/>
+          <ac:spMkLst>
+            <pc:docMk/>
+            <pc:sldMk cId="43287595" sldId="263"/>
+            <ac:spMk id="2" creationId="{74D9167A-89D5-9D24-F1C8-BD59275C08D0}"/>
+          </ac:spMkLst>
+        </pc:spChg>
+        <pc:spChg chg="add del mod">
+          <ac:chgData name="Rindolfo Eduardo Barra Roa" userId="f0a78e94f6ee1239" providerId="LiveId" clId="{F96FA70E-2BB0-490A-87BE-6DD546359386}" dt="2024-09-15T00:27:13.146" v="1777"/>
+          <ac:spMkLst>
+            <pc:docMk/>
+            <pc:sldMk cId="43287595" sldId="263"/>
+            <ac:spMk id="3" creationId="{245F7735-AB0B-BEB1-22AB-36D8942ABA6D}"/>
+          </ac:spMkLst>
+        </pc:spChg>
+        <pc:spChg chg="add del mod">
+          <ac:chgData name="Rindolfo Eduardo Barra Roa" userId="f0a78e94f6ee1239" providerId="LiveId" clId="{F96FA70E-2BB0-490A-87BE-6DD546359386}" dt="2024-09-15T00:28:54.787" v="1789" actId="478"/>
+          <ac:spMkLst>
+            <pc:docMk/>
+            <pc:sldMk cId="43287595" sldId="263"/>
+            <ac:spMk id="16" creationId="{488A9C0E-47E0-FE1E-0AF4-15C7A415097A}"/>
+          </ac:spMkLst>
+        </pc:spChg>
+        <pc:spChg chg="add mod">
+          <ac:chgData name="Rindolfo Eduardo Barra Roa" userId="f0a78e94f6ee1239" providerId="LiveId" clId="{F96FA70E-2BB0-490A-87BE-6DD546359386}" dt="2024-09-15T01:11:55.973" v="2139" actId="207"/>
+          <ac:spMkLst>
+            <pc:docMk/>
+            <pc:sldMk cId="43287595" sldId="263"/>
+            <ac:spMk id="17" creationId="{9C462B11-C3BF-A34D-96A2-B42DFB886463}"/>
+          </ac:spMkLst>
+        </pc:spChg>
+        <pc:graphicFrameChg chg="add del modGraphic">
+          <ac:chgData name="Rindolfo Eduardo Barra Roa" userId="f0a78e94f6ee1239" providerId="LiveId" clId="{F96FA70E-2BB0-490A-87BE-6DD546359386}" dt="2024-09-15T00:03:56.578" v="1631" actId="27309"/>
+          <ac:graphicFrameMkLst>
+            <pc:docMk/>
+            <pc:sldMk cId="43287595" sldId="263"/>
+            <ac:graphicFrameMk id="5" creationId="{BE77ABA4-AAD7-CA9C-AF44-0B6272BED750}"/>
+          </ac:graphicFrameMkLst>
+        </pc:graphicFrameChg>
+        <pc:graphicFrameChg chg="add mod">
+          <ac:chgData name="Rindolfo Eduardo Barra Roa" userId="f0a78e94f6ee1239" providerId="LiveId" clId="{F96FA70E-2BB0-490A-87BE-6DD546359386}" dt="2024-09-15T00:27:11.354" v="1776"/>
+          <ac:graphicFrameMkLst>
+            <pc:docMk/>
+            <pc:sldMk cId="43287595" sldId="263"/>
+            <ac:graphicFrameMk id="6" creationId="{9FCC2648-80D4-27A9-CBC1-00F1519B5403}"/>
+          </ac:graphicFrameMkLst>
+        </pc:graphicFrameChg>
+        <pc:graphicFrameChg chg="add mod">
+          <ac:chgData name="Rindolfo Eduardo Barra Roa" userId="f0a78e94f6ee1239" providerId="LiveId" clId="{F96FA70E-2BB0-490A-87BE-6DD546359386}" dt="2024-09-15T00:27:08.421" v="1775"/>
+          <ac:graphicFrameMkLst>
+            <pc:docMk/>
+            <pc:sldMk cId="43287595" sldId="263"/>
+            <ac:graphicFrameMk id="7" creationId="{64CDC043-DB94-9177-8D5A-C49D65D43396}"/>
+          </ac:graphicFrameMkLst>
+        </pc:graphicFrameChg>
+        <pc:graphicFrameChg chg="add mod">
+          <ac:chgData name="Rindolfo Eduardo Barra Roa" userId="f0a78e94f6ee1239" providerId="LiveId" clId="{F96FA70E-2BB0-490A-87BE-6DD546359386}" dt="2024-09-15T00:27:08.421" v="1775"/>
+          <ac:graphicFrameMkLst>
+            <pc:docMk/>
+            <pc:sldMk cId="43287595" sldId="263"/>
+            <ac:graphicFrameMk id="8" creationId="{7A5A8291-4CF4-EA91-0BC0-853525E8C12E}"/>
+          </ac:graphicFrameMkLst>
+        </pc:graphicFrameChg>
+        <pc:graphicFrameChg chg="add mod">
+          <ac:chgData name="Rindolfo Eduardo Barra Roa" userId="f0a78e94f6ee1239" providerId="LiveId" clId="{F96FA70E-2BB0-490A-87BE-6DD546359386}" dt="2024-09-15T00:27:08.421" v="1775"/>
+          <ac:graphicFrameMkLst>
+            <pc:docMk/>
+            <pc:sldMk cId="43287595" sldId="263"/>
+            <ac:graphicFrameMk id="9" creationId="{88E6A1A8-ABC1-0F2A-A0A7-BCAC0AECC771}"/>
+          </ac:graphicFrameMkLst>
+        </pc:graphicFrameChg>
+        <pc:graphicFrameChg chg="add del mod">
+          <ac:chgData name="Rindolfo Eduardo Barra Roa" userId="f0a78e94f6ee1239" providerId="LiveId" clId="{F96FA70E-2BB0-490A-87BE-6DD546359386}" dt="2024-09-15T00:28:51.540" v="1788" actId="478"/>
+          <ac:graphicFrameMkLst>
+            <pc:docMk/>
+            <pc:sldMk cId="43287595" sldId="263"/>
+            <ac:graphicFrameMk id="10" creationId="{D628BC0D-59C3-0E8C-194B-B748082F86C2}"/>
+          </ac:graphicFrameMkLst>
+        </pc:graphicFrameChg>
+        <pc:graphicFrameChg chg="add del mod">
+          <ac:chgData name="Rindolfo Eduardo Barra Roa" userId="f0a78e94f6ee1239" providerId="LiveId" clId="{F96FA70E-2BB0-490A-87BE-6DD546359386}" dt="2024-09-15T00:28:50.246" v="1787" actId="478"/>
+          <ac:graphicFrameMkLst>
+            <pc:docMk/>
+            <pc:sldMk cId="43287595" sldId="263"/>
+            <ac:graphicFrameMk id="11" creationId="{AB1E040D-EB41-6ECC-194B-04619F7B5320}"/>
+          </ac:graphicFrameMkLst>
+        </pc:graphicFrameChg>
+        <pc:graphicFrameChg chg="add del mod">
+          <ac:chgData name="Rindolfo Eduardo Barra Roa" userId="f0a78e94f6ee1239" providerId="LiveId" clId="{F96FA70E-2BB0-490A-87BE-6DD546359386}" dt="2024-09-15T00:28:48.521" v="1786" actId="478"/>
+          <ac:graphicFrameMkLst>
+            <pc:docMk/>
+            <pc:sldMk cId="43287595" sldId="263"/>
+            <ac:graphicFrameMk id="12" creationId="{55DA2DB2-0C04-2794-8677-5337E78DDEEF}"/>
+          </ac:graphicFrameMkLst>
+        </pc:graphicFrameChg>
+        <pc:graphicFrameChg chg="add del mod">
+          <ac:chgData name="Rindolfo Eduardo Barra Roa" userId="f0a78e94f6ee1239" providerId="LiveId" clId="{F96FA70E-2BB0-490A-87BE-6DD546359386}" dt="2024-09-15T00:28:12.959" v="1778" actId="478"/>
+          <ac:graphicFrameMkLst>
+            <pc:docMk/>
+            <pc:sldMk cId="43287595" sldId="263"/>
+            <ac:graphicFrameMk id="13" creationId="{EDC2BE10-2F83-D991-E954-1C0F9AF91BB6}"/>
+          </ac:graphicFrameMkLst>
+        </pc:graphicFrameChg>
+        <pc:graphicFrameChg chg="add mod modGraphic">
+          <ac:chgData name="Rindolfo Eduardo Barra Roa" userId="f0a78e94f6ee1239" providerId="LiveId" clId="{F96FA70E-2BB0-490A-87BE-6DD546359386}" dt="2024-09-15T00:54:44.551" v="1857" actId="1076"/>
+          <ac:graphicFrameMkLst>
+            <pc:docMk/>
+            <pc:sldMk cId="43287595" sldId="263"/>
+            <ac:graphicFrameMk id="14" creationId="{7DFE51BF-6A1B-36AB-4E2F-FD6320E6C9DC}"/>
+          </ac:graphicFrameMkLst>
+        </pc:graphicFrameChg>
+        <pc:picChg chg="add mod">
+          <ac:chgData name="Rindolfo Eduardo Barra Roa" userId="f0a78e94f6ee1239" providerId="LiveId" clId="{F96FA70E-2BB0-490A-87BE-6DD546359386}" dt="2024-09-15T00:54:57.608" v="1858"/>
+          <ac:picMkLst>
+            <pc:docMk/>
+            <pc:sldMk cId="43287595" sldId="263"/>
+            <ac:picMk id="18" creationId="{E8451088-6AC9-9463-0A83-1A4910C051FC}"/>
+          </ac:picMkLst>
+        </pc:picChg>
+      </pc:sldChg>
+      <pc:sldChg chg="addSp modSp new mod">
+        <pc:chgData name="Rindolfo Eduardo Barra Roa" userId="f0a78e94f6ee1239" providerId="LiveId" clId="{F96FA70E-2BB0-490A-87BE-6DD546359386}" dt="2024-09-15T01:14:12.701" v="2180" actId="255"/>
+        <pc:sldMkLst>
+          <pc:docMk/>
+          <pc:sldMk cId="199038868" sldId="264"/>
+        </pc:sldMkLst>
+        <pc:spChg chg="mod">
+          <ac:chgData name="Rindolfo Eduardo Barra Roa" userId="f0a78e94f6ee1239" providerId="LiveId" clId="{F96FA70E-2BB0-490A-87BE-6DD546359386}" dt="2024-09-15T00:56:29.901" v="1885" actId="20577"/>
+          <ac:spMkLst>
+            <pc:docMk/>
+            <pc:sldMk cId="199038868" sldId="264"/>
+            <ac:spMk id="2" creationId="{E4F6E964-78DA-CC7D-3357-71E30E6BAEDC}"/>
+          </ac:spMkLst>
+        </pc:spChg>
+        <pc:spChg chg="mod">
+          <ac:chgData name="Rindolfo Eduardo Barra Roa" userId="f0a78e94f6ee1239" providerId="LiveId" clId="{F96FA70E-2BB0-490A-87BE-6DD546359386}" dt="2024-09-15T01:14:12.701" v="2180" actId="255"/>
+          <ac:spMkLst>
+            <pc:docMk/>
+            <pc:sldMk cId="199038868" sldId="264"/>
+            <ac:spMk id="3" creationId="{23E0BF4C-1F49-B4E9-03D6-D71656A6B7E8}"/>
+          </ac:spMkLst>
+        </pc:spChg>
+        <pc:picChg chg="add mod">
+          <ac:chgData name="Rindolfo Eduardo Barra Roa" userId="f0a78e94f6ee1239" providerId="LiveId" clId="{F96FA70E-2BB0-490A-87BE-6DD546359386}" dt="2024-09-15T00:55:17.370" v="1860"/>
+          <ac:picMkLst>
+            <pc:docMk/>
+            <pc:sldMk cId="199038868" sldId="264"/>
+            <ac:picMk id="4" creationId="{D5428C37-18BC-E7AD-19A6-B2230EB805E7}"/>
+          </ac:picMkLst>
+        </pc:picChg>
+      </pc:sldChg>
+      <pc:sldChg chg="addSp delSp modSp new mod">
+        <pc:chgData name="Rindolfo Eduardo Barra Roa" userId="f0a78e94f6ee1239" providerId="LiveId" clId="{F96FA70E-2BB0-490A-87BE-6DD546359386}" dt="2024-09-15T01:30:22.452" v="2390"/>
+        <pc:sldMkLst>
+          <pc:docMk/>
+          <pc:sldMk cId="993694240" sldId="265"/>
+        </pc:sldMkLst>
+        <pc:spChg chg="mod">
+          <ac:chgData name="Rindolfo Eduardo Barra Roa" userId="f0a78e94f6ee1239" providerId="LiveId" clId="{F96FA70E-2BB0-490A-87BE-6DD546359386}" dt="2024-09-15T01:15:46.708" v="2226" actId="20577"/>
+          <ac:spMkLst>
+            <pc:docMk/>
+            <pc:sldMk cId="993694240" sldId="265"/>
+            <ac:spMk id="2" creationId="{A979E16C-6C89-48EF-4E0B-66A8C91FB736}"/>
+          </ac:spMkLst>
+        </pc:spChg>
+        <pc:spChg chg="del mod">
+          <ac:chgData name="Rindolfo Eduardo Barra Roa" userId="f0a78e94f6ee1239" providerId="LiveId" clId="{F96FA70E-2BB0-490A-87BE-6DD546359386}" dt="2024-09-15T01:24:01.282" v="2238"/>
+          <ac:spMkLst>
+            <pc:docMk/>
+            <pc:sldMk cId="993694240" sldId="265"/>
+            <ac:spMk id="3" creationId="{322B99D3-4EFD-9E30-D4C1-824E50906F16}"/>
+          </ac:spMkLst>
+        </pc:spChg>
+        <pc:spChg chg="add mod">
+          <ac:chgData name="Rindolfo Eduardo Barra Roa" userId="f0a78e94f6ee1239" providerId="LiveId" clId="{F96FA70E-2BB0-490A-87BE-6DD546359386}" dt="2024-09-15T01:26:46.897" v="2298" actId="113"/>
+          <ac:spMkLst>
+            <pc:docMk/>
+            <pc:sldMk cId="993694240" sldId="265"/>
+            <ac:spMk id="4" creationId="{E9FF2D48-B01F-A0B5-6992-521BA0165313}"/>
+          </ac:spMkLst>
+        </pc:spChg>
+        <pc:picChg chg="add mod">
+          <ac:chgData name="Rindolfo Eduardo Barra Roa" userId="f0a78e94f6ee1239" providerId="LiveId" clId="{F96FA70E-2BB0-490A-87BE-6DD546359386}" dt="2024-09-15T01:30:22.452" v="2390"/>
+          <ac:picMkLst>
+            <pc:docMk/>
+            <pc:sldMk cId="993694240" sldId="265"/>
+            <ac:picMk id="5" creationId="{C1161B98-7C35-D2CF-D374-6A321A8642E1}"/>
+          </ac:picMkLst>
+        </pc:picChg>
+      </pc:sldChg>
+      <pc:sldChg chg="addSp modSp new mod">
+        <pc:chgData name="Rindolfo Eduardo Barra Roa" userId="f0a78e94f6ee1239" providerId="LiveId" clId="{F96FA70E-2BB0-490A-87BE-6DD546359386}" dt="2024-09-15T01:30:24.016" v="2391"/>
+        <pc:sldMkLst>
+          <pc:docMk/>
+          <pc:sldMk cId="3822439927" sldId="266"/>
+        </pc:sldMkLst>
+        <pc:spChg chg="mod">
+          <ac:chgData name="Rindolfo Eduardo Barra Roa" userId="f0a78e94f6ee1239" providerId="LiveId" clId="{F96FA70E-2BB0-490A-87BE-6DD546359386}" dt="2024-09-15T01:27:21.418" v="2316" actId="20577"/>
+          <ac:spMkLst>
+            <pc:docMk/>
+            <pc:sldMk cId="3822439927" sldId="266"/>
+            <ac:spMk id="2" creationId="{3370487C-E23F-A3E6-3752-D99FCC80F4ED}"/>
+          </ac:spMkLst>
+        </pc:spChg>
+        <pc:spChg chg="mod">
+          <ac:chgData name="Rindolfo Eduardo Barra Roa" userId="f0a78e94f6ee1239" providerId="LiveId" clId="{F96FA70E-2BB0-490A-87BE-6DD546359386}" dt="2024-09-15T01:28:24.545" v="2355" actId="113"/>
+          <ac:spMkLst>
+            <pc:docMk/>
+            <pc:sldMk cId="3822439927" sldId="266"/>
+            <ac:spMk id="3" creationId="{56D68345-245B-5274-6702-BC0A142E3568}"/>
+          </ac:spMkLst>
+        </pc:spChg>
+        <pc:picChg chg="add mod">
+          <ac:chgData name="Rindolfo Eduardo Barra Roa" userId="f0a78e94f6ee1239" providerId="LiveId" clId="{F96FA70E-2BB0-490A-87BE-6DD546359386}" dt="2024-09-15T01:30:24.016" v="2391"/>
+          <ac:picMkLst>
+            <pc:docMk/>
+            <pc:sldMk cId="3822439927" sldId="266"/>
+            <ac:picMk id="4" creationId="{010885D8-8863-FEB8-AAA9-86F037FFAE5C}"/>
+          </ac:picMkLst>
+        </pc:picChg>
+      </pc:sldChg>
+      <pc:sldChg chg="addSp delSp modSp new mod ord">
+        <pc:chgData name="Rindolfo Eduardo Barra Roa" userId="f0a78e94f6ee1239" providerId="LiveId" clId="{F96FA70E-2BB0-490A-87BE-6DD546359386}" dt="2024-09-15T01:31:39.840" v="2401" actId="1076"/>
+        <pc:sldMkLst>
+          <pc:docMk/>
+          <pc:sldMk cId="3306190737" sldId="267"/>
+        </pc:sldMkLst>
+        <pc:spChg chg="del">
+          <ac:chgData name="Rindolfo Eduardo Barra Roa" userId="f0a78e94f6ee1239" providerId="LiveId" clId="{F96FA70E-2BB0-490A-87BE-6DD546359386}" dt="2024-09-15T01:28:46.217" v="2358" actId="478"/>
+          <ac:spMkLst>
+            <pc:docMk/>
+            <pc:sldMk cId="3306190737" sldId="267"/>
+            <ac:spMk id="2" creationId="{4C4E492C-7449-9CB2-0B67-BE01F243F19B}"/>
+          </ac:spMkLst>
+        </pc:spChg>
+        <pc:spChg chg="del">
+          <ac:chgData name="Rindolfo Eduardo Barra Roa" userId="f0a78e94f6ee1239" providerId="LiveId" clId="{F96FA70E-2BB0-490A-87BE-6DD546359386}" dt="2024-09-15T01:28:44.103" v="2357" actId="478"/>
+          <ac:spMkLst>
+            <pc:docMk/>
+            <pc:sldMk cId="3306190737" sldId="267"/>
+            <ac:spMk id="3" creationId="{F801165B-1EA9-9DEE-5CE1-2E5F1747CED2}"/>
+          </ac:spMkLst>
+        </pc:spChg>
+        <pc:spChg chg="add del mod">
+          <ac:chgData name="Rindolfo Eduardo Barra Roa" userId="f0a78e94f6ee1239" providerId="LiveId" clId="{F96FA70E-2BB0-490A-87BE-6DD546359386}" dt="2024-09-15T01:30:18.900" v="2389"/>
+          <ac:spMkLst>
+            <pc:docMk/>
+            <pc:sldMk cId="3306190737" sldId="267"/>
+            <ac:spMk id="4" creationId="{5D247F87-98D7-AE65-27C3-4629D51664F5}"/>
+          </ac:spMkLst>
+        </pc:spChg>
+        <pc:picChg chg="add del mod">
+          <ac:chgData name="Rindolfo Eduardo Barra Roa" userId="f0a78e94f6ee1239" providerId="LiveId" clId="{F96FA70E-2BB0-490A-87BE-6DD546359386}" dt="2024-09-15T01:30:35.528" v="2395" actId="478"/>
+          <ac:picMkLst>
+            <pc:docMk/>
+            <pc:sldMk cId="3306190737" sldId="267"/>
+            <ac:picMk id="5" creationId="{3A93F4B8-FC40-6D2C-BB5E-3261B593185D}"/>
+          </ac:picMkLst>
+        </pc:picChg>
+        <pc:picChg chg="add mod">
+          <ac:chgData name="Rindolfo Eduardo Barra Roa" userId="f0a78e94f6ee1239" providerId="LiveId" clId="{F96FA70E-2BB0-490A-87BE-6DD546359386}" dt="2024-09-15T01:31:39.840" v="2401" actId="1076"/>
+          <ac:picMkLst>
+            <pc:docMk/>
+            <pc:sldMk cId="3306190737" sldId="267"/>
+            <ac:picMk id="10242" creationId="{A767BFA2-E7B7-2C82-0F32-C05910BE41D1}"/>
+          </ac:picMkLst>
+        </pc:picChg>
+      </pc:sldChg>
+    </pc:docChg>
+  </pc:docChgLst>
+</pc:chgInfo>
 </file>
 
 <file path=ppt/slideLayouts/slideLayout1.xml><?xml version="1.0" encoding="utf-8"?>
@@ -257,7 +994,7 @@
           <a:p>
             <a:fld id="{80B8E0C0-578B-4976-A442-882DDA4C3978}" type="datetimeFigureOut">
               <a:rPr lang="es-CL" smtClean="0"/>
-              <a:t>13-09-2024</a:t>
+              <a:t>14-09-2024</a:t>
             </a:fld>
             <a:endParaRPr lang="es-CL"/>
           </a:p>
@@ -457,7 +1194,7 @@
           <a:p>
             <a:fld id="{80B8E0C0-578B-4976-A442-882DDA4C3978}" type="datetimeFigureOut">
               <a:rPr lang="es-CL" smtClean="0"/>
-              <a:t>13-09-2024</a:t>
+              <a:t>14-09-2024</a:t>
             </a:fld>
             <a:endParaRPr lang="es-CL"/>
           </a:p>
@@ -667,7 +1404,7 @@
           <a:p>
             <a:fld id="{80B8E0C0-578B-4976-A442-882DDA4C3978}" type="datetimeFigureOut">
               <a:rPr lang="es-CL" smtClean="0"/>
-              <a:t>13-09-2024</a:t>
+              <a:t>14-09-2024</a:t>
             </a:fld>
             <a:endParaRPr lang="es-CL"/>
           </a:p>
@@ -867,7 +1604,7 @@
           <a:p>
             <a:fld id="{80B8E0C0-578B-4976-A442-882DDA4C3978}" type="datetimeFigureOut">
               <a:rPr lang="es-CL" smtClean="0"/>
-              <a:t>13-09-2024</a:t>
+              <a:t>14-09-2024</a:t>
             </a:fld>
             <a:endParaRPr lang="es-CL"/>
           </a:p>
@@ -1143,7 +1880,7 @@
           <a:p>
             <a:fld id="{80B8E0C0-578B-4976-A442-882DDA4C3978}" type="datetimeFigureOut">
               <a:rPr lang="es-CL" smtClean="0"/>
-              <a:t>13-09-2024</a:t>
+              <a:t>14-09-2024</a:t>
             </a:fld>
             <a:endParaRPr lang="es-CL"/>
           </a:p>
@@ -1411,7 +2148,7 @@
           <a:p>
             <a:fld id="{80B8E0C0-578B-4976-A442-882DDA4C3978}" type="datetimeFigureOut">
               <a:rPr lang="es-CL" smtClean="0"/>
-              <a:t>13-09-2024</a:t>
+              <a:t>14-09-2024</a:t>
             </a:fld>
             <a:endParaRPr lang="es-CL"/>
           </a:p>
@@ -1826,7 +2563,7 @@
           <a:p>
             <a:fld id="{80B8E0C0-578B-4976-A442-882DDA4C3978}" type="datetimeFigureOut">
               <a:rPr lang="es-CL" smtClean="0"/>
-              <a:t>13-09-2024</a:t>
+              <a:t>14-09-2024</a:t>
             </a:fld>
             <a:endParaRPr lang="es-CL"/>
           </a:p>
@@ -1968,7 +2705,7 @@
           <a:p>
             <a:fld id="{80B8E0C0-578B-4976-A442-882DDA4C3978}" type="datetimeFigureOut">
               <a:rPr lang="es-CL" smtClean="0"/>
-              <a:t>13-09-2024</a:t>
+              <a:t>14-09-2024</a:t>
             </a:fld>
             <a:endParaRPr lang="es-CL"/>
           </a:p>
@@ -2081,7 +2818,7 @@
           <a:p>
             <a:fld id="{80B8E0C0-578B-4976-A442-882DDA4C3978}" type="datetimeFigureOut">
               <a:rPr lang="es-CL" smtClean="0"/>
-              <a:t>13-09-2024</a:t>
+              <a:t>14-09-2024</a:t>
             </a:fld>
             <a:endParaRPr lang="es-CL"/>
           </a:p>
@@ -2394,7 +3131,7 @@
           <a:p>
             <a:fld id="{80B8E0C0-578B-4976-A442-882DDA4C3978}" type="datetimeFigureOut">
               <a:rPr lang="es-CL" smtClean="0"/>
-              <a:t>13-09-2024</a:t>
+              <a:t>14-09-2024</a:t>
             </a:fld>
             <a:endParaRPr lang="es-CL"/>
           </a:p>
@@ -2683,7 +3420,7 @@
           <a:p>
             <a:fld id="{80B8E0C0-578B-4976-A442-882DDA4C3978}" type="datetimeFigureOut">
               <a:rPr lang="es-CL" smtClean="0"/>
-              <a:t>13-09-2024</a:t>
+              <a:t>14-09-2024</a:t>
             </a:fld>
             <a:endParaRPr lang="es-CL"/>
           </a:p>
@@ -2926,7 +3663,7 @@
           <a:p>
             <a:fld id="{80B8E0C0-578B-4976-A442-882DDA4C3978}" type="datetimeFigureOut">
               <a:rPr lang="es-CL" smtClean="0"/>
-              <a:t>13-09-2024</a:t>
+              <a:t>14-09-2024</a:t>
             </a:fld>
             <a:endParaRPr lang="es-CL"/>
           </a:p>
@@ -3359,7 +4096,12 @@
             <p:ph type="ctrTitle"/>
           </p:nvPr>
         </p:nvSpPr>
-        <p:spPr/>
+        <p:spPr>
+          <a:xfrm>
+            <a:off x="1952170" y="1855557"/>
+            <a:ext cx="8287657" cy="2154910"/>
+          </a:xfrm>
+        </p:spPr>
         <p:txBody>
           <a:bodyPr anchor="ctr">
             <a:normAutofit/>
@@ -3368,14 +4110,7 @@
           <a:p>
             <a:r>
               <a:rPr lang="es-ES" sz="3200" b="1" dirty="0"/>
-              <a:t>Sistema de Recomendación de Productos para</a:t>
-            </a:r>
-            <a:br>
-              <a:rPr lang="es-ES" sz="3200" b="1" dirty="0"/>
-            </a:br>
-            <a:r>
-              <a:rPr lang="es-ES" sz="3200" b="1" dirty="0"/>
-              <a:t>Comercios Locales</a:t>
+              <a:t>Sistema de Recomendación de Productos para Comercios Locales</a:t>
             </a:r>
             <a:endParaRPr lang="es-CL" sz="3200" b="1" dirty="0"/>
           </a:p>
@@ -3399,8 +4134,8 @@
         </p:nvSpPr>
         <p:spPr>
           <a:xfrm>
-            <a:off x="1524000" y="3326266"/>
-            <a:ext cx="9144000" cy="1655762"/>
+            <a:off x="1523997" y="4581676"/>
+            <a:ext cx="9144000" cy="468085"/>
           </a:xfrm>
         </p:spPr>
         <p:txBody>
@@ -3408,71 +4143,12 @@
           <a:lstStyle/>
           <a:p>
             <a:r>
-              <a:rPr lang="es-CL" dirty="0" err="1"/>
-              <a:t>Challenge</a:t>
-            </a:r>
-            <a:r>
               <a:rPr lang="es-CL" dirty="0"/>
-              <a:t> </a:t>
-            </a:r>
-            <a:r>
-              <a:rPr lang="es-CL" dirty="0" err="1"/>
-              <a:t>Tech</a:t>
-            </a:r>
-            <a:r>
-              <a:rPr lang="es-CL" dirty="0"/>
-              <a:t> – Rindolfo Barra</a:t>
+              <a:t>Rindolfo Barra</a:t>
             </a:r>
           </a:p>
         </p:txBody>
       </p:sp>
-      <p:pic>
-        <p:nvPicPr>
-          <p:cNvPr id="1026" name="Picture 2" descr="Sistemas de recomendación Collaborative Filtering - SOLUSOFT">
-            <a:extLst>
-              <a:ext uri="{FF2B5EF4-FFF2-40B4-BE49-F238E27FC236}">
-                <a16:creationId xmlns:a16="http://schemas.microsoft.com/office/drawing/2014/main" id="{58F01FA4-047B-4B0C-6E33-A62205DB7271}"/>
-              </a:ext>
-            </a:extLst>
-          </p:cNvPr>
-          <p:cNvPicPr>
-            <a:picLocks noChangeAspect="1" noChangeArrowheads="1"/>
-          </p:cNvPicPr>
-          <p:nvPr/>
-        </p:nvPicPr>
-        <p:blipFill>
-          <a:blip r:embed="rId2">
-            <a:extLst>
-              <a:ext uri="{28A0092B-C50C-407E-A947-70E740481C1C}">
-                <a14:useLocalDpi xmlns:a14="http://schemas.microsoft.com/office/drawing/2010/main" val="0"/>
-              </a:ext>
-            </a:extLst>
-          </a:blip>
-          <a:srcRect/>
-          <a:stretch>
-            <a:fillRect/>
-          </a:stretch>
-        </p:blipFill>
-        <p:spPr bwMode="auto">
-          <a:xfrm>
-            <a:off x="4450291" y="4505786"/>
-            <a:ext cx="3291417" cy="1688178"/>
-          </a:xfrm>
-          <a:prstGeom prst="rect">
-            <a:avLst/>
-          </a:prstGeom>
-          <a:noFill/>
-          <a:extLst>
-            <a:ext uri="{909E8E84-426E-40DD-AFC4-6F175D3DCCD1}">
-              <a14:hiddenFill xmlns:a14="http://schemas.microsoft.com/office/drawing/2010/main">
-                <a:solidFill>
-                  <a:srgbClr val="FFFFFF"/>
-                </a:solidFill>
-              </a14:hiddenFill>
-            </a:ext>
-          </a:extLst>
-        </p:spPr>
-      </p:pic>
       <p:pic>
         <p:nvPicPr>
           <p:cNvPr id="4" name="Picture 2" descr="YOM">
@@ -3488,7 +4164,7 @@
           <p:nvPr/>
         </p:nvPicPr>
         <p:blipFill rotWithShape="1">
-          <a:blip r:embed="rId3">
+          <a:blip r:embed="rId2">
             <a:extLst>
               <a:ext uri="{28A0092B-C50C-407E-A947-70E740481C1C}">
                 <a14:useLocalDpi xmlns:a14="http://schemas.microsoft.com/office/drawing/2010/main" val="0"/>
@@ -3518,10 +4194,1364 @@
           </a:extLst>
         </p:spPr>
       </p:pic>
+      <p:sp>
+        <p:nvSpPr>
+          <p:cNvPr id="5" name="Subtítulo 2">
+            <a:extLst>
+              <a:ext uri="{FF2B5EF4-FFF2-40B4-BE49-F238E27FC236}">
+                <a16:creationId xmlns:a16="http://schemas.microsoft.com/office/drawing/2014/main" id="{586D96FB-93A3-49EC-AA26-429204F9AA12}"/>
+              </a:ext>
+            </a:extLst>
+          </p:cNvPr>
+          <p:cNvSpPr txBox="1">
+            <a:spLocks/>
+          </p:cNvSpPr>
+          <p:nvPr/>
+        </p:nvSpPr>
+        <p:spPr>
+          <a:xfrm>
+            <a:off x="1524000" y="3777101"/>
+            <a:ext cx="9144000" cy="468085"/>
+          </a:xfrm>
+          <a:prstGeom prst="rect">
+            <a:avLst/>
+          </a:prstGeom>
+        </p:spPr>
+        <p:txBody>
+          <a:bodyPr vert="horz" lIns="91440" tIns="45720" rIns="91440" bIns="45720" rtlCol="0">
+            <a:normAutofit/>
+          </a:bodyPr>
+          <a:lstStyle>
+            <a:lvl1pPr marL="0" indent="0" algn="ctr" defTabSz="914400" rtl="0" eaLnBrk="1" latinLnBrk="0" hangingPunct="1">
+              <a:lnSpc>
+                <a:spcPct val="90000"/>
+              </a:lnSpc>
+              <a:spcBef>
+                <a:spcPts val="1000"/>
+              </a:spcBef>
+              <a:buFont typeface="Arial" panose="020B0604020202020204" pitchFamily="34" charset="0"/>
+              <a:buNone/>
+              <a:defRPr sz="2400" kern="1200">
+                <a:solidFill>
+                  <a:schemeClr val="tx1"/>
+                </a:solidFill>
+                <a:latin typeface="+mn-lt"/>
+                <a:ea typeface="+mn-ea"/>
+                <a:cs typeface="+mn-cs"/>
+              </a:defRPr>
+            </a:lvl1pPr>
+            <a:lvl2pPr marL="457200" indent="0" algn="ctr" defTabSz="914400" rtl="0" eaLnBrk="1" latinLnBrk="0" hangingPunct="1">
+              <a:lnSpc>
+                <a:spcPct val="90000"/>
+              </a:lnSpc>
+              <a:spcBef>
+                <a:spcPts val="500"/>
+              </a:spcBef>
+              <a:buFont typeface="Arial" panose="020B0604020202020204" pitchFamily="34" charset="0"/>
+              <a:buNone/>
+              <a:defRPr sz="2000" kern="1200">
+                <a:solidFill>
+                  <a:schemeClr val="tx1"/>
+                </a:solidFill>
+                <a:latin typeface="+mn-lt"/>
+                <a:ea typeface="+mn-ea"/>
+                <a:cs typeface="+mn-cs"/>
+              </a:defRPr>
+            </a:lvl2pPr>
+            <a:lvl3pPr marL="914400" indent="0" algn="ctr" defTabSz="914400" rtl="0" eaLnBrk="1" latinLnBrk="0" hangingPunct="1">
+              <a:lnSpc>
+                <a:spcPct val="90000"/>
+              </a:lnSpc>
+              <a:spcBef>
+                <a:spcPts val="500"/>
+              </a:spcBef>
+              <a:buFont typeface="Arial" panose="020B0604020202020204" pitchFamily="34" charset="0"/>
+              <a:buNone/>
+              <a:defRPr sz="1800" kern="1200">
+                <a:solidFill>
+                  <a:schemeClr val="tx1"/>
+                </a:solidFill>
+                <a:latin typeface="+mn-lt"/>
+                <a:ea typeface="+mn-ea"/>
+                <a:cs typeface="+mn-cs"/>
+              </a:defRPr>
+            </a:lvl3pPr>
+            <a:lvl4pPr marL="1371600" indent="0" algn="ctr" defTabSz="914400" rtl="0" eaLnBrk="1" latinLnBrk="0" hangingPunct="1">
+              <a:lnSpc>
+                <a:spcPct val="90000"/>
+              </a:lnSpc>
+              <a:spcBef>
+                <a:spcPts val="500"/>
+              </a:spcBef>
+              <a:buFont typeface="Arial" panose="020B0604020202020204" pitchFamily="34" charset="0"/>
+              <a:buNone/>
+              <a:defRPr sz="1600" kern="1200">
+                <a:solidFill>
+                  <a:schemeClr val="tx1"/>
+                </a:solidFill>
+                <a:latin typeface="+mn-lt"/>
+                <a:ea typeface="+mn-ea"/>
+                <a:cs typeface="+mn-cs"/>
+              </a:defRPr>
+            </a:lvl4pPr>
+            <a:lvl5pPr marL="1828800" indent="0" algn="ctr" defTabSz="914400" rtl="0" eaLnBrk="1" latinLnBrk="0" hangingPunct="1">
+              <a:lnSpc>
+                <a:spcPct val="90000"/>
+              </a:lnSpc>
+              <a:spcBef>
+                <a:spcPts val="500"/>
+              </a:spcBef>
+              <a:buFont typeface="Arial" panose="020B0604020202020204" pitchFamily="34" charset="0"/>
+              <a:buNone/>
+              <a:defRPr sz="1600" kern="1200">
+                <a:solidFill>
+                  <a:schemeClr val="tx1"/>
+                </a:solidFill>
+                <a:latin typeface="+mn-lt"/>
+                <a:ea typeface="+mn-ea"/>
+                <a:cs typeface="+mn-cs"/>
+              </a:defRPr>
+            </a:lvl5pPr>
+            <a:lvl6pPr marL="2286000" indent="0" algn="ctr" defTabSz="914400" rtl="0" eaLnBrk="1" latinLnBrk="0" hangingPunct="1">
+              <a:lnSpc>
+                <a:spcPct val="90000"/>
+              </a:lnSpc>
+              <a:spcBef>
+                <a:spcPts val="500"/>
+              </a:spcBef>
+              <a:buFont typeface="Arial" panose="020B0604020202020204" pitchFamily="34" charset="0"/>
+              <a:buNone/>
+              <a:defRPr sz="1600" kern="1200">
+                <a:solidFill>
+                  <a:schemeClr val="tx1"/>
+                </a:solidFill>
+                <a:latin typeface="+mn-lt"/>
+                <a:ea typeface="+mn-ea"/>
+                <a:cs typeface="+mn-cs"/>
+              </a:defRPr>
+            </a:lvl6pPr>
+            <a:lvl7pPr marL="2743200" indent="0" algn="ctr" defTabSz="914400" rtl="0" eaLnBrk="1" latinLnBrk="0" hangingPunct="1">
+              <a:lnSpc>
+                <a:spcPct val="90000"/>
+              </a:lnSpc>
+              <a:spcBef>
+                <a:spcPts val="500"/>
+              </a:spcBef>
+              <a:buFont typeface="Arial" panose="020B0604020202020204" pitchFamily="34" charset="0"/>
+              <a:buNone/>
+              <a:defRPr sz="1600" kern="1200">
+                <a:solidFill>
+                  <a:schemeClr val="tx1"/>
+                </a:solidFill>
+                <a:latin typeface="+mn-lt"/>
+                <a:ea typeface="+mn-ea"/>
+                <a:cs typeface="+mn-cs"/>
+              </a:defRPr>
+            </a:lvl7pPr>
+            <a:lvl8pPr marL="3200400" indent="0" algn="ctr" defTabSz="914400" rtl="0" eaLnBrk="1" latinLnBrk="0" hangingPunct="1">
+              <a:lnSpc>
+                <a:spcPct val="90000"/>
+              </a:lnSpc>
+              <a:spcBef>
+                <a:spcPts val="500"/>
+              </a:spcBef>
+              <a:buFont typeface="Arial" panose="020B0604020202020204" pitchFamily="34" charset="0"/>
+              <a:buNone/>
+              <a:defRPr sz="1600" kern="1200">
+                <a:solidFill>
+                  <a:schemeClr val="tx1"/>
+                </a:solidFill>
+                <a:latin typeface="+mn-lt"/>
+                <a:ea typeface="+mn-ea"/>
+                <a:cs typeface="+mn-cs"/>
+              </a:defRPr>
+            </a:lvl8pPr>
+            <a:lvl9pPr marL="3657600" indent="0" algn="ctr" defTabSz="914400" rtl="0" eaLnBrk="1" latinLnBrk="0" hangingPunct="1">
+              <a:lnSpc>
+                <a:spcPct val="90000"/>
+              </a:lnSpc>
+              <a:spcBef>
+                <a:spcPts val="500"/>
+              </a:spcBef>
+              <a:buFont typeface="Arial" panose="020B0604020202020204" pitchFamily="34" charset="0"/>
+              <a:buNone/>
+              <a:defRPr sz="1600" kern="1200">
+                <a:solidFill>
+                  <a:schemeClr val="tx1"/>
+                </a:solidFill>
+                <a:latin typeface="+mn-lt"/>
+                <a:ea typeface="+mn-ea"/>
+                <a:cs typeface="+mn-cs"/>
+              </a:defRPr>
+            </a:lvl9pPr>
+          </a:lstStyle>
+          <a:p>
+            <a:r>
+              <a:rPr lang="es-CL" i="1" dirty="0"/>
+              <a:t>Desafío técnico para optar al cargo Data </a:t>
+            </a:r>
+            <a:r>
+              <a:rPr lang="es-CL" i="1" dirty="0" err="1"/>
+              <a:t>Scientist</a:t>
+            </a:r>
+            <a:endParaRPr lang="es-CL" i="1" dirty="0"/>
+          </a:p>
+        </p:txBody>
+      </p:sp>
+      <p:sp>
+        <p:nvSpPr>
+          <p:cNvPr id="6" name="Subtítulo 2">
+            <a:extLst>
+              <a:ext uri="{FF2B5EF4-FFF2-40B4-BE49-F238E27FC236}">
+                <a16:creationId xmlns:a16="http://schemas.microsoft.com/office/drawing/2014/main" id="{11216456-3A0F-31DC-99C4-48AC6A13ADFC}"/>
+              </a:ext>
+            </a:extLst>
+          </p:cNvPr>
+          <p:cNvSpPr txBox="1">
+            <a:spLocks/>
+          </p:cNvSpPr>
+          <p:nvPr/>
+        </p:nvSpPr>
+        <p:spPr>
+          <a:xfrm>
+            <a:off x="1523999" y="5932011"/>
+            <a:ext cx="9144000" cy="468085"/>
+          </a:xfrm>
+          <a:prstGeom prst="rect">
+            <a:avLst/>
+          </a:prstGeom>
+        </p:spPr>
+        <p:txBody>
+          <a:bodyPr vert="horz" lIns="91440" tIns="45720" rIns="91440" bIns="45720" rtlCol="0">
+            <a:normAutofit/>
+          </a:bodyPr>
+          <a:lstStyle>
+            <a:lvl1pPr marL="0" indent="0" algn="ctr" defTabSz="914400" rtl="0" eaLnBrk="1" latinLnBrk="0" hangingPunct="1">
+              <a:lnSpc>
+                <a:spcPct val="90000"/>
+              </a:lnSpc>
+              <a:spcBef>
+                <a:spcPts val="1000"/>
+              </a:spcBef>
+              <a:buFont typeface="Arial" panose="020B0604020202020204" pitchFamily="34" charset="0"/>
+              <a:buNone/>
+              <a:defRPr sz="2400" kern="1200">
+                <a:solidFill>
+                  <a:schemeClr val="tx1"/>
+                </a:solidFill>
+                <a:latin typeface="+mn-lt"/>
+                <a:ea typeface="+mn-ea"/>
+                <a:cs typeface="+mn-cs"/>
+              </a:defRPr>
+            </a:lvl1pPr>
+            <a:lvl2pPr marL="457200" indent="0" algn="ctr" defTabSz="914400" rtl="0" eaLnBrk="1" latinLnBrk="0" hangingPunct="1">
+              <a:lnSpc>
+                <a:spcPct val="90000"/>
+              </a:lnSpc>
+              <a:spcBef>
+                <a:spcPts val="500"/>
+              </a:spcBef>
+              <a:buFont typeface="Arial" panose="020B0604020202020204" pitchFamily="34" charset="0"/>
+              <a:buNone/>
+              <a:defRPr sz="2000" kern="1200">
+                <a:solidFill>
+                  <a:schemeClr val="tx1"/>
+                </a:solidFill>
+                <a:latin typeface="+mn-lt"/>
+                <a:ea typeface="+mn-ea"/>
+                <a:cs typeface="+mn-cs"/>
+              </a:defRPr>
+            </a:lvl2pPr>
+            <a:lvl3pPr marL="914400" indent="0" algn="ctr" defTabSz="914400" rtl="0" eaLnBrk="1" latinLnBrk="0" hangingPunct="1">
+              <a:lnSpc>
+                <a:spcPct val="90000"/>
+              </a:lnSpc>
+              <a:spcBef>
+                <a:spcPts val="500"/>
+              </a:spcBef>
+              <a:buFont typeface="Arial" panose="020B0604020202020204" pitchFamily="34" charset="0"/>
+              <a:buNone/>
+              <a:defRPr sz="1800" kern="1200">
+                <a:solidFill>
+                  <a:schemeClr val="tx1"/>
+                </a:solidFill>
+                <a:latin typeface="+mn-lt"/>
+                <a:ea typeface="+mn-ea"/>
+                <a:cs typeface="+mn-cs"/>
+              </a:defRPr>
+            </a:lvl3pPr>
+            <a:lvl4pPr marL="1371600" indent="0" algn="ctr" defTabSz="914400" rtl="0" eaLnBrk="1" latinLnBrk="0" hangingPunct="1">
+              <a:lnSpc>
+                <a:spcPct val="90000"/>
+              </a:lnSpc>
+              <a:spcBef>
+                <a:spcPts val="500"/>
+              </a:spcBef>
+              <a:buFont typeface="Arial" panose="020B0604020202020204" pitchFamily="34" charset="0"/>
+              <a:buNone/>
+              <a:defRPr sz="1600" kern="1200">
+                <a:solidFill>
+                  <a:schemeClr val="tx1"/>
+                </a:solidFill>
+                <a:latin typeface="+mn-lt"/>
+                <a:ea typeface="+mn-ea"/>
+                <a:cs typeface="+mn-cs"/>
+              </a:defRPr>
+            </a:lvl4pPr>
+            <a:lvl5pPr marL="1828800" indent="0" algn="ctr" defTabSz="914400" rtl="0" eaLnBrk="1" latinLnBrk="0" hangingPunct="1">
+              <a:lnSpc>
+                <a:spcPct val="90000"/>
+              </a:lnSpc>
+              <a:spcBef>
+                <a:spcPts val="500"/>
+              </a:spcBef>
+              <a:buFont typeface="Arial" panose="020B0604020202020204" pitchFamily="34" charset="0"/>
+              <a:buNone/>
+              <a:defRPr sz="1600" kern="1200">
+                <a:solidFill>
+                  <a:schemeClr val="tx1"/>
+                </a:solidFill>
+                <a:latin typeface="+mn-lt"/>
+                <a:ea typeface="+mn-ea"/>
+                <a:cs typeface="+mn-cs"/>
+              </a:defRPr>
+            </a:lvl5pPr>
+            <a:lvl6pPr marL="2286000" indent="0" algn="ctr" defTabSz="914400" rtl="0" eaLnBrk="1" latinLnBrk="0" hangingPunct="1">
+              <a:lnSpc>
+                <a:spcPct val="90000"/>
+              </a:lnSpc>
+              <a:spcBef>
+                <a:spcPts val="500"/>
+              </a:spcBef>
+              <a:buFont typeface="Arial" panose="020B0604020202020204" pitchFamily="34" charset="0"/>
+              <a:buNone/>
+              <a:defRPr sz="1600" kern="1200">
+                <a:solidFill>
+                  <a:schemeClr val="tx1"/>
+                </a:solidFill>
+                <a:latin typeface="+mn-lt"/>
+                <a:ea typeface="+mn-ea"/>
+                <a:cs typeface="+mn-cs"/>
+              </a:defRPr>
+            </a:lvl6pPr>
+            <a:lvl7pPr marL="2743200" indent="0" algn="ctr" defTabSz="914400" rtl="0" eaLnBrk="1" latinLnBrk="0" hangingPunct="1">
+              <a:lnSpc>
+                <a:spcPct val="90000"/>
+              </a:lnSpc>
+              <a:spcBef>
+                <a:spcPts val="500"/>
+              </a:spcBef>
+              <a:buFont typeface="Arial" panose="020B0604020202020204" pitchFamily="34" charset="0"/>
+              <a:buNone/>
+              <a:defRPr sz="1600" kern="1200">
+                <a:solidFill>
+                  <a:schemeClr val="tx1"/>
+                </a:solidFill>
+                <a:latin typeface="+mn-lt"/>
+                <a:ea typeface="+mn-ea"/>
+                <a:cs typeface="+mn-cs"/>
+              </a:defRPr>
+            </a:lvl7pPr>
+            <a:lvl8pPr marL="3200400" indent="0" algn="ctr" defTabSz="914400" rtl="0" eaLnBrk="1" latinLnBrk="0" hangingPunct="1">
+              <a:lnSpc>
+                <a:spcPct val="90000"/>
+              </a:lnSpc>
+              <a:spcBef>
+                <a:spcPts val="500"/>
+              </a:spcBef>
+              <a:buFont typeface="Arial" panose="020B0604020202020204" pitchFamily="34" charset="0"/>
+              <a:buNone/>
+              <a:defRPr sz="1600" kern="1200">
+                <a:solidFill>
+                  <a:schemeClr val="tx1"/>
+                </a:solidFill>
+                <a:latin typeface="+mn-lt"/>
+                <a:ea typeface="+mn-ea"/>
+                <a:cs typeface="+mn-cs"/>
+              </a:defRPr>
+            </a:lvl8pPr>
+            <a:lvl9pPr marL="3657600" indent="0" algn="ctr" defTabSz="914400" rtl="0" eaLnBrk="1" latinLnBrk="0" hangingPunct="1">
+              <a:lnSpc>
+                <a:spcPct val="90000"/>
+              </a:lnSpc>
+              <a:spcBef>
+                <a:spcPts val="500"/>
+              </a:spcBef>
+              <a:buFont typeface="Arial" panose="020B0604020202020204" pitchFamily="34" charset="0"/>
+              <a:buNone/>
+              <a:defRPr sz="1600" kern="1200">
+                <a:solidFill>
+                  <a:schemeClr val="tx1"/>
+                </a:solidFill>
+                <a:latin typeface="+mn-lt"/>
+                <a:ea typeface="+mn-ea"/>
+                <a:cs typeface="+mn-cs"/>
+              </a:defRPr>
+            </a:lvl9pPr>
+          </a:lstStyle>
+          <a:p>
+            <a:r>
+              <a:rPr lang="es-CL" dirty="0"/>
+              <a:t>Septiembre, 2024</a:t>
+            </a:r>
+          </a:p>
+        </p:txBody>
+      </p:sp>
     </p:spTree>
     <p:extLst>
       <p:ext uri="{BB962C8B-B14F-4D97-AF65-F5344CB8AC3E}">
         <p14:creationId xmlns:p14="http://schemas.microsoft.com/office/powerpoint/2010/main" val="3811707469"/>
+      </p:ext>
+    </p:extLst>
+  </p:cSld>
+  <p:clrMapOvr>
+    <a:masterClrMapping/>
+  </p:clrMapOvr>
+</p:sld>
+</file>
+
+<file path=ppt/slides/slide10.xml><?xml version="1.0" encoding="utf-8"?>
+<p:sld xmlns:a="http://schemas.openxmlformats.org/drawingml/2006/main" xmlns:r="http://schemas.openxmlformats.org/officeDocument/2006/relationships" xmlns:p="http://schemas.openxmlformats.org/presentationml/2006/main">
+  <p:cSld>
+    <p:spTree>
+      <p:nvGrpSpPr>
+        <p:cNvPr id="1" name=""/>
+        <p:cNvGrpSpPr/>
+        <p:nvPr/>
+      </p:nvGrpSpPr>
+      <p:grpSpPr>
+        <a:xfrm>
+          <a:off x="0" y="0"/>
+          <a:ext cx="0" cy="0"/>
+          <a:chOff x="0" y="0"/>
+          <a:chExt cx="0" cy="0"/>
+        </a:xfrm>
+      </p:grpSpPr>
+      <p:sp>
+        <p:nvSpPr>
+          <p:cNvPr id="2" name="Título 1">
+            <a:extLst>
+              <a:ext uri="{FF2B5EF4-FFF2-40B4-BE49-F238E27FC236}">
+                <a16:creationId xmlns:a16="http://schemas.microsoft.com/office/drawing/2014/main" id="{A979E16C-6C89-48EF-4E0B-66A8C91FB736}"/>
+              </a:ext>
+            </a:extLst>
+          </p:cNvPr>
+          <p:cNvSpPr>
+            <a:spLocks noGrp="1"/>
+          </p:cNvSpPr>
+          <p:nvPr>
+            <p:ph type="title"/>
+          </p:nvPr>
+        </p:nvSpPr>
+        <p:spPr/>
+        <p:txBody>
+          <a:bodyPr/>
+          <a:lstStyle/>
+          <a:p>
+            <a:r>
+              <a:rPr lang="es-CL" dirty="0"/>
+              <a:t>Conclusiones</a:t>
+            </a:r>
+          </a:p>
+        </p:txBody>
+      </p:sp>
+      <p:sp>
+        <p:nvSpPr>
+          <p:cNvPr id="4" name="Rectangle 1">
+            <a:extLst>
+              <a:ext uri="{FF2B5EF4-FFF2-40B4-BE49-F238E27FC236}">
+                <a16:creationId xmlns:a16="http://schemas.microsoft.com/office/drawing/2014/main" id="{E9FF2D48-B01F-A0B5-6992-521BA0165313}"/>
+              </a:ext>
+            </a:extLst>
+          </p:cNvPr>
+          <p:cNvSpPr>
+            <a:spLocks noGrp="1" noChangeArrowheads="1"/>
+          </p:cNvSpPr>
+          <p:nvPr>
+            <p:ph idx="1"/>
+          </p:nvPr>
+        </p:nvSpPr>
+        <p:spPr bwMode="auto">
+          <a:xfrm>
+            <a:off x="966186" y="1717632"/>
+            <a:ext cx="10259627" cy="3970318"/>
+          </a:xfrm>
+          <a:prstGeom prst="rect">
+            <a:avLst/>
+          </a:prstGeom>
+          <a:noFill/>
+          <a:ln>
+            <a:noFill/>
+          </a:ln>
+          <a:effectLst/>
+          <a:extLst>
+            <a:ext uri="{909E8E84-426E-40DD-AFC4-6F175D3DCCD1}">
+              <a14:hiddenFill xmlns:a14="http://schemas.microsoft.com/office/drawing/2010/main">
+                <a:solidFill>
+                  <a:schemeClr val="accent1"/>
+                </a:solidFill>
+              </a14:hiddenFill>
+            </a:ext>
+            <a:ext uri="{91240B29-F687-4F45-9708-019B960494DF}">
+              <a14:hiddenLine xmlns:a14="http://schemas.microsoft.com/office/drawing/2010/main" w="9525">
+                <a:solidFill>
+                  <a:schemeClr val="tx1"/>
+                </a:solidFill>
+                <a:miter lim="800000"/>
+                <a:headEnd/>
+                <a:tailEnd/>
+              </a14:hiddenLine>
+            </a:ext>
+            <a:ext uri="{AF507438-7753-43E0-B8FC-AC1667EBCBE1}">
+              <a14:hiddenEffects xmlns:a14="http://schemas.microsoft.com/office/drawing/2010/main">
+                <a:effectLst>
+                  <a:outerShdw dist="35921" dir="2700000" algn="ctr" rotWithShape="0">
+                    <a:schemeClr val="bg2"/>
+                  </a:outerShdw>
+                </a:effectLst>
+              </a14:hiddenEffects>
+            </a:ext>
+          </a:extLst>
+        </p:spPr>
+        <p:txBody>
+          <a:bodyPr vert="horz" wrap="square" lIns="91440" tIns="45720" rIns="91440" bIns="45720" numCol="1" anchor="ctr" anchorCtr="0" compatLnSpc="1">
+            <a:prstTxWarp prst="textNoShape">
+              <a:avLst/>
+            </a:prstTxWarp>
+            <a:spAutoFit/>
+          </a:bodyPr>
+          <a:lstStyle/>
+          <a:p>
+            <a:pPr algn="just" eaLnBrk="0" fontAlgn="base" hangingPunct="0">
+              <a:lnSpc>
+                <a:spcPct val="100000"/>
+              </a:lnSpc>
+              <a:spcBef>
+                <a:spcPct val="0"/>
+              </a:spcBef>
+              <a:spcAft>
+                <a:spcPct val="0"/>
+              </a:spcAft>
+            </a:pPr>
+            <a:r>
+              <a:rPr kumimoji="0" lang="es-CL" altLang="es-CL" sz="1800" b="0" i="0" u="none" strike="noStrike" cap="none" normalizeH="0" baseline="0" dirty="0">
+                <a:ln>
+                  <a:noFill/>
+                </a:ln>
+                <a:solidFill>
+                  <a:schemeClr val="tx1"/>
+                </a:solidFill>
+                <a:effectLst/>
+                <a:latin typeface="Consolas" panose="020B0609020204030204" pitchFamily="49" charset="0"/>
+              </a:rPr>
+              <a:t>El sistema de recomendación de productos fue diseñado para comercios locales, priorizando la </a:t>
+            </a:r>
+            <a:r>
+              <a:rPr kumimoji="0" lang="es-CL" altLang="es-CL" sz="1800" b="1" i="0" u="none" strike="noStrike" cap="none" normalizeH="0" baseline="0" dirty="0">
+                <a:ln>
+                  <a:noFill/>
+                </a:ln>
+                <a:solidFill>
+                  <a:srgbClr val="0070C0"/>
+                </a:solidFill>
+                <a:effectLst/>
+                <a:latin typeface="Consolas" panose="020B0609020204030204" pitchFamily="49" charset="0"/>
+              </a:rPr>
+              <a:t>personalización de productos</a:t>
+            </a:r>
+            <a:r>
+              <a:rPr kumimoji="0" lang="es-CL" altLang="es-CL" sz="1800" b="0" i="0" u="none" strike="noStrike" cap="none" normalizeH="0" baseline="0" dirty="0">
+                <a:ln>
+                  <a:noFill/>
+                </a:ln>
+                <a:solidFill>
+                  <a:schemeClr val="tx1"/>
+                </a:solidFill>
+                <a:effectLst/>
+                <a:latin typeface="Consolas" panose="020B0609020204030204" pitchFamily="49" charset="0"/>
+              </a:rPr>
+              <a:t> basados en los patrones de compra de </a:t>
+            </a:r>
+            <a:r>
+              <a:rPr kumimoji="0" lang="es-CL" altLang="es-CL" sz="1800" b="1" i="0" u="none" strike="noStrike" cap="none" normalizeH="0" baseline="0" dirty="0">
+                <a:ln>
+                  <a:noFill/>
+                </a:ln>
+                <a:solidFill>
+                  <a:srgbClr val="0070C0"/>
+                </a:solidFill>
+                <a:effectLst/>
+                <a:latin typeface="Consolas" panose="020B0609020204030204" pitchFamily="49" charset="0"/>
+              </a:rPr>
+              <a:t>comercios similares</a:t>
+            </a:r>
+            <a:r>
+              <a:rPr kumimoji="0" lang="es-CL" altLang="es-CL" sz="1800" b="0" i="0" u="none" strike="noStrike" cap="none" normalizeH="0" baseline="0" dirty="0">
+                <a:ln>
+                  <a:noFill/>
+                </a:ln>
+                <a:solidFill>
+                  <a:schemeClr val="tx1"/>
+                </a:solidFill>
+                <a:effectLst/>
+                <a:latin typeface="Consolas" panose="020B0609020204030204" pitchFamily="49" charset="0"/>
+              </a:rPr>
+              <a:t> y la </a:t>
+            </a:r>
+            <a:r>
+              <a:rPr kumimoji="0" lang="es-CL" altLang="es-CL" sz="1800" b="1" i="0" u="none" strike="noStrike" cap="none" normalizeH="0" baseline="0" dirty="0">
+                <a:ln>
+                  <a:noFill/>
+                </a:ln>
+                <a:solidFill>
+                  <a:srgbClr val="0070C0"/>
+                </a:solidFill>
+                <a:effectLst/>
+                <a:latin typeface="Consolas" panose="020B0609020204030204" pitchFamily="49" charset="0"/>
+              </a:rPr>
+              <a:t>popularidad</a:t>
+            </a:r>
+            <a:r>
+              <a:rPr kumimoji="0" lang="es-CL" altLang="es-CL" sz="1800" b="0" i="0" u="none" strike="noStrike" cap="none" normalizeH="0" baseline="0" dirty="0">
+                <a:ln>
+                  <a:noFill/>
+                </a:ln>
+                <a:solidFill>
+                  <a:schemeClr val="tx1"/>
+                </a:solidFill>
+                <a:effectLst/>
+                <a:latin typeface="Consolas" panose="020B0609020204030204" pitchFamily="49" charset="0"/>
+              </a:rPr>
+              <a:t> en la comuna.</a:t>
+            </a:r>
+            <a:endParaRPr lang="es-CL" altLang="es-CL" sz="1800" dirty="0">
+              <a:latin typeface="Consolas" panose="020B0609020204030204" pitchFamily="49" charset="0"/>
+            </a:endParaRPr>
+          </a:p>
+          <a:p>
+            <a:pPr algn="just" eaLnBrk="0" fontAlgn="base" hangingPunct="0">
+              <a:lnSpc>
+                <a:spcPct val="100000"/>
+              </a:lnSpc>
+              <a:spcBef>
+                <a:spcPct val="0"/>
+              </a:spcBef>
+              <a:spcAft>
+                <a:spcPct val="0"/>
+              </a:spcAft>
+            </a:pPr>
+            <a:endParaRPr kumimoji="0" lang="es-CL" altLang="es-CL" sz="1800" b="0" i="0" u="none" strike="noStrike" cap="none" normalizeH="0" baseline="0" dirty="0">
+              <a:ln>
+                <a:noFill/>
+              </a:ln>
+              <a:solidFill>
+                <a:schemeClr val="tx1"/>
+              </a:solidFill>
+              <a:effectLst/>
+              <a:latin typeface="Consolas" panose="020B0609020204030204" pitchFamily="49" charset="0"/>
+            </a:endParaRPr>
+          </a:p>
+          <a:p>
+            <a:pPr algn="just" eaLnBrk="0" fontAlgn="base" hangingPunct="0">
+              <a:lnSpc>
+                <a:spcPct val="100000"/>
+              </a:lnSpc>
+              <a:spcBef>
+                <a:spcPct val="0"/>
+              </a:spcBef>
+              <a:spcAft>
+                <a:spcPct val="0"/>
+              </a:spcAft>
+            </a:pPr>
+            <a:r>
+              <a:rPr kumimoji="0" lang="es-CL" altLang="es-CL" sz="1800" b="0" i="0" u="none" strike="noStrike" cap="none" normalizeH="0" baseline="0" dirty="0">
+                <a:ln>
+                  <a:noFill/>
+                </a:ln>
+                <a:solidFill>
+                  <a:schemeClr val="tx1"/>
+                </a:solidFill>
+                <a:effectLst/>
+                <a:latin typeface="Consolas" panose="020B0609020204030204" pitchFamily="49" charset="0"/>
+              </a:rPr>
+              <a:t>Se utilizaron tres modelos diferentes para realizar las recomendaciones: </a:t>
+            </a:r>
+            <a:r>
+              <a:rPr kumimoji="0" lang="es-CL" altLang="es-CL" sz="1800" b="1" i="0" u="none" strike="noStrike" cap="none" normalizeH="0" baseline="0" dirty="0">
+                <a:ln>
+                  <a:noFill/>
+                </a:ln>
+                <a:solidFill>
+                  <a:srgbClr val="0070C0"/>
+                </a:solidFill>
+                <a:effectLst/>
+                <a:latin typeface="Consolas" panose="020B0609020204030204" pitchFamily="49" charset="0"/>
+              </a:rPr>
+              <a:t>Jaccard</a:t>
+            </a:r>
+            <a:r>
+              <a:rPr kumimoji="0" lang="es-CL" altLang="es-CL" sz="1800" b="0" i="0" u="none" strike="noStrike" cap="none" normalizeH="0" baseline="0" dirty="0">
+                <a:ln>
+                  <a:noFill/>
+                </a:ln>
+                <a:solidFill>
+                  <a:schemeClr val="tx1"/>
+                </a:solidFill>
+                <a:effectLst/>
+                <a:latin typeface="Consolas" panose="020B0609020204030204" pitchFamily="49" charset="0"/>
+              </a:rPr>
+              <a:t>, </a:t>
+            </a:r>
+            <a:r>
+              <a:rPr kumimoji="0" lang="es-CL" altLang="es-CL" sz="1800" b="1" i="0" u="none" strike="noStrike" cap="none" normalizeH="0" baseline="0" dirty="0">
+                <a:ln>
+                  <a:noFill/>
+                </a:ln>
+                <a:solidFill>
+                  <a:srgbClr val="0070C0"/>
+                </a:solidFill>
+                <a:effectLst/>
+                <a:latin typeface="Consolas" panose="020B0609020204030204" pitchFamily="49" charset="0"/>
+              </a:rPr>
+              <a:t>Coseno</a:t>
+            </a:r>
+            <a:r>
+              <a:rPr kumimoji="0" lang="es-CL" altLang="es-CL" sz="1800" b="0" i="0" u="none" strike="noStrike" cap="none" normalizeH="0" baseline="0" dirty="0">
+                <a:ln>
+                  <a:noFill/>
+                </a:ln>
+                <a:solidFill>
+                  <a:schemeClr val="tx1"/>
+                </a:solidFill>
+                <a:effectLst/>
+                <a:latin typeface="Consolas" panose="020B0609020204030204" pitchFamily="49" charset="0"/>
+              </a:rPr>
+              <a:t> y </a:t>
+            </a:r>
+            <a:r>
+              <a:rPr kumimoji="0" lang="es-CL" altLang="es-CL" sz="1800" b="1" i="0" u="none" strike="noStrike" cap="none" normalizeH="0" baseline="0" dirty="0">
+                <a:ln>
+                  <a:noFill/>
+                </a:ln>
+                <a:solidFill>
+                  <a:srgbClr val="0070C0"/>
+                </a:solidFill>
+                <a:effectLst/>
+                <a:latin typeface="Consolas" panose="020B0609020204030204" pitchFamily="49" charset="0"/>
+              </a:rPr>
+              <a:t>KNN</a:t>
+            </a:r>
+            <a:r>
+              <a:rPr kumimoji="0" lang="es-CL" altLang="es-CL" sz="1800" b="0" i="0" u="none" strike="noStrike" cap="none" normalizeH="0" baseline="0" dirty="0">
+                <a:ln>
+                  <a:noFill/>
+                </a:ln>
+                <a:solidFill>
+                  <a:schemeClr val="tx1"/>
+                </a:solidFill>
+                <a:effectLst/>
+                <a:latin typeface="Consolas" panose="020B0609020204030204" pitchFamily="49" charset="0"/>
+              </a:rPr>
+              <a:t>.</a:t>
+            </a:r>
+          </a:p>
+          <a:p>
+            <a:pPr algn="just" eaLnBrk="0" fontAlgn="base" hangingPunct="0">
+              <a:lnSpc>
+                <a:spcPct val="100000"/>
+              </a:lnSpc>
+              <a:spcBef>
+                <a:spcPct val="0"/>
+              </a:spcBef>
+              <a:spcAft>
+                <a:spcPct val="0"/>
+              </a:spcAft>
+            </a:pPr>
+            <a:endParaRPr kumimoji="0" lang="es-CL" altLang="es-CL" sz="1800" b="0" i="0" u="none" strike="noStrike" cap="none" normalizeH="0" baseline="0" dirty="0">
+              <a:ln>
+                <a:noFill/>
+              </a:ln>
+              <a:solidFill>
+                <a:schemeClr val="tx1"/>
+              </a:solidFill>
+              <a:effectLst/>
+              <a:latin typeface="Consolas" panose="020B0609020204030204" pitchFamily="49" charset="0"/>
+            </a:endParaRPr>
+          </a:p>
+          <a:p>
+            <a:pPr algn="just" eaLnBrk="0" fontAlgn="base" hangingPunct="0">
+              <a:lnSpc>
+                <a:spcPct val="100000"/>
+              </a:lnSpc>
+              <a:spcBef>
+                <a:spcPct val="0"/>
+              </a:spcBef>
+              <a:spcAft>
+                <a:spcPct val="0"/>
+              </a:spcAft>
+            </a:pPr>
+            <a:r>
+              <a:rPr kumimoji="0" lang="es-CL" altLang="es-CL" sz="1800" b="0" i="0" u="none" strike="noStrike" cap="none" normalizeH="0" baseline="0" dirty="0">
+                <a:ln>
+                  <a:noFill/>
+                </a:ln>
+                <a:solidFill>
+                  <a:schemeClr val="tx1"/>
+                </a:solidFill>
+                <a:effectLst/>
+                <a:latin typeface="Consolas" panose="020B0609020204030204" pitchFamily="49" charset="0"/>
+              </a:rPr>
+              <a:t>El modelo basado en similitud de </a:t>
+            </a:r>
+            <a:r>
+              <a:rPr kumimoji="0" lang="es-CL" altLang="es-CL" sz="1800" b="1" i="0" u="none" strike="noStrike" cap="none" normalizeH="0" baseline="0" dirty="0">
+                <a:ln>
+                  <a:noFill/>
+                </a:ln>
+                <a:solidFill>
+                  <a:srgbClr val="0070C0"/>
+                </a:solidFill>
+                <a:effectLst/>
+                <a:latin typeface="Consolas" panose="020B0609020204030204" pitchFamily="49" charset="0"/>
+              </a:rPr>
+              <a:t>coseno</a:t>
+            </a:r>
+            <a:r>
+              <a:rPr kumimoji="0" lang="es-CL" altLang="es-CL" sz="1800" b="0" i="0" u="none" strike="noStrike" cap="none" normalizeH="0" baseline="0" dirty="0">
+                <a:ln>
+                  <a:noFill/>
+                </a:ln>
+                <a:solidFill>
+                  <a:schemeClr val="tx1"/>
+                </a:solidFill>
+                <a:effectLst/>
+                <a:latin typeface="Consolas" panose="020B0609020204030204" pitchFamily="49" charset="0"/>
+              </a:rPr>
+              <a:t> fue seleccionado debido a su equilibrio entre </a:t>
+            </a:r>
+            <a:r>
+              <a:rPr kumimoji="0" lang="es-CL" altLang="es-CL" sz="1800" b="1" i="0" u="none" strike="noStrike" cap="none" normalizeH="0" baseline="0" dirty="0">
+                <a:ln>
+                  <a:noFill/>
+                </a:ln>
+                <a:solidFill>
+                  <a:srgbClr val="0070C0"/>
+                </a:solidFill>
+                <a:effectLst/>
+                <a:latin typeface="Consolas" panose="020B0609020204030204" pitchFamily="49" charset="0"/>
+              </a:rPr>
+              <a:t>precisión</a:t>
+            </a:r>
+            <a:r>
+              <a:rPr kumimoji="0" lang="es-CL" altLang="es-CL" sz="1800" b="0" i="0" u="none" strike="noStrike" cap="none" normalizeH="0" baseline="0" dirty="0">
+                <a:ln>
+                  <a:noFill/>
+                </a:ln>
+                <a:solidFill>
+                  <a:schemeClr val="tx1"/>
+                </a:solidFill>
+                <a:effectLst/>
+                <a:latin typeface="Consolas" panose="020B0609020204030204" pitchFamily="49" charset="0"/>
+              </a:rPr>
+              <a:t> y </a:t>
+            </a:r>
+            <a:r>
+              <a:rPr kumimoji="0" lang="es-CL" altLang="es-CL" sz="1800" b="1" i="0" u="none" strike="noStrike" cap="none" normalizeH="0" baseline="0" dirty="0" err="1">
+                <a:ln>
+                  <a:noFill/>
+                </a:ln>
+                <a:solidFill>
+                  <a:srgbClr val="0070C0"/>
+                </a:solidFill>
+                <a:effectLst/>
+                <a:latin typeface="Consolas" panose="020B0609020204030204" pitchFamily="49" charset="0"/>
+              </a:rPr>
+              <a:t>recall</a:t>
+            </a:r>
+            <a:r>
+              <a:rPr kumimoji="0" lang="es-CL" altLang="es-CL" sz="1800" b="0" i="0" u="none" strike="noStrike" cap="none" normalizeH="0" baseline="0" dirty="0">
+                <a:ln>
+                  <a:noFill/>
+                </a:ln>
+                <a:solidFill>
+                  <a:schemeClr val="tx1"/>
+                </a:solidFill>
+                <a:effectLst/>
+                <a:latin typeface="Consolas" panose="020B0609020204030204" pitchFamily="49" charset="0"/>
+              </a:rPr>
+              <a:t>, evitando el sobreajuste observado en el modelo Jaccard, que resultó en métricas excesivamente optimistas.</a:t>
+            </a:r>
+          </a:p>
+          <a:p>
+            <a:pPr marL="0" indent="0" algn="just" eaLnBrk="0" fontAlgn="base" hangingPunct="0">
+              <a:lnSpc>
+                <a:spcPct val="100000"/>
+              </a:lnSpc>
+              <a:spcBef>
+                <a:spcPct val="0"/>
+              </a:spcBef>
+              <a:spcAft>
+                <a:spcPct val="0"/>
+              </a:spcAft>
+              <a:buNone/>
+            </a:pPr>
+            <a:endParaRPr kumimoji="0" lang="es-CL" altLang="es-CL" sz="1800" b="0" i="0" u="none" strike="noStrike" cap="none" normalizeH="0" baseline="0" dirty="0">
+              <a:ln>
+                <a:noFill/>
+              </a:ln>
+              <a:solidFill>
+                <a:schemeClr val="tx1"/>
+              </a:solidFill>
+              <a:effectLst/>
+              <a:latin typeface="Consolas" panose="020B0609020204030204" pitchFamily="49" charset="0"/>
+            </a:endParaRPr>
+          </a:p>
+          <a:p>
+            <a:pPr algn="just" eaLnBrk="0" fontAlgn="base" hangingPunct="0">
+              <a:lnSpc>
+                <a:spcPct val="100000"/>
+              </a:lnSpc>
+              <a:spcBef>
+                <a:spcPct val="0"/>
+              </a:spcBef>
+              <a:spcAft>
+                <a:spcPct val="0"/>
+              </a:spcAft>
+            </a:pPr>
+            <a:r>
+              <a:rPr kumimoji="0" lang="es-CL" altLang="es-CL" sz="1800" b="0" i="0" u="none" strike="noStrike" cap="none" normalizeH="0" baseline="0" dirty="0">
+                <a:ln>
+                  <a:noFill/>
+                </a:ln>
+                <a:solidFill>
+                  <a:schemeClr val="tx1"/>
+                </a:solidFill>
+                <a:effectLst/>
+                <a:latin typeface="Consolas" panose="020B0609020204030204" pitchFamily="49" charset="0"/>
+              </a:rPr>
+              <a:t>La </a:t>
+            </a:r>
+            <a:r>
+              <a:rPr kumimoji="0" lang="es-CL" altLang="es-CL" sz="1800" b="1" i="0" u="none" strike="noStrike" cap="none" normalizeH="0" baseline="0" dirty="0">
+                <a:ln>
+                  <a:noFill/>
+                </a:ln>
+                <a:solidFill>
+                  <a:srgbClr val="0070C0"/>
+                </a:solidFill>
+                <a:effectLst/>
+                <a:latin typeface="Consolas" panose="020B0609020204030204" pitchFamily="49" charset="0"/>
+              </a:rPr>
+              <a:t>penalización</a:t>
+            </a:r>
+            <a:r>
+              <a:rPr kumimoji="0" lang="es-CL" altLang="es-CL" sz="1800" b="0" i="0" u="none" strike="noStrike" cap="none" normalizeH="0" baseline="0" dirty="0">
+                <a:ln>
+                  <a:noFill/>
+                </a:ln>
+                <a:solidFill>
+                  <a:schemeClr val="tx1"/>
+                </a:solidFill>
+                <a:effectLst/>
+                <a:latin typeface="Consolas" panose="020B0609020204030204" pitchFamily="49" charset="0"/>
+              </a:rPr>
+              <a:t> de productos ya comprados por un comercio fue clave para evitar recomendaciones redundantes, mejorando la relevancia de las recomendaciones. </a:t>
+            </a:r>
+          </a:p>
+        </p:txBody>
+      </p:sp>
+      <p:pic>
+        <p:nvPicPr>
+          <p:cNvPr id="5" name="Picture 2" descr="YOM">
+            <a:extLst>
+              <a:ext uri="{FF2B5EF4-FFF2-40B4-BE49-F238E27FC236}">
+                <a16:creationId xmlns:a16="http://schemas.microsoft.com/office/drawing/2014/main" id="{C1161B98-7C35-D2CF-D374-6A321A8642E1}"/>
+              </a:ext>
+            </a:extLst>
+          </p:cNvPr>
+          <p:cNvPicPr>
+            <a:picLocks noChangeAspect="1" noChangeArrowheads="1"/>
+          </p:cNvPicPr>
+          <p:nvPr/>
+        </p:nvPicPr>
+        <p:blipFill rotWithShape="1">
+          <a:blip r:embed="rId2">
+            <a:extLst>
+              <a:ext uri="{28A0092B-C50C-407E-A947-70E740481C1C}">
+                <a14:useLocalDpi xmlns:a14="http://schemas.microsoft.com/office/drawing/2010/main" val="0"/>
+              </a:ext>
+            </a:extLst>
+          </a:blip>
+          <a:srcRect r="66899"/>
+          <a:stretch/>
+        </p:blipFill>
+        <p:spPr bwMode="auto">
+          <a:xfrm>
+            <a:off x="11387711" y="183183"/>
+            <a:ext cx="627289" cy="648970"/>
+          </a:xfrm>
+          <a:prstGeom prst="rect">
+            <a:avLst/>
+          </a:prstGeom>
+          <a:noFill/>
+          <a:extLst>
+            <a:ext uri="{909E8E84-426E-40DD-AFC4-6F175D3DCCD1}">
+              <a14:hiddenFill xmlns:a14="http://schemas.microsoft.com/office/drawing/2010/main">
+                <a:solidFill>
+                  <a:srgbClr val="FFFFFF"/>
+                </a:solidFill>
+              </a14:hiddenFill>
+            </a:ext>
+          </a:extLst>
+        </p:spPr>
+      </p:pic>
+    </p:spTree>
+    <p:extLst>
+      <p:ext uri="{BB962C8B-B14F-4D97-AF65-F5344CB8AC3E}">
+        <p14:creationId xmlns:p14="http://schemas.microsoft.com/office/powerpoint/2010/main" val="993694240"/>
+      </p:ext>
+    </p:extLst>
+  </p:cSld>
+  <p:clrMapOvr>
+    <a:masterClrMapping/>
+  </p:clrMapOvr>
+</p:sld>
+</file>
+
+<file path=ppt/slides/slide11.xml><?xml version="1.0" encoding="utf-8"?>
+<p:sld xmlns:a="http://schemas.openxmlformats.org/drawingml/2006/main" xmlns:r="http://schemas.openxmlformats.org/officeDocument/2006/relationships" xmlns:p="http://schemas.openxmlformats.org/presentationml/2006/main">
+  <p:cSld>
+    <p:spTree>
+      <p:nvGrpSpPr>
+        <p:cNvPr id="1" name=""/>
+        <p:cNvGrpSpPr/>
+        <p:nvPr/>
+      </p:nvGrpSpPr>
+      <p:grpSpPr>
+        <a:xfrm>
+          <a:off x="0" y="0"/>
+          <a:ext cx="0" cy="0"/>
+          <a:chOff x="0" y="0"/>
+          <a:chExt cx="0" cy="0"/>
+        </a:xfrm>
+      </p:grpSpPr>
+      <p:sp>
+        <p:nvSpPr>
+          <p:cNvPr id="2" name="Título 1">
+            <a:extLst>
+              <a:ext uri="{FF2B5EF4-FFF2-40B4-BE49-F238E27FC236}">
+                <a16:creationId xmlns:a16="http://schemas.microsoft.com/office/drawing/2014/main" id="{3370487C-E23F-A3E6-3752-D99FCC80F4ED}"/>
+              </a:ext>
+            </a:extLst>
+          </p:cNvPr>
+          <p:cNvSpPr>
+            <a:spLocks noGrp="1"/>
+          </p:cNvSpPr>
+          <p:nvPr>
+            <p:ph type="title"/>
+          </p:nvPr>
+        </p:nvSpPr>
+        <p:spPr/>
+        <p:txBody>
+          <a:bodyPr/>
+          <a:lstStyle/>
+          <a:p>
+            <a:r>
+              <a:rPr lang="es-CL" dirty="0"/>
+              <a:t>Recomendaciones</a:t>
+            </a:r>
+          </a:p>
+        </p:txBody>
+      </p:sp>
+      <p:sp>
+        <p:nvSpPr>
+          <p:cNvPr id="3" name="Marcador de contenido 2">
+            <a:extLst>
+              <a:ext uri="{FF2B5EF4-FFF2-40B4-BE49-F238E27FC236}">
+                <a16:creationId xmlns:a16="http://schemas.microsoft.com/office/drawing/2014/main" id="{56D68345-245B-5274-6702-BC0A142E3568}"/>
+              </a:ext>
+            </a:extLst>
+          </p:cNvPr>
+          <p:cNvSpPr>
+            <a:spLocks noGrp="1"/>
+          </p:cNvSpPr>
+          <p:nvPr>
+            <p:ph idx="1"/>
+          </p:nvPr>
+        </p:nvSpPr>
+        <p:spPr/>
+        <p:txBody>
+          <a:bodyPr>
+            <a:normAutofit fontScale="92500" lnSpcReduction="10000"/>
+          </a:bodyPr>
+          <a:lstStyle/>
+          <a:p>
+            <a:pPr marL="0" indent="0">
+              <a:buNone/>
+            </a:pPr>
+            <a:r>
+              <a:rPr lang="es-ES" b="1" dirty="0">
+                <a:solidFill>
+                  <a:srgbClr val="569CD6"/>
+                </a:solidFill>
+                <a:effectLst/>
+                <a:latin typeface="Consolas" panose="020B0609020204030204" pitchFamily="49" charset="0"/>
+              </a:rPr>
+              <a:t>Datos temporales</a:t>
+            </a:r>
+            <a:r>
+              <a:rPr lang="es-ES" b="0" dirty="0">
+                <a:solidFill>
+                  <a:srgbClr val="CCCCCC"/>
+                </a:solidFill>
+                <a:effectLst/>
+                <a:latin typeface="Consolas" panose="020B0609020204030204" pitchFamily="49" charset="0"/>
+              </a:rPr>
+              <a:t>: </a:t>
+            </a:r>
+            <a:r>
+              <a:rPr lang="es-ES" b="0" dirty="0">
+                <a:effectLst/>
+                <a:latin typeface="Consolas" panose="020B0609020204030204" pitchFamily="49" charset="0"/>
+              </a:rPr>
+              <a:t>Incorporar fechas de transacciones permitiría captar tendencias temporales, mejorando la calidad de las recomendaciones.</a:t>
+            </a:r>
+          </a:p>
+          <a:p>
+            <a:pPr marL="0" indent="0">
+              <a:buNone/>
+            </a:pPr>
+            <a:endParaRPr lang="es-ES" b="1" dirty="0">
+              <a:solidFill>
+                <a:srgbClr val="569CD6"/>
+              </a:solidFill>
+              <a:effectLst/>
+              <a:latin typeface="Consolas" panose="020B0609020204030204" pitchFamily="49" charset="0"/>
+            </a:endParaRPr>
+          </a:p>
+          <a:p>
+            <a:pPr marL="0" indent="0">
+              <a:buNone/>
+            </a:pPr>
+            <a:r>
+              <a:rPr lang="es-ES" b="1" dirty="0">
+                <a:solidFill>
+                  <a:srgbClr val="569CD6"/>
+                </a:solidFill>
+                <a:effectLst/>
+                <a:latin typeface="Consolas" panose="020B0609020204030204" pitchFamily="49" charset="0"/>
+              </a:rPr>
+              <a:t>Hibridación de modelos</a:t>
+            </a:r>
+            <a:r>
+              <a:rPr lang="es-ES" b="0" dirty="0">
+                <a:solidFill>
+                  <a:srgbClr val="CCCCCC"/>
+                </a:solidFill>
+                <a:effectLst/>
+                <a:latin typeface="Consolas" panose="020B0609020204030204" pitchFamily="49" charset="0"/>
+              </a:rPr>
+              <a:t>: </a:t>
+            </a:r>
+            <a:r>
+              <a:rPr lang="es-ES" b="0" dirty="0">
+                <a:effectLst/>
+                <a:latin typeface="Consolas" panose="020B0609020204030204" pitchFamily="49" charset="0"/>
+              </a:rPr>
+              <a:t>La combinación de diferentes modelos podría capturar aspectos más amplios de las preferencias de los comercios.</a:t>
+            </a:r>
+          </a:p>
+          <a:p>
+            <a:pPr marL="0" indent="0">
+              <a:buNone/>
+            </a:pPr>
+            <a:endParaRPr lang="es-ES" dirty="0">
+              <a:solidFill>
+                <a:srgbClr val="CCCCCC"/>
+              </a:solidFill>
+              <a:latin typeface="Consolas" panose="020B0609020204030204" pitchFamily="49" charset="0"/>
+            </a:endParaRPr>
+          </a:p>
+          <a:p>
+            <a:pPr marL="0" indent="0">
+              <a:buNone/>
+            </a:pPr>
+            <a:r>
+              <a:rPr lang="es-ES" b="1" dirty="0">
+                <a:solidFill>
+                  <a:srgbClr val="569CD6"/>
+                </a:solidFill>
+                <a:effectLst/>
+                <a:latin typeface="Consolas" panose="020B0609020204030204" pitchFamily="49" charset="0"/>
+              </a:rPr>
+              <a:t>Optimización continua**</a:t>
+            </a:r>
+            <a:r>
+              <a:rPr lang="es-ES" b="0" dirty="0">
+                <a:solidFill>
+                  <a:srgbClr val="CCCCCC"/>
+                </a:solidFill>
+                <a:effectLst/>
+                <a:latin typeface="Consolas" panose="020B0609020204030204" pitchFamily="49" charset="0"/>
+              </a:rPr>
+              <a:t>: </a:t>
+            </a:r>
+            <a:r>
+              <a:rPr lang="es-ES" b="0" dirty="0">
+                <a:effectLst/>
+                <a:latin typeface="Consolas" panose="020B0609020204030204" pitchFamily="49" charset="0"/>
+              </a:rPr>
+              <a:t>Implementar un sistema </a:t>
+            </a:r>
+            <a:r>
+              <a:rPr lang="es-ES" b="1" dirty="0" err="1">
+                <a:solidFill>
+                  <a:srgbClr val="0070C0"/>
+                </a:solidFill>
+                <a:effectLst/>
+                <a:latin typeface="Consolas" panose="020B0609020204030204" pitchFamily="49" charset="0"/>
+              </a:rPr>
+              <a:t>MLOps</a:t>
+            </a:r>
+            <a:r>
+              <a:rPr lang="es-ES" b="0" dirty="0">
+                <a:effectLst/>
+                <a:latin typeface="Consolas" panose="020B0609020204030204" pitchFamily="49" charset="0"/>
+              </a:rPr>
+              <a:t> en línea permitiría ajustar las recomendaciones en tiempo real con datos nuevos.</a:t>
+            </a:r>
+          </a:p>
+          <a:p>
+            <a:endParaRPr lang="es-CL" dirty="0"/>
+          </a:p>
+        </p:txBody>
+      </p:sp>
+      <p:pic>
+        <p:nvPicPr>
+          <p:cNvPr id="4" name="Picture 2" descr="YOM">
+            <a:extLst>
+              <a:ext uri="{FF2B5EF4-FFF2-40B4-BE49-F238E27FC236}">
+                <a16:creationId xmlns:a16="http://schemas.microsoft.com/office/drawing/2014/main" id="{010885D8-8863-FEB8-AAA9-86F037FFAE5C}"/>
+              </a:ext>
+            </a:extLst>
+          </p:cNvPr>
+          <p:cNvPicPr>
+            <a:picLocks noChangeAspect="1" noChangeArrowheads="1"/>
+          </p:cNvPicPr>
+          <p:nvPr/>
+        </p:nvPicPr>
+        <p:blipFill rotWithShape="1">
+          <a:blip r:embed="rId2">
+            <a:extLst>
+              <a:ext uri="{28A0092B-C50C-407E-A947-70E740481C1C}">
+                <a14:useLocalDpi xmlns:a14="http://schemas.microsoft.com/office/drawing/2010/main" val="0"/>
+              </a:ext>
+            </a:extLst>
+          </a:blip>
+          <a:srcRect r="66899"/>
+          <a:stretch/>
+        </p:blipFill>
+        <p:spPr bwMode="auto">
+          <a:xfrm>
+            <a:off x="11387711" y="183183"/>
+            <a:ext cx="627289" cy="648970"/>
+          </a:xfrm>
+          <a:prstGeom prst="rect">
+            <a:avLst/>
+          </a:prstGeom>
+          <a:noFill/>
+          <a:extLst>
+            <a:ext uri="{909E8E84-426E-40DD-AFC4-6F175D3DCCD1}">
+              <a14:hiddenFill xmlns:a14="http://schemas.microsoft.com/office/drawing/2010/main">
+                <a:solidFill>
+                  <a:srgbClr val="FFFFFF"/>
+                </a:solidFill>
+              </a14:hiddenFill>
+            </a:ext>
+          </a:extLst>
+        </p:spPr>
+      </p:pic>
+    </p:spTree>
+    <p:extLst>
+      <p:ext uri="{BB962C8B-B14F-4D97-AF65-F5344CB8AC3E}">
+        <p14:creationId xmlns:p14="http://schemas.microsoft.com/office/powerpoint/2010/main" val="3822439927"/>
+      </p:ext>
+    </p:extLst>
+  </p:cSld>
+  <p:clrMapOvr>
+    <a:masterClrMapping/>
+  </p:clrMapOvr>
+</p:sld>
+</file>
+
+<file path=ppt/slides/slide12.xml><?xml version="1.0" encoding="utf-8"?>
+<p:sld xmlns:a="http://schemas.openxmlformats.org/drawingml/2006/main" xmlns:r="http://schemas.openxmlformats.org/officeDocument/2006/relationships" xmlns:p="http://schemas.openxmlformats.org/presentationml/2006/main">
+  <p:cSld>
+    <p:spTree>
+      <p:nvGrpSpPr>
+        <p:cNvPr id="1" name=""/>
+        <p:cNvGrpSpPr/>
+        <p:nvPr/>
+      </p:nvGrpSpPr>
+      <p:grpSpPr>
+        <a:xfrm>
+          <a:off x="0" y="0"/>
+          <a:ext cx="0" cy="0"/>
+          <a:chOff x="0" y="0"/>
+          <a:chExt cx="0" cy="0"/>
+        </a:xfrm>
+      </p:grpSpPr>
+      <p:pic>
+        <p:nvPicPr>
+          <p:cNvPr id="10242" name="Picture 2">
+            <a:extLst>
+              <a:ext uri="{FF2B5EF4-FFF2-40B4-BE49-F238E27FC236}">
+                <a16:creationId xmlns:a16="http://schemas.microsoft.com/office/drawing/2014/main" id="{A767BFA2-E7B7-2C82-0F32-C05910BE41D1}"/>
+              </a:ext>
+            </a:extLst>
+          </p:cNvPr>
+          <p:cNvPicPr>
+            <a:picLocks noChangeAspect="1" noChangeArrowheads="1"/>
+          </p:cNvPicPr>
+          <p:nvPr/>
+        </p:nvPicPr>
+        <p:blipFill>
+          <a:blip r:embed="rId2">
+            <a:extLst>
+              <a:ext uri="{28A0092B-C50C-407E-A947-70E740481C1C}">
+                <a14:useLocalDpi xmlns:a14="http://schemas.microsoft.com/office/drawing/2010/main" val="0"/>
+              </a:ext>
+            </a:extLst>
+          </a:blip>
+          <a:srcRect/>
+          <a:stretch>
+            <a:fillRect/>
+          </a:stretch>
+        </p:blipFill>
+        <p:spPr bwMode="auto">
+          <a:xfrm>
+            <a:off x="3597123" y="2573265"/>
+            <a:ext cx="4997753" cy="1711470"/>
+          </a:xfrm>
+          <a:prstGeom prst="rect">
+            <a:avLst/>
+          </a:prstGeom>
+          <a:noFill/>
+          <a:extLst>
+            <a:ext uri="{909E8E84-426E-40DD-AFC4-6F175D3DCCD1}">
+              <a14:hiddenFill xmlns:a14="http://schemas.microsoft.com/office/drawing/2010/main">
+                <a:solidFill>
+                  <a:srgbClr val="FFFFFF"/>
+                </a:solidFill>
+              </a14:hiddenFill>
+            </a:ext>
+          </a:extLst>
+        </p:spPr>
+      </p:pic>
+    </p:spTree>
+    <p:extLst>
+      <p:ext uri="{BB962C8B-B14F-4D97-AF65-F5344CB8AC3E}">
+        <p14:creationId xmlns:p14="http://schemas.microsoft.com/office/powerpoint/2010/main" val="3306190737"/>
       </p:ext>
     </p:extLst>
   </p:cSld>
@@ -3592,12 +5622,66 @@
             <p:ph idx="1"/>
           </p:nvPr>
         </p:nvSpPr>
-        <p:spPr/>
+        <p:spPr>
+          <a:xfrm>
+            <a:off x="838202" y="1825625"/>
+            <a:ext cx="7177708" cy="4351338"/>
+          </a:xfrm>
+        </p:spPr>
         <p:txBody>
-          <a:bodyPr/>
+          <a:bodyPr>
+            <a:noAutofit/>
+          </a:bodyPr>
           <a:lstStyle/>
           <a:p>
-            <a:endParaRPr lang="es-CL" dirty="0"/>
+            <a:pPr marL="0" indent="0" algn="just">
+              <a:buNone/>
+            </a:pPr>
+            <a:r>
+              <a:rPr lang="es-ES" sz="2100" dirty="0">
+                <a:latin typeface="Consolas" panose="020B0609020204030204" pitchFamily="49" charset="0"/>
+              </a:rPr>
+              <a:t>Mayorista11 busca desarrollar un sistema de recomendación de productos para comercios locales, con objetivo de optimizar ventas y controlar inventario al sugerir productos relevantes. </a:t>
+            </a:r>
+          </a:p>
+          <a:p>
+            <a:pPr marL="0" indent="0" algn="just">
+              <a:buNone/>
+            </a:pPr>
+            <a:endParaRPr lang="es-ES" sz="2100" dirty="0">
+              <a:latin typeface="Consolas" panose="020B0609020204030204" pitchFamily="49" charset="0"/>
+            </a:endParaRPr>
+          </a:p>
+          <a:p>
+            <a:pPr marL="0" indent="0" algn="just">
+              <a:buNone/>
+            </a:pPr>
+            <a:r>
+              <a:rPr lang="es-ES" sz="2600" b="1" dirty="0"/>
+              <a:t>Objetivo</a:t>
+            </a:r>
+          </a:p>
+          <a:p>
+            <a:pPr marL="0" indent="0" algn="just">
+              <a:buNone/>
+            </a:pPr>
+            <a:endParaRPr lang="es-ES" sz="2100" dirty="0">
+              <a:latin typeface="Consolas" panose="020B0609020204030204" pitchFamily="49" charset="0"/>
+            </a:endParaRPr>
+          </a:p>
+          <a:p>
+            <a:pPr marL="0" indent="0" algn="just">
+              <a:buNone/>
+            </a:pPr>
+            <a:r>
+              <a:rPr lang="es-ES" sz="2100" dirty="0">
+                <a:latin typeface="Consolas" panose="020B0609020204030204" pitchFamily="49" charset="0"/>
+              </a:rPr>
+              <a:t>Mejorar la experiencia del cliente y aumentar la retención mediante recomendaciones personalizadas basadas en patrones locales de compra.</a:t>
+            </a:r>
+            <a:endParaRPr lang="es-CL" sz="2100" dirty="0">
+              <a:latin typeface="Consolas" panose="020B0609020204030204" pitchFamily="49" charset="0"/>
+            </a:endParaRPr>
           </a:p>
         </p:txBody>
       </p:sp>
@@ -3646,10 +5730,3105 @@
           </a:extLst>
         </p:spPr>
       </p:pic>
+      <p:pic>
+        <p:nvPicPr>
+          <p:cNvPr id="1026" name="Picture 2" descr="Sistemas de recomendación Collaborative Filtering - SOLUSOFT">
+            <a:extLst>
+              <a:ext uri="{FF2B5EF4-FFF2-40B4-BE49-F238E27FC236}">
+                <a16:creationId xmlns:a16="http://schemas.microsoft.com/office/drawing/2014/main" id="{58F01FA4-047B-4B0C-6E33-A62205DB7271}"/>
+              </a:ext>
+            </a:extLst>
+          </p:cNvPr>
+          <p:cNvPicPr>
+            <a:picLocks noChangeAspect="1" noChangeArrowheads="1"/>
+          </p:cNvPicPr>
+          <p:nvPr/>
+        </p:nvPicPr>
+        <p:blipFill>
+          <a:blip r:embed="rId3">
+            <a:extLst>
+              <a:ext uri="{28A0092B-C50C-407E-A947-70E740481C1C}">
+                <a14:useLocalDpi xmlns:a14="http://schemas.microsoft.com/office/drawing/2010/main" val="0"/>
+              </a:ext>
+            </a:extLst>
+          </a:blip>
+          <a:srcRect/>
+          <a:stretch>
+            <a:fillRect/>
+          </a:stretch>
+        </p:blipFill>
+        <p:spPr bwMode="auto">
+          <a:xfrm>
+            <a:off x="8409938" y="2739730"/>
+            <a:ext cx="3291417" cy="1688178"/>
+          </a:xfrm>
+          <a:prstGeom prst="rect">
+            <a:avLst/>
+          </a:prstGeom>
+          <a:noFill/>
+          <a:extLst>
+            <a:ext uri="{909E8E84-426E-40DD-AFC4-6F175D3DCCD1}">
+              <a14:hiddenFill xmlns:a14="http://schemas.microsoft.com/office/drawing/2010/main">
+                <a:solidFill>
+                  <a:srgbClr val="FFFFFF"/>
+                </a:solidFill>
+              </a14:hiddenFill>
+            </a:ext>
+          </a:extLst>
+        </p:spPr>
+      </p:pic>
     </p:spTree>
     <p:extLst>
       <p:ext uri="{BB962C8B-B14F-4D97-AF65-F5344CB8AC3E}">
         <p14:creationId xmlns:p14="http://schemas.microsoft.com/office/powerpoint/2010/main" val="3342342329"/>
+      </p:ext>
+    </p:extLst>
+  </p:cSld>
+  <p:clrMapOvr>
+    <a:masterClrMapping/>
+  </p:clrMapOvr>
+</p:sld>
+</file>
+
+<file path=ppt/slides/slide3.xml><?xml version="1.0" encoding="utf-8"?>
+<p:sld xmlns:a="http://schemas.openxmlformats.org/drawingml/2006/main" xmlns:r="http://schemas.openxmlformats.org/officeDocument/2006/relationships" xmlns:p="http://schemas.openxmlformats.org/presentationml/2006/main">
+  <p:cSld>
+    <p:spTree>
+      <p:nvGrpSpPr>
+        <p:cNvPr id="1" name=""/>
+        <p:cNvGrpSpPr/>
+        <p:nvPr/>
+      </p:nvGrpSpPr>
+      <p:grpSpPr>
+        <a:xfrm>
+          <a:off x="0" y="0"/>
+          <a:ext cx="0" cy="0"/>
+          <a:chOff x="0" y="0"/>
+          <a:chExt cx="0" cy="0"/>
+        </a:xfrm>
+      </p:grpSpPr>
+      <p:sp>
+        <p:nvSpPr>
+          <p:cNvPr id="2" name="Título 1">
+            <a:extLst>
+              <a:ext uri="{FF2B5EF4-FFF2-40B4-BE49-F238E27FC236}">
+                <a16:creationId xmlns:a16="http://schemas.microsoft.com/office/drawing/2014/main" id="{60C19D84-D279-B828-122A-534DECBA3DDE}"/>
+              </a:ext>
+            </a:extLst>
+          </p:cNvPr>
+          <p:cNvSpPr>
+            <a:spLocks noGrp="1"/>
+          </p:cNvSpPr>
+          <p:nvPr>
+            <p:ph type="title"/>
+          </p:nvPr>
+        </p:nvSpPr>
+        <p:spPr/>
+        <p:txBody>
+          <a:bodyPr/>
+          <a:lstStyle/>
+          <a:p>
+            <a:r>
+              <a:rPr lang="es-ES" b="1" dirty="0"/>
+              <a:t>Hipótesis Iniciales</a:t>
+            </a:r>
+            <a:endParaRPr lang="es-CL" dirty="0"/>
+          </a:p>
+        </p:txBody>
+      </p:sp>
+      <p:sp>
+        <p:nvSpPr>
+          <p:cNvPr id="3" name="Marcador de contenido 2">
+            <a:extLst>
+              <a:ext uri="{FF2B5EF4-FFF2-40B4-BE49-F238E27FC236}">
+                <a16:creationId xmlns:a16="http://schemas.microsoft.com/office/drawing/2014/main" id="{EA9228E3-2AA1-38EB-0004-8026A265E949}"/>
+              </a:ext>
+            </a:extLst>
+          </p:cNvPr>
+          <p:cNvSpPr>
+            <a:spLocks noGrp="1"/>
+          </p:cNvSpPr>
+          <p:nvPr>
+            <p:ph idx="1"/>
+          </p:nvPr>
+        </p:nvSpPr>
+        <p:spPr>
+          <a:xfrm>
+            <a:off x="872067" y="2004633"/>
+            <a:ext cx="7555895" cy="3904179"/>
+          </a:xfrm>
+        </p:spPr>
+        <p:txBody>
+          <a:bodyPr>
+            <a:normAutofit/>
+          </a:bodyPr>
+          <a:lstStyle/>
+          <a:p>
+            <a:pPr marL="514350" indent="-514350" algn="just">
+              <a:buFont typeface="+mj-lt"/>
+              <a:buAutoNum type="arabicPeriod"/>
+            </a:pPr>
+            <a:r>
+              <a:rPr lang="es-ES" sz="2500" b="1" dirty="0">
+                <a:solidFill>
+                  <a:srgbClr val="0070C0"/>
+                </a:solidFill>
+                <a:latin typeface="Consolas" panose="020B0609020204030204" pitchFamily="49" charset="0"/>
+              </a:rPr>
+              <a:t>Patrones de compra locales</a:t>
+            </a:r>
+            <a:r>
+              <a:rPr lang="es-ES" sz="2500" dirty="0">
+                <a:latin typeface="Consolas" panose="020B0609020204030204" pitchFamily="49" charset="0"/>
+              </a:rPr>
+              <a:t>: Priorizar productos que son populares entre comercios similares en la misma comuna.</a:t>
+            </a:r>
+          </a:p>
+          <a:p>
+            <a:pPr algn="just">
+              <a:buFont typeface="+mj-lt"/>
+              <a:buAutoNum type="arabicPeriod"/>
+            </a:pPr>
+            <a:endParaRPr lang="es-ES" sz="2500" dirty="0">
+              <a:latin typeface="Consolas" panose="020B0609020204030204" pitchFamily="49" charset="0"/>
+            </a:endParaRPr>
+          </a:p>
+          <a:p>
+            <a:pPr algn="just">
+              <a:buFont typeface="+mj-lt"/>
+              <a:buAutoNum type="arabicPeriod"/>
+            </a:pPr>
+            <a:endParaRPr lang="es-ES" sz="2500" dirty="0">
+              <a:latin typeface="Consolas" panose="020B0609020204030204" pitchFamily="49" charset="0"/>
+            </a:endParaRPr>
+          </a:p>
+          <a:p>
+            <a:pPr marL="514350" indent="-514350" algn="just">
+              <a:buFont typeface="+mj-lt"/>
+              <a:buAutoNum type="arabicPeriod"/>
+            </a:pPr>
+            <a:r>
+              <a:rPr lang="es-ES" sz="2500" b="1" dirty="0">
+                <a:solidFill>
+                  <a:srgbClr val="0070C0"/>
+                </a:solidFill>
+                <a:latin typeface="Consolas" panose="020B0609020204030204" pitchFamily="49" charset="0"/>
+              </a:rPr>
+              <a:t>Historial de compras del comercio</a:t>
+            </a:r>
+            <a:r>
+              <a:rPr lang="es-ES" sz="2500" dirty="0">
+                <a:latin typeface="Consolas" panose="020B0609020204030204" pitchFamily="49" charset="0"/>
+              </a:rPr>
+              <a:t>: Tener en cuenta los productos que el comercio ya ha comprado para evitar recomendaciones redundantes.</a:t>
+            </a:r>
+            <a:endParaRPr lang="es-CL" sz="2500" dirty="0">
+              <a:latin typeface="Consolas" panose="020B0609020204030204" pitchFamily="49" charset="0"/>
+            </a:endParaRPr>
+          </a:p>
+        </p:txBody>
+      </p:sp>
+      <p:pic>
+        <p:nvPicPr>
+          <p:cNvPr id="2052" name="Picture 4">
+            <a:extLst>
+              <a:ext uri="{FF2B5EF4-FFF2-40B4-BE49-F238E27FC236}">
+                <a16:creationId xmlns:a16="http://schemas.microsoft.com/office/drawing/2014/main" id="{34F28854-D283-3B52-8D5E-4D91FA6B0DA6}"/>
+              </a:ext>
+            </a:extLst>
+          </p:cNvPr>
+          <p:cNvPicPr>
+            <a:picLocks noChangeAspect="1" noChangeArrowheads="1"/>
+          </p:cNvPicPr>
+          <p:nvPr/>
+        </p:nvPicPr>
+        <p:blipFill>
+          <a:blip r:embed="rId2">
+            <a:extLst>
+              <a:ext uri="{28A0092B-C50C-407E-A947-70E740481C1C}">
+                <a14:useLocalDpi xmlns:a14="http://schemas.microsoft.com/office/drawing/2010/main" val="0"/>
+              </a:ext>
+            </a:extLst>
+          </a:blip>
+          <a:srcRect/>
+          <a:stretch>
+            <a:fillRect/>
+          </a:stretch>
+        </p:blipFill>
+        <p:spPr bwMode="auto">
+          <a:xfrm>
+            <a:off x="9053421" y="1376496"/>
+            <a:ext cx="2543356" cy="2543356"/>
+          </a:xfrm>
+          <a:prstGeom prst="rect">
+            <a:avLst/>
+          </a:prstGeom>
+          <a:noFill/>
+          <a:extLst>
+            <a:ext uri="{909E8E84-426E-40DD-AFC4-6F175D3DCCD1}">
+              <a14:hiddenFill xmlns:a14="http://schemas.microsoft.com/office/drawing/2010/main">
+                <a:solidFill>
+                  <a:srgbClr val="FFFFFF"/>
+                </a:solidFill>
+              </a14:hiddenFill>
+            </a:ext>
+          </a:extLst>
+        </p:spPr>
+      </p:pic>
+      <p:pic>
+        <p:nvPicPr>
+          <p:cNvPr id="2054" name="Picture 6" descr="Historial de compras - Iconos gratis de comercio y compras">
+            <a:extLst>
+              <a:ext uri="{FF2B5EF4-FFF2-40B4-BE49-F238E27FC236}">
+                <a16:creationId xmlns:a16="http://schemas.microsoft.com/office/drawing/2014/main" id="{9AC1D128-F45B-B75E-1864-59C70F9D202B}"/>
+              </a:ext>
+            </a:extLst>
+          </p:cNvPr>
+          <p:cNvPicPr>
+            <a:picLocks noChangeAspect="1" noChangeArrowheads="1"/>
+          </p:cNvPicPr>
+          <p:nvPr/>
+        </p:nvPicPr>
+        <p:blipFill>
+          <a:blip r:embed="rId3">
+            <a:extLst>
+              <a:ext uri="{28A0092B-C50C-407E-A947-70E740481C1C}">
+                <a14:useLocalDpi xmlns:a14="http://schemas.microsoft.com/office/drawing/2010/main" val="0"/>
+              </a:ext>
+            </a:extLst>
+          </a:blip>
+          <a:srcRect/>
+          <a:stretch>
+            <a:fillRect/>
+          </a:stretch>
+        </p:blipFill>
+        <p:spPr bwMode="auto">
+          <a:xfrm>
+            <a:off x="9700380" y="4306504"/>
+            <a:ext cx="1249438" cy="1249438"/>
+          </a:xfrm>
+          <a:prstGeom prst="rect">
+            <a:avLst/>
+          </a:prstGeom>
+          <a:noFill/>
+          <a:extLst>
+            <a:ext uri="{909E8E84-426E-40DD-AFC4-6F175D3DCCD1}">
+              <a14:hiddenFill xmlns:a14="http://schemas.microsoft.com/office/drawing/2010/main">
+                <a:solidFill>
+                  <a:srgbClr val="FFFFFF"/>
+                </a:solidFill>
+              </a14:hiddenFill>
+            </a:ext>
+          </a:extLst>
+        </p:spPr>
+      </p:pic>
+      <p:pic>
+        <p:nvPicPr>
+          <p:cNvPr id="5" name="Picture 2" descr="YOM">
+            <a:extLst>
+              <a:ext uri="{FF2B5EF4-FFF2-40B4-BE49-F238E27FC236}">
+                <a16:creationId xmlns:a16="http://schemas.microsoft.com/office/drawing/2014/main" id="{2E111F11-C882-81DB-C3D5-730DDE13A44B}"/>
+              </a:ext>
+            </a:extLst>
+          </p:cNvPr>
+          <p:cNvPicPr>
+            <a:picLocks noChangeAspect="1" noChangeArrowheads="1"/>
+          </p:cNvPicPr>
+          <p:nvPr/>
+        </p:nvPicPr>
+        <p:blipFill rotWithShape="1">
+          <a:blip r:embed="rId4">
+            <a:extLst>
+              <a:ext uri="{28A0092B-C50C-407E-A947-70E740481C1C}">
+                <a14:useLocalDpi xmlns:a14="http://schemas.microsoft.com/office/drawing/2010/main" val="0"/>
+              </a:ext>
+            </a:extLst>
+          </a:blip>
+          <a:srcRect r="66899"/>
+          <a:stretch/>
+        </p:blipFill>
+        <p:spPr bwMode="auto">
+          <a:xfrm>
+            <a:off x="11387711" y="183183"/>
+            <a:ext cx="627289" cy="648970"/>
+          </a:xfrm>
+          <a:prstGeom prst="rect">
+            <a:avLst/>
+          </a:prstGeom>
+          <a:noFill/>
+          <a:extLst>
+            <a:ext uri="{909E8E84-426E-40DD-AFC4-6F175D3DCCD1}">
+              <a14:hiddenFill xmlns:a14="http://schemas.microsoft.com/office/drawing/2010/main">
+                <a:solidFill>
+                  <a:srgbClr val="FFFFFF"/>
+                </a:solidFill>
+              </a14:hiddenFill>
+            </a:ext>
+          </a:extLst>
+        </p:spPr>
+      </p:pic>
+    </p:spTree>
+    <p:extLst>
+      <p:ext uri="{BB962C8B-B14F-4D97-AF65-F5344CB8AC3E}">
+        <p14:creationId xmlns:p14="http://schemas.microsoft.com/office/powerpoint/2010/main" val="1467751876"/>
+      </p:ext>
+    </p:extLst>
+  </p:cSld>
+  <p:clrMapOvr>
+    <a:masterClrMapping/>
+  </p:clrMapOvr>
+</p:sld>
+</file>
+
+<file path=ppt/slides/slide4.xml><?xml version="1.0" encoding="utf-8"?>
+<p:sld xmlns:a="http://schemas.openxmlformats.org/drawingml/2006/main" xmlns:r="http://schemas.openxmlformats.org/officeDocument/2006/relationships" xmlns:p="http://schemas.openxmlformats.org/presentationml/2006/main">
+  <p:cSld>
+    <p:spTree>
+      <p:nvGrpSpPr>
+        <p:cNvPr id="1" name=""/>
+        <p:cNvGrpSpPr/>
+        <p:nvPr/>
+      </p:nvGrpSpPr>
+      <p:grpSpPr>
+        <a:xfrm>
+          <a:off x="0" y="0"/>
+          <a:ext cx="0" cy="0"/>
+          <a:chOff x="0" y="0"/>
+          <a:chExt cx="0" cy="0"/>
+        </a:xfrm>
+      </p:grpSpPr>
+      <p:sp>
+        <p:nvSpPr>
+          <p:cNvPr id="2" name="Título 1">
+            <a:extLst>
+              <a:ext uri="{FF2B5EF4-FFF2-40B4-BE49-F238E27FC236}">
+                <a16:creationId xmlns:a16="http://schemas.microsoft.com/office/drawing/2014/main" id="{06D812FF-8246-19BC-E568-F72D7B8916BA}"/>
+              </a:ext>
+            </a:extLst>
+          </p:cNvPr>
+          <p:cNvSpPr>
+            <a:spLocks noGrp="1"/>
+          </p:cNvSpPr>
+          <p:nvPr>
+            <p:ph type="title"/>
+          </p:nvPr>
+        </p:nvSpPr>
+        <p:spPr/>
+        <p:txBody>
+          <a:bodyPr/>
+          <a:lstStyle/>
+          <a:p>
+            <a:r>
+              <a:rPr lang="es-CL" dirty="0" err="1"/>
+              <a:t>Descripcion</a:t>
+            </a:r>
+            <a:r>
+              <a:rPr lang="es-CL" dirty="0"/>
+              <a:t> de los datos</a:t>
+            </a:r>
+          </a:p>
+        </p:txBody>
+      </p:sp>
+      <p:sp>
+        <p:nvSpPr>
+          <p:cNvPr id="3" name="Marcador de contenido 2">
+            <a:extLst>
+              <a:ext uri="{FF2B5EF4-FFF2-40B4-BE49-F238E27FC236}">
+                <a16:creationId xmlns:a16="http://schemas.microsoft.com/office/drawing/2014/main" id="{09387F96-F773-8F68-4EAD-1540CE882DE5}"/>
+              </a:ext>
+            </a:extLst>
+          </p:cNvPr>
+          <p:cNvSpPr>
+            <a:spLocks noGrp="1"/>
+          </p:cNvSpPr>
+          <p:nvPr>
+            <p:ph idx="1"/>
+          </p:nvPr>
+        </p:nvSpPr>
+        <p:spPr>
+          <a:xfrm>
+            <a:off x="838200" y="1825625"/>
+            <a:ext cx="5413513" cy="4351338"/>
+          </a:xfrm>
+        </p:spPr>
+        <p:txBody>
+          <a:bodyPr>
+            <a:normAutofit/>
+          </a:bodyPr>
+          <a:lstStyle/>
+          <a:p>
+            <a:r>
+              <a:rPr lang="es-ES" sz="1600" b="1" dirty="0">
+                <a:latin typeface="Consolas" panose="020B0609020204030204" pitchFamily="49" charset="0"/>
+              </a:rPr>
+              <a:t>Comercios</a:t>
+            </a:r>
+            <a:r>
+              <a:rPr lang="es-ES" sz="1600" dirty="0">
+                <a:latin typeface="Consolas" panose="020B0609020204030204" pitchFamily="49" charset="0"/>
+              </a:rPr>
+              <a:t>:</a:t>
+            </a:r>
+          </a:p>
+          <a:p>
+            <a:pPr marL="0" indent="0">
+              <a:buNone/>
+            </a:pPr>
+            <a:endParaRPr lang="es-ES" sz="1600" dirty="0">
+              <a:latin typeface="Consolas" panose="020B0609020204030204" pitchFamily="49" charset="0"/>
+            </a:endParaRPr>
+          </a:p>
+          <a:p>
+            <a:pPr marL="0" indent="0">
+              <a:buNone/>
+            </a:pPr>
+            <a:r>
+              <a:rPr lang="es-ES" sz="1600" dirty="0">
+                <a:latin typeface="Consolas" panose="020B0609020204030204" pitchFamily="49" charset="0"/>
+              </a:rPr>
+              <a:t> - </a:t>
+            </a:r>
+            <a:r>
+              <a:rPr lang="es-ES" sz="1600" b="1" dirty="0" err="1">
+                <a:solidFill>
+                  <a:srgbClr val="0070C0"/>
+                </a:solidFill>
+                <a:latin typeface="Consolas" panose="020B0609020204030204" pitchFamily="49" charset="0"/>
+              </a:rPr>
+              <a:t>id_commerce</a:t>
+            </a:r>
+            <a:r>
+              <a:rPr lang="es-ES" sz="1600" dirty="0">
+                <a:latin typeface="Consolas" panose="020B0609020204030204" pitchFamily="49" charset="0"/>
+              </a:rPr>
+              <a:t>: ID único del comercio.</a:t>
+            </a:r>
+          </a:p>
+          <a:p>
+            <a:pPr marL="0" indent="0">
+              <a:buNone/>
+            </a:pPr>
+            <a:r>
+              <a:rPr lang="es-ES" sz="1600" dirty="0">
+                <a:latin typeface="Consolas" panose="020B0609020204030204" pitchFamily="49" charset="0"/>
+              </a:rPr>
+              <a:t> - </a:t>
+            </a:r>
+            <a:r>
+              <a:rPr lang="es-ES" sz="1600" b="1" dirty="0" err="1">
+                <a:solidFill>
+                  <a:srgbClr val="0070C0"/>
+                </a:solidFill>
+                <a:latin typeface="Consolas" panose="020B0609020204030204" pitchFamily="49" charset="0"/>
+              </a:rPr>
+              <a:t>district</a:t>
+            </a:r>
+            <a:r>
+              <a:rPr lang="es-ES" sz="1600" b="1" dirty="0">
+                <a:latin typeface="Consolas" panose="020B0609020204030204" pitchFamily="49" charset="0"/>
+              </a:rPr>
+              <a:t>: </a:t>
+            </a:r>
+            <a:r>
+              <a:rPr lang="es-ES" sz="1600" dirty="0">
+                <a:latin typeface="Consolas" panose="020B0609020204030204" pitchFamily="49" charset="0"/>
+              </a:rPr>
+              <a:t>Comuna donde opera el comercio. </a:t>
+            </a:r>
+          </a:p>
+          <a:p>
+            <a:pPr>
+              <a:buFontTx/>
+              <a:buChar char="-"/>
+            </a:pPr>
+            <a:endParaRPr lang="es-ES" sz="1600" dirty="0">
+              <a:latin typeface="Consolas" panose="020B0609020204030204" pitchFamily="49" charset="0"/>
+            </a:endParaRPr>
+          </a:p>
+          <a:p>
+            <a:r>
+              <a:rPr lang="es-ES" sz="1600" b="1" dirty="0">
+                <a:latin typeface="Consolas" panose="020B0609020204030204" pitchFamily="49" charset="0"/>
+              </a:rPr>
+              <a:t>Productos</a:t>
+            </a:r>
+            <a:r>
+              <a:rPr lang="es-ES" sz="1600" dirty="0">
+                <a:latin typeface="Consolas" panose="020B0609020204030204" pitchFamily="49" charset="0"/>
+              </a:rPr>
+              <a:t>: </a:t>
+            </a:r>
+          </a:p>
+          <a:p>
+            <a:endParaRPr lang="es-ES" sz="1600" dirty="0">
+              <a:latin typeface="Consolas" panose="020B0609020204030204" pitchFamily="49" charset="0"/>
+            </a:endParaRPr>
+          </a:p>
+          <a:p>
+            <a:pPr>
+              <a:buFontTx/>
+              <a:buChar char="-"/>
+            </a:pPr>
+            <a:r>
+              <a:rPr lang="es-ES" sz="1600" b="1" dirty="0" err="1">
+                <a:solidFill>
+                  <a:srgbClr val="0070C0"/>
+                </a:solidFill>
+                <a:latin typeface="Consolas" panose="020B0609020204030204" pitchFamily="49" charset="0"/>
+              </a:rPr>
+              <a:t>id_product</a:t>
+            </a:r>
+            <a:r>
+              <a:rPr lang="es-ES" sz="1600" dirty="0">
+                <a:latin typeface="Consolas" panose="020B0609020204030204" pitchFamily="49" charset="0"/>
+              </a:rPr>
+              <a:t>: ID único del producto.</a:t>
+            </a:r>
+          </a:p>
+          <a:p>
+            <a:pPr>
+              <a:buFontTx/>
+              <a:buChar char="-"/>
+            </a:pPr>
+            <a:r>
+              <a:rPr lang="es-ES" sz="1600" b="1" dirty="0" err="1">
+                <a:solidFill>
+                  <a:srgbClr val="0070C0"/>
+                </a:solidFill>
+                <a:latin typeface="Consolas" panose="020B0609020204030204" pitchFamily="49" charset="0"/>
+              </a:rPr>
+              <a:t>name</a:t>
+            </a:r>
+            <a:r>
+              <a:rPr lang="es-ES" sz="1600" dirty="0">
+                <a:latin typeface="Consolas" panose="020B0609020204030204" pitchFamily="49" charset="0"/>
+              </a:rPr>
+              <a:t>: Nombre del producto. </a:t>
+            </a:r>
+          </a:p>
+          <a:p>
+            <a:pPr>
+              <a:buFontTx/>
+              <a:buChar char="-"/>
+            </a:pPr>
+            <a:r>
+              <a:rPr lang="es-ES" sz="1600" b="1" dirty="0" err="1">
+                <a:solidFill>
+                  <a:srgbClr val="0070C0"/>
+                </a:solidFill>
+                <a:latin typeface="Consolas" panose="020B0609020204030204" pitchFamily="49" charset="0"/>
+              </a:rPr>
+              <a:t>category</a:t>
+            </a:r>
+            <a:r>
+              <a:rPr lang="es-ES" sz="1600" dirty="0">
+                <a:latin typeface="Consolas" panose="020B0609020204030204" pitchFamily="49" charset="0"/>
+              </a:rPr>
+              <a:t>: Categoría (Ropa, Hogar, </a:t>
+            </a:r>
+            <a:r>
+              <a:rPr lang="es-ES" sz="1600" dirty="0" err="1">
+                <a:latin typeface="Consolas" panose="020B0609020204030204" pitchFamily="49" charset="0"/>
+              </a:rPr>
+              <a:t>etc</a:t>
+            </a:r>
+            <a:r>
+              <a:rPr lang="es-ES" sz="1600" dirty="0">
+                <a:latin typeface="Consolas" panose="020B0609020204030204" pitchFamily="49" charset="0"/>
+              </a:rPr>
+              <a:t>).</a:t>
+            </a:r>
+          </a:p>
+          <a:p>
+            <a:pPr>
+              <a:buFontTx/>
+              <a:buChar char="-"/>
+            </a:pPr>
+            <a:r>
+              <a:rPr lang="es-ES" sz="1600" b="1" dirty="0" err="1">
+                <a:solidFill>
+                  <a:srgbClr val="0070C0"/>
+                </a:solidFill>
+                <a:latin typeface="Consolas" panose="020B0609020204030204" pitchFamily="49" charset="0"/>
+              </a:rPr>
+              <a:t>price</a:t>
+            </a:r>
+            <a:r>
+              <a:rPr lang="es-ES" sz="1600" dirty="0">
+                <a:latin typeface="Consolas" panose="020B0609020204030204" pitchFamily="49" charset="0"/>
+              </a:rPr>
+              <a:t>: Precio unitario.</a:t>
+            </a:r>
+          </a:p>
+          <a:p>
+            <a:pPr>
+              <a:buFontTx/>
+              <a:buChar char="-"/>
+            </a:pPr>
+            <a:endParaRPr lang="es-ES" sz="1800" dirty="0"/>
+          </a:p>
+        </p:txBody>
+      </p:sp>
+      <p:pic>
+        <p:nvPicPr>
+          <p:cNvPr id="4" name="Picture 2" descr="YOM">
+            <a:extLst>
+              <a:ext uri="{FF2B5EF4-FFF2-40B4-BE49-F238E27FC236}">
+                <a16:creationId xmlns:a16="http://schemas.microsoft.com/office/drawing/2014/main" id="{D0B26351-9AD9-9BEF-976B-982FECA2AD84}"/>
+              </a:ext>
+            </a:extLst>
+          </p:cNvPr>
+          <p:cNvPicPr>
+            <a:picLocks noChangeAspect="1" noChangeArrowheads="1"/>
+          </p:cNvPicPr>
+          <p:nvPr/>
+        </p:nvPicPr>
+        <p:blipFill rotWithShape="1">
+          <a:blip r:embed="rId2">
+            <a:extLst>
+              <a:ext uri="{28A0092B-C50C-407E-A947-70E740481C1C}">
+                <a14:useLocalDpi xmlns:a14="http://schemas.microsoft.com/office/drawing/2010/main" val="0"/>
+              </a:ext>
+            </a:extLst>
+          </a:blip>
+          <a:srcRect r="66899"/>
+          <a:stretch/>
+        </p:blipFill>
+        <p:spPr bwMode="auto">
+          <a:xfrm>
+            <a:off x="11387711" y="183183"/>
+            <a:ext cx="627289" cy="648970"/>
+          </a:xfrm>
+          <a:prstGeom prst="rect">
+            <a:avLst/>
+          </a:prstGeom>
+          <a:noFill/>
+          <a:extLst>
+            <a:ext uri="{909E8E84-426E-40DD-AFC4-6F175D3DCCD1}">
+              <a14:hiddenFill xmlns:a14="http://schemas.microsoft.com/office/drawing/2010/main">
+                <a:solidFill>
+                  <a:srgbClr val="FFFFFF"/>
+                </a:solidFill>
+              </a14:hiddenFill>
+            </a:ext>
+          </a:extLst>
+        </p:spPr>
+      </p:pic>
+      <p:sp>
+        <p:nvSpPr>
+          <p:cNvPr id="6" name="Marcador de contenido 2">
+            <a:extLst>
+              <a:ext uri="{FF2B5EF4-FFF2-40B4-BE49-F238E27FC236}">
+                <a16:creationId xmlns:a16="http://schemas.microsoft.com/office/drawing/2014/main" id="{2727276C-E981-4BF2-573E-DB4B52DBF9CB}"/>
+              </a:ext>
+            </a:extLst>
+          </p:cNvPr>
+          <p:cNvSpPr txBox="1">
+            <a:spLocks/>
+          </p:cNvSpPr>
+          <p:nvPr/>
+        </p:nvSpPr>
+        <p:spPr>
+          <a:xfrm>
+            <a:off x="6251713" y="1825625"/>
+            <a:ext cx="5413513" cy="2610380"/>
+          </a:xfrm>
+          <a:prstGeom prst="rect">
+            <a:avLst/>
+          </a:prstGeom>
+        </p:spPr>
+        <p:txBody>
+          <a:bodyPr vert="horz" lIns="91440" tIns="45720" rIns="91440" bIns="45720" rtlCol="0">
+            <a:normAutofit/>
+          </a:bodyPr>
+          <a:lstStyle>
+            <a:lvl1pPr marL="228600" indent="-228600" algn="l" defTabSz="914400" rtl="0" eaLnBrk="1" latinLnBrk="0" hangingPunct="1">
+              <a:lnSpc>
+                <a:spcPct val="90000"/>
+              </a:lnSpc>
+              <a:spcBef>
+                <a:spcPts val="1000"/>
+              </a:spcBef>
+              <a:buFont typeface="Arial" panose="020B0604020202020204" pitchFamily="34" charset="0"/>
+              <a:buChar char="•"/>
+              <a:defRPr sz="2800" kern="1200">
+                <a:solidFill>
+                  <a:schemeClr val="tx1"/>
+                </a:solidFill>
+                <a:latin typeface="+mn-lt"/>
+                <a:ea typeface="+mn-ea"/>
+                <a:cs typeface="+mn-cs"/>
+              </a:defRPr>
+            </a:lvl1pPr>
+            <a:lvl2pPr marL="685800" indent="-228600" algn="l" defTabSz="914400" rtl="0" eaLnBrk="1" latinLnBrk="0" hangingPunct="1">
+              <a:lnSpc>
+                <a:spcPct val="90000"/>
+              </a:lnSpc>
+              <a:spcBef>
+                <a:spcPts val="500"/>
+              </a:spcBef>
+              <a:buFont typeface="Arial" panose="020B0604020202020204" pitchFamily="34" charset="0"/>
+              <a:buChar char="•"/>
+              <a:defRPr sz="2400" kern="1200">
+                <a:solidFill>
+                  <a:schemeClr val="tx1"/>
+                </a:solidFill>
+                <a:latin typeface="+mn-lt"/>
+                <a:ea typeface="+mn-ea"/>
+                <a:cs typeface="+mn-cs"/>
+              </a:defRPr>
+            </a:lvl2pPr>
+            <a:lvl3pPr marL="1143000" indent="-228600" algn="l" defTabSz="914400" rtl="0" eaLnBrk="1" latinLnBrk="0" hangingPunct="1">
+              <a:lnSpc>
+                <a:spcPct val="90000"/>
+              </a:lnSpc>
+              <a:spcBef>
+                <a:spcPts val="500"/>
+              </a:spcBef>
+              <a:buFont typeface="Arial" panose="020B0604020202020204" pitchFamily="34" charset="0"/>
+              <a:buChar char="•"/>
+              <a:defRPr sz="2000" kern="1200">
+                <a:solidFill>
+                  <a:schemeClr val="tx1"/>
+                </a:solidFill>
+                <a:latin typeface="+mn-lt"/>
+                <a:ea typeface="+mn-ea"/>
+                <a:cs typeface="+mn-cs"/>
+              </a:defRPr>
+            </a:lvl3pPr>
+            <a:lvl4pPr marL="1600200" indent="-228600" algn="l" defTabSz="914400" rtl="0" eaLnBrk="1" latinLnBrk="0" hangingPunct="1">
+              <a:lnSpc>
+                <a:spcPct val="90000"/>
+              </a:lnSpc>
+              <a:spcBef>
+                <a:spcPts val="500"/>
+              </a:spcBef>
+              <a:buFont typeface="Arial" panose="020B0604020202020204" pitchFamily="34" charset="0"/>
+              <a:buChar char="•"/>
+              <a:defRPr sz="1800" kern="1200">
+                <a:solidFill>
+                  <a:schemeClr val="tx1"/>
+                </a:solidFill>
+                <a:latin typeface="+mn-lt"/>
+                <a:ea typeface="+mn-ea"/>
+                <a:cs typeface="+mn-cs"/>
+              </a:defRPr>
+            </a:lvl4pPr>
+            <a:lvl5pPr marL="2057400" indent="-228600" algn="l" defTabSz="914400" rtl="0" eaLnBrk="1" latinLnBrk="0" hangingPunct="1">
+              <a:lnSpc>
+                <a:spcPct val="90000"/>
+              </a:lnSpc>
+              <a:spcBef>
+                <a:spcPts val="500"/>
+              </a:spcBef>
+              <a:buFont typeface="Arial" panose="020B0604020202020204" pitchFamily="34" charset="0"/>
+              <a:buChar char="•"/>
+              <a:defRPr sz="1800" kern="1200">
+                <a:solidFill>
+                  <a:schemeClr val="tx1"/>
+                </a:solidFill>
+                <a:latin typeface="+mn-lt"/>
+                <a:ea typeface="+mn-ea"/>
+                <a:cs typeface="+mn-cs"/>
+              </a:defRPr>
+            </a:lvl5pPr>
+            <a:lvl6pPr marL="2514600" indent="-228600" algn="l" defTabSz="914400" rtl="0" eaLnBrk="1" latinLnBrk="0" hangingPunct="1">
+              <a:lnSpc>
+                <a:spcPct val="90000"/>
+              </a:lnSpc>
+              <a:spcBef>
+                <a:spcPts val="500"/>
+              </a:spcBef>
+              <a:buFont typeface="Arial" panose="020B0604020202020204" pitchFamily="34" charset="0"/>
+              <a:buChar char="•"/>
+              <a:defRPr sz="1800" kern="1200">
+                <a:solidFill>
+                  <a:schemeClr val="tx1"/>
+                </a:solidFill>
+                <a:latin typeface="+mn-lt"/>
+                <a:ea typeface="+mn-ea"/>
+                <a:cs typeface="+mn-cs"/>
+              </a:defRPr>
+            </a:lvl6pPr>
+            <a:lvl7pPr marL="2971800" indent="-228600" algn="l" defTabSz="914400" rtl="0" eaLnBrk="1" latinLnBrk="0" hangingPunct="1">
+              <a:lnSpc>
+                <a:spcPct val="90000"/>
+              </a:lnSpc>
+              <a:spcBef>
+                <a:spcPts val="500"/>
+              </a:spcBef>
+              <a:buFont typeface="Arial" panose="020B0604020202020204" pitchFamily="34" charset="0"/>
+              <a:buChar char="•"/>
+              <a:defRPr sz="1800" kern="1200">
+                <a:solidFill>
+                  <a:schemeClr val="tx1"/>
+                </a:solidFill>
+                <a:latin typeface="+mn-lt"/>
+                <a:ea typeface="+mn-ea"/>
+                <a:cs typeface="+mn-cs"/>
+              </a:defRPr>
+            </a:lvl7pPr>
+            <a:lvl8pPr marL="3429000" indent="-228600" algn="l" defTabSz="914400" rtl="0" eaLnBrk="1" latinLnBrk="0" hangingPunct="1">
+              <a:lnSpc>
+                <a:spcPct val="90000"/>
+              </a:lnSpc>
+              <a:spcBef>
+                <a:spcPts val="500"/>
+              </a:spcBef>
+              <a:buFont typeface="Arial" panose="020B0604020202020204" pitchFamily="34" charset="0"/>
+              <a:buChar char="•"/>
+              <a:defRPr sz="1800" kern="1200">
+                <a:solidFill>
+                  <a:schemeClr val="tx1"/>
+                </a:solidFill>
+                <a:latin typeface="+mn-lt"/>
+                <a:ea typeface="+mn-ea"/>
+                <a:cs typeface="+mn-cs"/>
+              </a:defRPr>
+            </a:lvl8pPr>
+            <a:lvl9pPr marL="3886200" indent="-228600" algn="l" defTabSz="914400" rtl="0" eaLnBrk="1" latinLnBrk="0" hangingPunct="1">
+              <a:lnSpc>
+                <a:spcPct val="90000"/>
+              </a:lnSpc>
+              <a:spcBef>
+                <a:spcPts val="500"/>
+              </a:spcBef>
+              <a:buFont typeface="Arial" panose="020B0604020202020204" pitchFamily="34" charset="0"/>
+              <a:buChar char="•"/>
+              <a:defRPr sz="1800" kern="1200">
+                <a:solidFill>
+                  <a:schemeClr val="tx1"/>
+                </a:solidFill>
+                <a:latin typeface="+mn-lt"/>
+                <a:ea typeface="+mn-ea"/>
+                <a:cs typeface="+mn-cs"/>
+              </a:defRPr>
+            </a:lvl9pPr>
+          </a:lstStyle>
+          <a:p>
+            <a:r>
+              <a:rPr lang="es-ES" sz="1600" b="1" dirty="0">
+                <a:latin typeface="Consolas" panose="020B0609020204030204" pitchFamily="49" charset="0"/>
+              </a:rPr>
+              <a:t>Transacciones</a:t>
+            </a:r>
+            <a:r>
+              <a:rPr lang="es-ES" sz="1600" dirty="0">
+                <a:latin typeface="Consolas" panose="020B0609020204030204" pitchFamily="49" charset="0"/>
+              </a:rPr>
+              <a:t>:</a:t>
+            </a:r>
+          </a:p>
+          <a:p>
+            <a:pPr marL="0" indent="0">
+              <a:buNone/>
+            </a:pPr>
+            <a:endParaRPr lang="es-ES" sz="1600" dirty="0">
+              <a:latin typeface="Consolas" panose="020B0609020204030204" pitchFamily="49" charset="0"/>
+            </a:endParaRPr>
+          </a:p>
+          <a:p>
+            <a:pPr>
+              <a:buFontTx/>
+              <a:buChar char="-"/>
+            </a:pPr>
+            <a:r>
+              <a:rPr lang="es-ES" sz="1600" b="1" dirty="0" err="1">
+                <a:solidFill>
+                  <a:srgbClr val="0070C0"/>
+                </a:solidFill>
+                <a:latin typeface="Consolas" panose="020B0609020204030204" pitchFamily="49" charset="0"/>
+              </a:rPr>
+              <a:t>id_commerce</a:t>
+            </a:r>
+            <a:r>
+              <a:rPr lang="es-ES" sz="1600" dirty="0">
+                <a:latin typeface="Consolas" panose="020B0609020204030204" pitchFamily="49" charset="0"/>
+              </a:rPr>
+              <a:t>: Comercio que realizó la compra.</a:t>
+            </a:r>
+          </a:p>
+          <a:p>
+            <a:pPr>
+              <a:buFontTx/>
+              <a:buChar char="-"/>
+            </a:pPr>
+            <a:r>
+              <a:rPr lang="es-ES" sz="1600" b="1" dirty="0" err="1">
+                <a:solidFill>
+                  <a:srgbClr val="0070C0"/>
+                </a:solidFill>
+                <a:latin typeface="Consolas" panose="020B0609020204030204" pitchFamily="49" charset="0"/>
+              </a:rPr>
+              <a:t>id_product</a:t>
+            </a:r>
+            <a:r>
+              <a:rPr lang="es-ES" sz="1600" dirty="0">
+                <a:latin typeface="Consolas" panose="020B0609020204030204" pitchFamily="49" charset="0"/>
+              </a:rPr>
+              <a:t>: Producto adquirido.</a:t>
+            </a:r>
+          </a:p>
+          <a:p>
+            <a:pPr>
+              <a:buFontTx/>
+              <a:buChar char="-"/>
+            </a:pPr>
+            <a:r>
+              <a:rPr lang="es-ES" sz="1600" b="1" dirty="0" err="1">
+                <a:solidFill>
+                  <a:srgbClr val="0070C0"/>
+                </a:solidFill>
+                <a:latin typeface="Consolas" panose="020B0609020204030204" pitchFamily="49" charset="0"/>
+              </a:rPr>
+              <a:t>quantity</a:t>
+            </a:r>
+            <a:r>
+              <a:rPr lang="es-ES" sz="1600" dirty="0">
+                <a:latin typeface="Consolas" panose="020B0609020204030204" pitchFamily="49" charset="0"/>
+              </a:rPr>
+              <a:t>: Cantidad comprada.</a:t>
+            </a:r>
+          </a:p>
+          <a:p>
+            <a:pPr>
+              <a:buFontTx/>
+              <a:buChar char="-"/>
+            </a:pPr>
+            <a:r>
+              <a:rPr lang="es-ES" sz="1600" b="1" dirty="0" err="1">
+                <a:solidFill>
+                  <a:srgbClr val="0070C0"/>
+                </a:solidFill>
+                <a:latin typeface="Consolas" panose="020B0609020204030204" pitchFamily="49" charset="0"/>
+              </a:rPr>
+              <a:t>price</a:t>
+            </a:r>
+            <a:r>
+              <a:rPr lang="es-ES" sz="1600" dirty="0">
+                <a:latin typeface="Consolas" panose="020B0609020204030204" pitchFamily="49" charset="0"/>
+              </a:rPr>
+              <a:t>: Precio total de la compra.</a:t>
+            </a:r>
+            <a:endParaRPr lang="es-CL" sz="1600" dirty="0">
+              <a:latin typeface="Consolas" panose="020B0609020204030204" pitchFamily="49" charset="0"/>
+            </a:endParaRPr>
+          </a:p>
+          <a:p>
+            <a:pPr marL="0" indent="0">
+              <a:buNone/>
+            </a:pPr>
+            <a:endParaRPr lang="es-ES" sz="1800" dirty="0"/>
+          </a:p>
+        </p:txBody>
+      </p:sp>
+      <p:pic>
+        <p:nvPicPr>
+          <p:cNvPr id="3078" name="Picture 6">
+            <a:extLst>
+              <a:ext uri="{FF2B5EF4-FFF2-40B4-BE49-F238E27FC236}">
+                <a16:creationId xmlns:a16="http://schemas.microsoft.com/office/drawing/2014/main" id="{E7B2629F-68EA-120C-854A-BCF47CE2A88D}"/>
+              </a:ext>
+            </a:extLst>
+          </p:cNvPr>
+          <p:cNvPicPr>
+            <a:picLocks noChangeAspect="1" noChangeArrowheads="1"/>
+          </p:cNvPicPr>
+          <p:nvPr/>
+        </p:nvPicPr>
+        <p:blipFill>
+          <a:blip r:embed="rId3">
+            <a:extLst>
+              <a:ext uri="{28A0092B-C50C-407E-A947-70E740481C1C}">
+                <a14:useLocalDpi xmlns:a14="http://schemas.microsoft.com/office/drawing/2010/main" val="0"/>
+              </a:ext>
+            </a:extLst>
+          </a:blip>
+          <a:srcRect/>
+          <a:stretch>
+            <a:fillRect/>
+          </a:stretch>
+        </p:blipFill>
+        <p:spPr bwMode="auto">
+          <a:xfrm>
+            <a:off x="8385230" y="4570942"/>
+            <a:ext cx="1146477" cy="1146477"/>
+          </a:xfrm>
+          <a:prstGeom prst="rect">
+            <a:avLst/>
+          </a:prstGeom>
+          <a:noFill/>
+          <a:extLst>
+            <a:ext uri="{909E8E84-426E-40DD-AFC4-6F175D3DCCD1}">
+              <a14:hiddenFill xmlns:a14="http://schemas.microsoft.com/office/drawing/2010/main">
+                <a:solidFill>
+                  <a:srgbClr val="FFFFFF"/>
+                </a:solidFill>
+              </a14:hiddenFill>
+            </a:ext>
+          </a:extLst>
+        </p:spPr>
+      </p:pic>
+    </p:spTree>
+    <p:extLst>
+      <p:ext uri="{BB962C8B-B14F-4D97-AF65-F5344CB8AC3E}">
+        <p14:creationId xmlns:p14="http://schemas.microsoft.com/office/powerpoint/2010/main" val="4242897932"/>
+      </p:ext>
+    </p:extLst>
+  </p:cSld>
+  <p:clrMapOvr>
+    <a:masterClrMapping/>
+  </p:clrMapOvr>
+</p:sld>
+</file>
+
+<file path=ppt/slides/slide5.xml><?xml version="1.0" encoding="utf-8"?>
+<p:sld xmlns:a="http://schemas.openxmlformats.org/drawingml/2006/main" xmlns:r="http://schemas.openxmlformats.org/officeDocument/2006/relationships" xmlns:p="http://schemas.openxmlformats.org/presentationml/2006/main">
+  <p:cSld>
+    <p:spTree>
+      <p:nvGrpSpPr>
+        <p:cNvPr id="1" name=""/>
+        <p:cNvGrpSpPr/>
+        <p:nvPr/>
+      </p:nvGrpSpPr>
+      <p:grpSpPr>
+        <a:xfrm>
+          <a:off x="0" y="0"/>
+          <a:ext cx="0" cy="0"/>
+          <a:chOff x="0" y="0"/>
+          <a:chExt cx="0" cy="0"/>
+        </a:xfrm>
+      </p:grpSpPr>
+      <p:sp>
+        <p:nvSpPr>
+          <p:cNvPr id="2" name="Título 1">
+            <a:extLst>
+              <a:ext uri="{FF2B5EF4-FFF2-40B4-BE49-F238E27FC236}">
+                <a16:creationId xmlns:a16="http://schemas.microsoft.com/office/drawing/2014/main" id="{178A4CD8-6601-C655-9C6B-21B373F762F3}"/>
+              </a:ext>
+            </a:extLst>
+          </p:cNvPr>
+          <p:cNvSpPr>
+            <a:spLocks noGrp="1"/>
+          </p:cNvSpPr>
+          <p:nvPr>
+            <p:ph type="title"/>
+          </p:nvPr>
+        </p:nvSpPr>
+        <p:spPr/>
+        <p:txBody>
+          <a:bodyPr/>
+          <a:lstStyle/>
+          <a:p>
+            <a:r>
+              <a:rPr lang="es-CL" dirty="0"/>
+              <a:t>Modelo Relacional</a:t>
+            </a:r>
+          </a:p>
+        </p:txBody>
+      </p:sp>
+      <p:pic>
+        <p:nvPicPr>
+          <p:cNvPr id="5" name="Marcador de contenido 4">
+            <a:extLst>
+              <a:ext uri="{FF2B5EF4-FFF2-40B4-BE49-F238E27FC236}">
+                <a16:creationId xmlns:a16="http://schemas.microsoft.com/office/drawing/2014/main" id="{601BE3D7-6297-A970-1968-6A73A4C17F4C}"/>
+              </a:ext>
+            </a:extLst>
+          </p:cNvPr>
+          <p:cNvPicPr>
+            <a:picLocks noGrp="1" noChangeAspect="1"/>
+          </p:cNvPicPr>
+          <p:nvPr>
+            <p:ph idx="1"/>
+          </p:nvPr>
+        </p:nvPicPr>
+        <p:blipFill>
+          <a:blip r:embed="rId2">
+            <a:extLst>
+              <a:ext uri="{28A0092B-C50C-407E-A947-70E740481C1C}">
+                <a14:useLocalDpi xmlns:a14="http://schemas.microsoft.com/office/drawing/2010/main" val="0"/>
+              </a:ext>
+            </a:extLst>
+          </a:blip>
+          <a:stretch>
+            <a:fillRect/>
+          </a:stretch>
+        </p:blipFill>
+        <p:spPr>
+          <a:xfrm>
+            <a:off x="838200" y="1993071"/>
+            <a:ext cx="10515600" cy="2381169"/>
+          </a:xfrm>
+        </p:spPr>
+      </p:pic>
+      <p:sp>
+        <p:nvSpPr>
+          <p:cNvPr id="6" name="CuadroTexto 5">
+            <a:extLst>
+              <a:ext uri="{FF2B5EF4-FFF2-40B4-BE49-F238E27FC236}">
+                <a16:creationId xmlns:a16="http://schemas.microsoft.com/office/drawing/2014/main" id="{E678F851-6567-0FF3-F945-EDB6D7FA1ACD}"/>
+              </a:ext>
+            </a:extLst>
+          </p:cNvPr>
+          <p:cNvSpPr txBox="1"/>
+          <p:nvPr/>
+        </p:nvSpPr>
+        <p:spPr>
+          <a:xfrm>
+            <a:off x="788610" y="5070323"/>
+            <a:ext cx="10363199" cy="646331"/>
+          </a:xfrm>
+          <a:prstGeom prst="rect">
+            <a:avLst/>
+          </a:prstGeom>
+          <a:noFill/>
+        </p:spPr>
+        <p:txBody>
+          <a:bodyPr wrap="square" rtlCol="0">
+            <a:spAutoFit/>
+          </a:bodyPr>
+          <a:lstStyle/>
+          <a:p>
+            <a:pPr algn="just"/>
+            <a:r>
+              <a:rPr lang="es-CL" dirty="0">
+                <a:latin typeface="Consolas" panose="020B0609020204030204" pitchFamily="49" charset="0"/>
+              </a:rPr>
+              <a:t>Se construyó un modelo tipo estrella con la tabla </a:t>
+            </a:r>
+            <a:r>
+              <a:rPr lang="es-CL" b="1" dirty="0" err="1">
+                <a:solidFill>
+                  <a:srgbClr val="0070C0"/>
+                </a:solidFill>
+                <a:latin typeface="Consolas" panose="020B0609020204030204" pitchFamily="49" charset="0"/>
+              </a:rPr>
+              <a:t>transactions</a:t>
+            </a:r>
+            <a:r>
+              <a:rPr lang="es-CL" dirty="0">
+                <a:latin typeface="Consolas" panose="020B0609020204030204" pitchFamily="49" charset="0"/>
+              </a:rPr>
+              <a:t> como tabla de hechos y tanto </a:t>
+            </a:r>
+            <a:r>
+              <a:rPr lang="es-CL" b="1" dirty="0" err="1">
+                <a:solidFill>
+                  <a:srgbClr val="0070C0"/>
+                </a:solidFill>
+                <a:latin typeface="Consolas" panose="020B0609020204030204" pitchFamily="49" charset="0"/>
+              </a:rPr>
+              <a:t>commerce</a:t>
+            </a:r>
+            <a:r>
+              <a:rPr lang="es-CL" dirty="0">
+                <a:latin typeface="Consolas" panose="020B0609020204030204" pitchFamily="49" charset="0"/>
+              </a:rPr>
+              <a:t> como </a:t>
+            </a:r>
+            <a:r>
+              <a:rPr lang="es-CL" b="1" dirty="0" err="1">
+                <a:solidFill>
+                  <a:srgbClr val="0070C0"/>
+                </a:solidFill>
+                <a:latin typeface="Consolas" panose="020B0609020204030204" pitchFamily="49" charset="0"/>
+              </a:rPr>
+              <a:t>products</a:t>
+            </a:r>
+            <a:r>
+              <a:rPr lang="es-CL" dirty="0">
+                <a:latin typeface="Consolas" panose="020B0609020204030204" pitchFamily="49" charset="0"/>
+              </a:rPr>
+              <a:t> corresponden a las tablas de dimensiones.</a:t>
+            </a:r>
+          </a:p>
+        </p:txBody>
+      </p:sp>
+      <p:pic>
+        <p:nvPicPr>
+          <p:cNvPr id="7" name="Picture 2" descr="YOM">
+            <a:extLst>
+              <a:ext uri="{FF2B5EF4-FFF2-40B4-BE49-F238E27FC236}">
+                <a16:creationId xmlns:a16="http://schemas.microsoft.com/office/drawing/2014/main" id="{C5ADA1D0-6DBE-61C0-AB0B-09215F1F7618}"/>
+              </a:ext>
+            </a:extLst>
+          </p:cNvPr>
+          <p:cNvPicPr>
+            <a:picLocks noChangeAspect="1" noChangeArrowheads="1"/>
+          </p:cNvPicPr>
+          <p:nvPr/>
+        </p:nvPicPr>
+        <p:blipFill rotWithShape="1">
+          <a:blip r:embed="rId3">
+            <a:extLst>
+              <a:ext uri="{28A0092B-C50C-407E-A947-70E740481C1C}">
+                <a14:useLocalDpi xmlns:a14="http://schemas.microsoft.com/office/drawing/2010/main" val="0"/>
+              </a:ext>
+            </a:extLst>
+          </a:blip>
+          <a:srcRect r="66899"/>
+          <a:stretch/>
+        </p:blipFill>
+        <p:spPr bwMode="auto">
+          <a:xfrm>
+            <a:off x="11387711" y="183183"/>
+            <a:ext cx="627289" cy="648970"/>
+          </a:xfrm>
+          <a:prstGeom prst="rect">
+            <a:avLst/>
+          </a:prstGeom>
+          <a:noFill/>
+          <a:extLst>
+            <a:ext uri="{909E8E84-426E-40DD-AFC4-6F175D3DCCD1}">
+              <a14:hiddenFill xmlns:a14="http://schemas.microsoft.com/office/drawing/2010/main">
+                <a:solidFill>
+                  <a:srgbClr val="FFFFFF"/>
+                </a:solidFill>
+              </a14:hiddenFill>
+            </a:ext>
+          </a:extLst>
+        </p:spPr>
+      </p:pic>
+    </p:spTree>
+    <p:extLst>
+      <p:ext uri="{BB962C8B-B14F-4D97-AF65-F5344CB8AC3E}">
+        <p14:creationId xmlns:p14="http://schemas.microsoft.com/office/powerpoint/2010/main" val="1962615074"/>
+      </p:ext>
+    </p:extLst>
+  </p:cSld>
+  <p:clrMapOvr>
+    <a:masterClrMapping/>
+  </p:clrMapOvr>
+</p:sld>
+</file>
+
+<file path=ppt/slides/slide6.xml><?xml version="1.0" encoding="utf-8"?>
+<p:sld xmlns:a="http://schemas.openxmlformats.org/drawingml/2006/main" xmlns:r="http://schemas.openxmlformats.org/officeDocument/2006/relationships" xmlns:p="http://schemas.openxmlformats.org/presentationml/2006/main">
+  <p:cSld>
+    <p:spTree>
+      <p:nvGrpSpPr>
+        <p:cNvPr id="1" name=""/>
+        <p:cNvGrpSpPr/>
+        <p:nvPr/>
+      </p:nvGrpSpPr>
+      <p:grpSpPr>
+        <a:xfrm>
+          <a:off x="0" y="0"/>
+          <a:ext cx="0" cy="0"/>
+          <a:chOff x="0" y="0"/>
+          <a:chExt cx="0" cy="0"/>
+        </a:xfrm>
+      </p:grpSpPr>
+      <p:sp>
+        <p:nvSpPr>
+          <p:cNvPr id="2" name="Título 1">
+            <a:extLst>
+              <a:ext uri="{FF2B5EF4-FFF2-40B4-BE49-F238E27FC236}">
+                <a16:creationId xmlns:a16="http://schemas.microsoft.com/office/drawing/2014/main" id="{E4F6E964-78DA-CC7D-3357-71E30E6BAEDC}"/>
+              </a:ext>
+            </a:extLst>
+          </p:cNvPr>
+          <p:cNvSpPr>
+            <a:spLocks noGrp="1"/>
+          </p:cNvSpPr>
+          <p:nvPr>
+            <p:ph type="title"/>
+          </p:nvPr>
+        </p:nvSpPr>
+        <p:spPr/>
+        <p:txBody>
+          <a:bodyPr/>
+          <a:lstStyle/>
+          <a:p>
+            <a:r>
+              <a:rPr lang="es-CL" dirty="0"/>
+              <a:t>Hipótesis y validaciones</a:t>
+            </a:r>
+          </a:p>
+        </p:txBody>
+      </p:sp>
+      <p:sp>
+        <p:nvSpPr>
+          <p:cNvPr id="3" name="Marcador de contenido 2">
+            <a:extLst>
+              <a:ext uri="{FF2B5EF4-FFF2-40B4-BE49-F238E27FC236}">
+                <a16:creationId xmlns:a16="http://schemas.microsoft.com/office/drawing/2014/main" id="{23E0BF4C-1F49-B4E9-03D6-D71656A6B7E8}"/>
+              </a:ext>
+            </a:extLst>
+          </p:cNvPr>
+          <p:cNvSpPr>
+            <a:spLocks noGrp="1"/>
+          </p:cNvSpPr>
+          <p:nvPr>
+            <p:ph idx="1"/>
+          </p:nvPr>
+        </p:nvSpPr>
+        <p:spPr>
+          <a:xfrm>
+            <a:off x="838200" y="1825625"/>
+            <a:ext cx="10608733" cy="4351338"/>
+          </a:xfrm>
+        </p:spPr>
+        <p:txBody>
+          <a:bodyPr>
+            <a:normAutofit fontScale="55000" lnSpcReduction="20000"/>
+          </a:bodyPr>
+          <a:lstStyle/>
+          <a:p>
+            <a:pPr indent="-230400" algn="just">
+              <a:lnSpc>
+                <a:spcPct val="120000"/>
+              </a:lnSpc>
+            </a:pPr>
+            <a:r>
+              <a:rPr lang="es-ES" dirty="0">
+                <a:latin typeface="Consolas" panose="020B0609020204030204" pitchFamily="49" charset="0"/>
+              </a:rPr>
+              <a:t>Identifiqué valores duplicados en la tabla </a:t>
+            </a:r>
+            <a:r>
+              <a:rPr lang="es-ES" b="1" dirty="0">
+                <a:solidFill>
+                  <a:srgbClr val="0070C0"/>
+                </a:solidFill>
+                <a:latin typeface="Consolas" panose="020B0609020204030204" pitchFamily="49" charset="0"/>
+              </a:rPr>
+              <a:t>transacciones</a:t>
+            </a:r>
+            <a:r>
+              <a:rPr lang="es-ES" dirty="0">
+                <a:latin typeface="Consolas" panose="020B0609020204030204" pitchFamily="49" charset="0"/>
+              </a:rPr>
+              <a:t>. Se asumió que correspondían a datos históricos, por lo que se agruparon sumando las columnas </a:t>
+            </a:r>
+            <a:r>
+              <a:rPr lang="es-ES" b="1" dirty="0">
+                <a:solidFill>
+                  <a:srgbClr val="0070C0"/>
+                </a:solidFill>
+                <a:latin typeface="Consolas" panose="020B0609020204030204" pitchFamily="49" charset="0"/>
+              </a:rPr>
+              <a:t>cantidad</a:t>
+            </a:r>
+            <a:r>
+              <a:rPr lang="es-ES" dirty="0">
+                <a:latin typeface="Consolas" panose="020B0609020204030204" pitchFamily="49" charset="0"/>
+              </a:rPr>
+              <a:t> y </a:t>
+            </a:r>
+            <a:r>
+              <a:rPr lang="es-ES" b="1" dirty="0">
+                <a:solidFill>
+                  <a:srgbClr val="0070C0"/>
+                </a:solidFill>
+                <a:latin typeface="Consolas" panose="020B0609020204030204" pitchFamily="49" charset="0"/>
+              </a:rPr>
+              <a:t>precio</a:t>
+            </a:r>
+            <a:r>
+              <a:rPr lang="es-ES" dirty="0">
+                <a:latin typeface="Consolas" panose="020B0609020204030204" pitchFamily="49" charset="0"/>
+              </a:rPr>
+              <a:t> para consolidar la información acerca de compras realizadas por los comercios.</a:t>
+            </a:r>
+          </a:p>
+          <a:p>
+            <a:pPr indent="-230400" algn="just">
+              <a:lnSpc>
+                <a:spcPct val="120000"/>
+              </a:lnSpc>
+            </a:pPr>
+            <a:endParaRPr lang="es-ES" dirty="0">
+              <a:latin typeface="Consolas" panose="020B0609020204030204" pitchFamily="49" charset="0"/>
+            </a:endParaRPr>
+          </a:p>
+          <a:p>
+            <a:pPr indent="-230400" algn="just">
+              <a:lnSpc>
+                <a:spcPct val="120000"/>
+              </a:lnSpc>
+            </a:pPr>
+            <a:r>
+              <a:rPr lang="es-ES" dirty="0">
+                <a:latin typeface="Consolas" panose="020B0609020204030204" pitchFamily="49" charset="0"/>
+              </a:rPr>
+              <a:t>Al implementar una función inicial para realizar recomendaciones, se observó que </a:t>
+            </a:r>
+            <a:r>
+              <a:rPr lang="es-ES" b="1" dirty="0">
+                <a:solidFill>
+                  <a:srgbClr val="0070C0"/>
+                </a:solidFill>
+                <a:latin typeface="Consolas" panose="020B0609020204030204" pitchFamily="49" charset="0"/>
+              </a:rPr>
+              <a:t>todos los comercios tenían al menos uno de todos los productos disponibles</a:t>
+            </a:r>
+            <a:r>
+              <a:rPr lang="es-ES" dirty="0">
+                <a:latin typeface="Consolas" panose="020B0609020204030204" pitchFamily="49" charset="0"/>
+              </a:rPr>
+              <a:t>, lo que invalidaba la segunda </a:t>
+            </a:r>
+            <a:r>
+              <a:rPr lang="es-ES" dirty="0" err="1">
+                <a:latin typeface="Consolas" panose="020B0609020204030204" pitchFamily="49" charset="0"/>
+              </a:rPr>
+              <a:t>hipótes</a:t>
+            </a:r>
+            <a:r>
+              <a:rPr lang="es-ES" dirty="0">
+                <a:latin typeface="Consolas" panose="020B0609020204030204" pitchFamily="49" charset="0"/>
+              </a:rPr>
+              <a:t>: evitar recomendar productos que ya habían sido comprados para evitar la redundancia. Esto llevó a desestimar dicha hipótesis, pues no era aplicable en este contexto.</a:t>
+            </a:r>
+          </a:p>
+          <a:p>
+            <a:pPr indent="-230400" algn="just">
+              <a:lnSpc>
+                <a:spcPct val="120000"/>
+              </a:lnSpc>
+            </a:pPr>
+            <a:endParaRPr lang="es-ES" dirty="0">
+              <a:latin typeface="Consolas" panose="020B0609020204030204" pitchFamily="49" charset="0"/>
+            </a:endParaRPr>
+          </a:p>
+          <a:p>
+            <a:pPr indent="-230400" algn="just">
+              <a:lnSpc>
+                <a:spcPct val="120000"/>
+              </a:lnSpc>
+            </a:pPr>
+            <a:r>
+              <a:rPr lang="es-ES" dirty="0">
+                <a:latin typeface="Consolas" panose="020B0609020204030204" pitchFamily="49" charset="0"/>
+              </a:rPr>
+              <a:t>Se optó por </a:t>
+            </a:r>
+            <a:r>
+              <a:rPr lang="es-ES" b="1" dirty="0">
+                <a:solidFill>
+                  <a:srgbClr val="0070C0"/>
+                </a:solidFill>
+                <a:latin typeface="Consolas" panose="020B0609020204030204" pitchFamily="49" charset="0"/>
+              </a:rPr>
+              <a:t>penalizar</a:t>
+            </a:r>
+            <a:r>
+              <a:rPr lang="es-ES" dirty="0">
+                <a:latin typeface="Consolas" panose="020B0609020204030204" pitchFamily="49" charset="0"/>
+              </a:rPr>
+              <a:t> aquellos productos. Esto significa que los productos que un comercio ya ha adquirido reciben un menor peso en su "</a:t>
+            </a:r>
+            <a:r>
+              <a:rPr lang="es-ES" b="1" dirty="0">
+                <a:solidFill>
+                  <a:srgbClr val="0070C0"/>
+                </a:solidFill>
+                <a:latin typeface="Consolas" panose="020B0609020204030204" pitchFamily="49" charset="0"/>
+              </a:rPr>
+              <a:t>score</a:t>
+            </a:r>
+            <a:r>
+              <a:rPr lang="es-ES" dirty="0">
+                <a:latin typeface="Consolas" panose="020B0609020204030204" pitchFamily="49" charset="0"/>
+              </a:rPr>
+              <a:t>" de recomendación, sin ser eliminados por completo del sistema. Este cambio permitió ofrecer recomendaciones más relevantes y ajustadas a las preferencias reales de cada comercio, sin dejar de considerar productos que pudieran ser útiles para reposición o futuras compras.</a:t>
+            </a:r>
+          </a:p>
+        </p:txBody>
+      </p:sp>
+      <p:pic>
+        <p:nvPicPr>
+          <p:cNvPr id="4" name="Picture 2" descr="YOM">
+            <a:extLst>
+              <a:ext uri="{FF2B5EF4-FFF2-40B4-BE49-F238E27FC236}">
+                <a16:creationId xmlns:a16="http://schemas.microsoft.com/office/drawing/2014/main" id="{D5428C37-18BC-E7AD-19A6-B2230EB805E7}"/>
+              </a:ext>
+            </a:extLst>
+          </p:cNvPr>
+          <p:cNvPicPr>
+            <a:picLocks noChangeAspect="1" noChangeArrowheads="1"/>
+          </p:cNvPicPr>
+          <p:nvPr/>
+        </p:nvPicPr>
+        <p:blipFill rotWithShape="1">
+          <a:blip r:embed="rId2">
+            <a:extLst>
+              <a:ext uri="{28A0092B-C50C-407E-A947-70E740481C1C}">
+                <a14:useLocalDpi xmlns:a14="http://schemas.microsoft.com/office/drawing/2010/main" val="0"/>
+              </a:ext>
+            </a:extLst>
+          </a:blip>
+          <a:srcRect r="66899"/>
+          <a:stretch/>
+        </p:blipFill>
+        <p:spPr bwMode="auto">
+          <a:xfrm>
+            <a:off x="11387711" y="183183"/>
+            <a:ext cx="627289" cy="648970"/>
+          </a:xfrm>
+          <a:prstGeom prst="rect">
+            <a:avLst/>
+          </a:prstGeom>
+          <a:noFill/>
+          <a:extLst>
+            <a:ext uri="{909E8E84-426E-40DD-AFC4-6F175D3DCCD1}">
+              <a14:hiddenFill xmlns:a14="http://schemas.microsoft.com/office/drawing/2010/main">
+                <a:solidFill>
+                  <a:srgbClr val="FFFFFF"/>
+                </a:solidFill>
+              </a14:hiddenFill>
+            </a:ext>
+          </a:extLst>
+        </p:spPr>
+      </p:pic>
+    </p:spTree>
+    <p:extLst>
+      <p:ext uri="{BB962C8B-B14F-4D97-AF65-F5344CB8AC3E}">
+        <p14:creationId xmlns:p14="http://schemas.microsoft.com/office/powerpoint/2010/main" val="199038868"/>
+      </p:ext>
+    </p:extLst>
+  </p:cSld>
+  <p:clrMapOvr>
+    <a:masterClrMapping/>
+  </p:clrMapOvr>
+</p:sld>
+</file>
+
+<file path=ppt/slides/slide7.xml><?xml version="1.0" encoding="utf-8"?>
+<p:sld xmlns:a="http://schemas.openxmlformats.org/drawingml/2006/main" xmlns:r="http://schemas.openxmlformats.org/officeDocument/2006/relationships" xmlns:p="http://schemas.openxmlformats.org/presentationml/2006/main">
+  <p:cSld>
+    <p:spTree>
+      <p:nvGrpSpPr>
+        <p:cNvPr id="1" name=""/>
+        <p:cNvGrpSpPr/>
+        <p:nvPr/>
+      </p:nvGrpSpPr>
+      <p:grpSpPr>
+        <a:xfrm>
+          <a:off x="0" y="0"/>
+          <a:ext cx="0" cy="0"/>
+          <a:chOff x="0" y="0"/>
+          <a:chExt cx="0" cy="0"/>
+        </a:xfrm>
+      </p:grpSpPr>
+      <p:sp>
+        <p:nvSpPr>
+          <p:cNvPr id="2" name="Título 1">
+            <a:extLst>
+              <a:ext uri="{FF2B5EF4-FFF2-40B4-BE49-F238E27FC236}">
+                <a16:creationId xmlns:a16="http://schemas.microsoft.com/office/drawing/2014/main" id="{A5D663CB-82C7-C6B5-FEAD-4A3D8AFC4256}"/>
+              </a:ext>
+            </a:extLst>
+          </p:cNvPr>
+          <p:cNvSpPr>
+            <a:spLocks noGrp="1"/>
+          </p:cNvSpPr>
+          <p:nvPr>
+            <p:ph type="title"/>
+          </p:nvPr>
+        </p:nvSpPr>
+        <p:spPr/>
+        <p:txBody>
+          <a:bodyPr/>
+          <a:lstStyle/>
+          <a:p>
+            <a:r>
+              <a:rPr lang="es-CL" dirty="0"/>
+              <a:t>Modelos Elegidos</a:t>
+            </a:r>
+          </a:p>
+        </p:txBody>
+      </p:sp>
+      <p:sp>
+        <p:nvSpPr>
+          <p:cNvPr id="3" name="Marcador de contenido 2">
+            <a:extLst>
+              <a:ext uri="{FF2B5EF4-FFF2-40B4-BE49-F238E27FC236}">
+                <a16:creationId xmlns:a16="http://schemas.microsoft.com/office/drawing/2014/main" id="{4AC1F8E4-BE51-ADFA-4AA7-B8D622254608}"/>
+              </a:ext>
+            </a:extLst>
+          </p:cNvPr>
+          <p:cNvSpPr>
+            <a:spLocks noGrp="1"/>
+          </p:cNvSpPr>
+          <p:nvPr>
+            <p:ph idx="1"/>
+          </p:nvPr>
+        </p:nvSpPr>
+        <p:spPr>
+          <a:xfrm>
+            <a:off x="838200" y="1743377"/>
+            <a:ext cx="7294638" cy="4351338"/>
+          </a:xfrm>
+        </p:spPr>
+        <p:txBody>
+          <a:bodyPr>
+            <a:normAutofit fontScale="62500" lnSpcReduction="20000"/>
+          </a:bodyPr>
+          <a:lstStyle/>
+          <a:p>
+            <a:pPr marL="0" indent="0" algn="just">
+              <a:lnSpc>
+                <a:spcPct val="110000"/>
+              </a:lnSpc>
+              <a:buNone/>
+            </a:pPr>
+            <a:r>
+              <a:rPr lang="es-ES" dirty="0">
+                <a:latin typeface="Consolas" panose="020B0609020204030204" pitchFamily="49" charset="0"/>
+              </a:rPr>
+              <a:t>Exploramos múltiples modelos para comprender cuál proporcionaba las recomendaciones más precisas y útiles:</a:t>
+            </a:r>
+          </a:p>
+          <a:p>
+            <a:pPr marL="0" indent="0" algn="just">
+              <a:lnSpc>
+                <a:spcPct val="110000"/>
+              </a:lnSpc>
+              <a:buNone/>
+            </a:pPr>
+            <a:endParaRPr lang="es-ES" dirty="0">
+              <a:latin typeface="Consolas" panose="020B0609020204030204" pitchFamily="49" charset="0"/>
+            </a:endParaRPr>
+          </a:p>
+          <a:p>
+            <a:pPr algn="just">
+              <a:lnSpc>
+                <a:spcPct val="110000"/>
+              </a:lnSpc>
+              <a:buFont typeface="Arial" panose="020B0604020202020204" pitchFamily="34" charset="0"/>
+              <a:buChar char="•"/>
+            </a:pPr>
+            <a:r>
+              <a:rPr lang="es-ES" b="1" dirty="0">
+                <a:solidFill>
+                  <a:srgbClr val="0070C0"/>
+                </a:solidFill>
+                <a:latin typeface="Consolas" panose="020B0609020204030204" pitchFamily="49" charset="0"/>
+              </a:rPr>
+              <a:t>Jaccard: </a:t>
+            </a:r>
+            <a:r>
+              <a:rPr lang="es-ES" dirty="0">
+                <a:latin typeface="Consolas" panose="020B0609020204030204" pitchFamily="49" charset="0"/>
+              </a:rPr>
+              <a:t>seleccionado por su simplicidad en términos de conjuntos, considerando productos adquiridos en común entre comercios.</a:t>
+            </a:r>
+          </a:p>
+          <a:p>
+            <a:pPr algn="just">
+              <a:lnSpc>
+                <a:spcPct val="110000"/>
+              </a:lnSpc>
+              <a:buFont typeface="Arial" panose="020B0604020202020204" pitchFamily="34" charset="0"/>
+              <a:buChar char="•"/>
+            </a:pPr>
+            <a:endParaRPr lang="es-ES" dirty="0">
+              <a:latin typeface="Consolas" panose="020B0609020204030204" pitchFamily="49" charset="0"/>
+            </a:endParaRPr>
+          </a:p>
+          <a:p>
+            <a:pPr algn="just">
+              <a:lnSpc>
+                <a:spcPct val="110000"/>
+              </a:lnSpc>
+              <a:buFont typeface="Arial" panose="020B0604020202020204" pitchFamily="34" charset="0"/>
+              <a:buChar char="•"/>
+            </a:pPr>
+            <a:r>
+              <a:rPr lang="es-ES" b="1" dirty="0">
+                <a:solidFill>
+                  <a:srgbClr val="0070C0"/>
+                </a:solidFill>
+                <a:latin typeface="Consolas" panose="020B0609020204030204" pitchFamily="49" charset="0"/>
+              </a:rPr>
+              <a:t>Coseno: </a:t>
+            </a:r>
+            <a:r>
+              <a:rPr lang="es-ES" dirty="0">
+                <a:latin typeface="Consolas" panose="020B0609020204030204" pitchFamily="49" charset="0"/>
+              </a:rPr>
+              <a:t>elegido para aprovechar la granularidad de los datos y medir la proximidad entre comercios basados en patrones de compra completos.</a:t>
+            </a:r>
+          </a:p>
+          <a:p>
+            <a:pPr algn="just">
+              <a:lnSpc>
+                <a:spcPct val="110000"/>
+              </a:lnSpc>
+              <a:buFont typeface="Arial" panose="020B0604020202020204" pitchFamily="34" charset="0"/>
+              <a:buChar char="•"/>
+            </a:pPr>
+            <a:endParaRPr lang="es-ES" dirty="0">
+              <a:latin typeface="Consolas" panose="020B0609020204030204" pitchFamily="49" charset="0"/>
+            </a:endParaRPr>
+          </a:p>
+          <a:p>
+            <a:pPr algn="just">
+              <a:lnSpc>
+                <a:spcPct val="110000"/>
+              </a:lnSpc>
+              <a:buFont typeface="Arial" panose="020B0604020202020204" pitchFamily="34" charset="0"/>
+              <a:buChar char="•"/>
+            </a:pPr>
+            <a:r>
+              <a:rPr lang="es-ES" b="1" dirty="0">
+                <a:solidFill>
+                  <a:srgbClr val="0070C0"/>
+                </a:solidFill>
+                <a:latin typeface="Consolas" panose="020B0609020204030204" pitchFamily="49" charset="0"/>
+              </a:rPr>
+              <a:t>KNN:</a:t>
+            </a:r>
+            <a:r>
+              <a:rPr lang="es-ES" dirty="0">
+                <a:latin typeface="Consolas" panose="020B0609020204030204" pitchFamily="49" charset="0"/>
+              </a:rPr>
+              <a:t> se utilizó para crear recomendaciones basadas en vecindarios de comercios similares, simulando un enfoque de recomendaciones colaborativas.</a:t>
+            </a:r>
+          </a:p>
+          <a:p>
+            <a:endParaRPr lang="es-CL" dirty="0"/>
+          </a:p>
+        </p:txBody>
+      </p:sp>
+      <p:pic>
+        <p:nvPicPr>
+          <p:cNvPr id="4" name="Picture 2" descr="YOM">
+            <a:extLst>
+              <a:ext uri="{FF2B5EF4-FFF2-40B4-BE49-F238E27FC236}">
+                <a16:creationId xmlns:a16="http://schemas.microsoft.com/office/drawing/2014/main" id="{0B1A957B-F7E9-57EB-C6C7-967B7EE4075F}"/>
+              </a:ext>
+            </a:extLst>
+          </p:cNvPr>
+          <p:cNvPicPr>
+            <a:picLocks noChangeAspect="1" noChangeArrowheads="1"/>
+          </p:cNvPicPr>
+          <p:nvPr/>
+        </p:nvPicPr>
+        <p:blipFill rotWithShape="1">
+          <a:blip r:embed="rId2">
+            <a:extLst>
+              <a:ext uri="{28A0092B-C50C-407E-A947-70E740481C1C}">
+                <a14:useLocalDpi xmlns:a14="http://schemas.microsoft.com/office/drawing/2010/main" val="0"/>
+              </a:ext>
+            </a:extLst>
+          </a:blip>
+          <a:srcRect r="66899"/>
+          <a:stretch/>
+        </p:blipFill>
+        <p:spPr bwMode="auto">
+          <a:xfrm>
+            <a:off x="11387711" y="183183"/>
+            <a:ext cx="627289" cy="648970"/>
+          </a:xfrm>
+          <a:prstGeom prst="rect">
+            <a:avLst/>
+          </a:prstGeom>
+          <a:noFill/>
+          <a:extLst>
+            <a:ext uri="{909E8E84-426E-40DD-AFC4-6F175D3DCCD1}">
+              <a14:hiddenFill xmlns:a14="http://schemas.microsoft.com/office/drawing/2010/main">
+                <a:solidFill>
+                  <a:srgbClr val="FFFFFF"/>
+                </a:solidFill>
+              </a14:hiddenFill>
+            </a:ext>
+          </a:extLst>
+        </p:spPr>
+      </p:pic>
+      <p:pic>
+        <p:nvPicPr>
+          <p:cNvPr id="6146" name="Picture 2" descr="Algoritmo de similaridad de Jaccard - Algoritmo de Grafos">
+            <a:extLst>
+              <a:ext uri="{FF2B5EF4-FFF2-40B4-BE49-F238E27FC236}">
+                <a16:creationId xmlns:a16="http://schemas.microsoft.com/office/drawing/2014/main" id="{113ACA46-09E5-5EEB-65FF-5589424D0722}"/>
+              </a:ext>
+            </a:extLst>
+          </p:cNvPr>
+          <p:cNvPicPr>
+            <a:picLocks noChangeAspect="1" noChangeArrowheads="1"/>
+          </p:cNvPicPr>
+          <p:nvPr/>
+        </p:nvPicPr>
+        <p:blipFill>
+          <a:blip r:embed="rId3">
+            <a:extLst>
+              <a:ext uri="{28A0092B-C50C-407E-A947-70E740481C1C}">
+                <a14:useLocalDpi xmlns:a14="http://schemas.microsoft.com/office/drawing/2010/main" val="0"/>
+              </a:ext>
+            </a:extLst>
+          </a:blip>
+          <a:srcRect/>
+          <a:stretch>
+            <a:fillRect/>
+          </a:stretch>
+        </p:blipFill>
+        <p:spPr bwMode="auto">
+          <a:xfrm>
+            <a:off x="8707059" y="2661104"/>
+            <a:ext cx="2857500" cy="771525"/>
+          </a:xfrm>
+          <a:prstGeom prst="rect">
+            <a:avLst/>
+          </a:prstGeom>
+          <a:noFill/>
+          <a:extLst>
+            <a:ext uri="{909E8E84-426E-40DD-AFC4-6F175D3DCCD1}">
+              <a14:hiddenFill xmlns:a14="http://schemas.microsoft.com/office/drawing/2010/main">
+                <a:solidFill>
+                  <a:srgbClr val="FFFFFF"/>
+                </a:solidFill>
+              </a14:hiddenFill>
+            </a:ext>
+          </a:extLst>
+        </p:spPr>
+      </p:pic>
+      <p:pic>
+        <p:nvPicPr>
+          <p:cNvPr id="6148" name="Picture 4" descr="Distributed processing using cosine similarity for mapping Big Data in  Hadoop (Procesamiento distribuido usando similitud de cos">
+            <a:extLst>
+              <a:ext uri="{FF2B5EF4-FFF2-40B4-BE49-F238E27FC236}">
+                <a16:creationId xmlns:a16="http://schemas.microsoft.com/office/drawing/2014/main" id="{61C6C70F-E713-44FE-83C0-7A1C2F870453}"/>
+              </a:ext>
+            </a:extLst>
+          </p:cNvPr>
+          <p:cNvPicPr>
+            <a:picLocks noChangeAspect="1" noChangeArrowheads="1"/>
+          </p:cNvPicPr>
+          <p:nvPr/>
+        </p:nvPicPr>
+        <p:blipFill>
+          <a:blip r:embed="rId4">
+            <a:extLst>
+              <a:ext uri="{28A0092B-C50C-407E-A947-70E740481C1C}">
+                <a14:useLocalDpi xmlns:a14="http://schemas.microsoft.com/office/drawing/2010/main" val="0"/>
+              </a:ext>
+            </a:extLst>
+          </a:blip>
+          <a:srcRect/>
+          <a:stretch>
+            <a:fillRect/>
+          </a:stretch>
+        </p:blipFill>
+        <p:spPr bwMode="auto">
+          <a:xfrm>
+            <a:off x="8707059" y="3864126"/>
+            <a:ext cx="2857501" cy="870590"/>
+          </a:xfrm>
+          <a:prstGeom prst="rect">
+            <a:avLst/>
+          </a:prstGeom>
+          <a:noFill/>
+          <a:extLst>
+            <a:ext uri="{909E8E84-426E-40DD-AFC4-6F175D3DCCD1}">
+              <a14:hiddenFill xmlns:a14="http://schemas.microsoft.com/office/drawing/2010/main">
+                <a:solidFill>
+                  <a:srgbClr val="FFFFFF"/>
+                </a:solidFill>
+              </a14:hiddenFill>
+            </a:ext>
+          </a:extLst>
+        </p:spPr>
+      </p:pic>
+      <p:pic>
+        <p:nvPicPr>
+          <p:cNvPr id="6150" name="Picture 6" descr="K-Nearest Neighbors (KNN) Clasificación con R Tutorial | DataCamp">
+            <a:extLst>
+              <a:ext uri="{FF2B5EF4-FFF2-40B4-BE49-F238E27FC236}">
+                <a16:creationId xmlns:a16="http://schemas.microsoft.com/office/drawing/2014/main" id="{247696CB-9EAC-66D4-6564-9F7A511E6E6A}"/>
+              </a:ext>
+            </a:extLst>
+          </p:cNvPr>
+          <p:cNvPicPr>
+            <a:picLocks noChangeAspect="1" noChangeArrowheads="1"/>
+          </p:cNvPicPr>
+          <p:nvPr/>
+        </p:nvPicPr>
+        <p:blipFill>
+          <a:blip r:embed="rId5">
+            <a:extLst>
+              <a:ext uri="{28A0092B-C50C-407E-A947-70E740481C1C}">
+                <a14:useLocalDpi xmlns:a14="http://schemas.microsoft.com/office/drawing/2010/main" val="0"/>
+              </a:ext>
+            </a:extLst>
+          </a:blip>
+          <a:srcRect/>
+          <a:stretch>
+            <a:fillRect/>
+          </a:stretch>
+        </p:blipFill>
+        <p:spPr bwMode="auto">
+          <a:xfrm>
+            <a:off x="9347124" y="5012873"/>
+            <a:ext cx="1595563" cy="957338"/>
+          </a:xfrm>
+          <a:prstGeom prst="rect">
+            <a:avLst/>
+          </a:prstGeom>
+          <a:noFill/>
+          <a:extLst>
+            <a:ext uri="{909E8E84-426E-40DD-AFC4-6F175D3DCCD1}">
+              <a14:hiddenFill xmlns:a14="http://schemas.microsoft.com/office/drawing/2010/main">
+                <a:solidFill>
+                  <a:srgbClr val="FFFFFF"/>
+                </a:solidFill>
+              </a14:hiddenFill>
+            </a:ext>
+          </a:extLst>
+        </p:spPr>
+      </p:pic>
+    </p:spTree>
+    <p:extLst>
+      <p:ext uri="{BB962C8B-B14F-4D97-AF65-F5344CB8AC3E}">
+        <p14:creationId xmlns:p14="http://schemas.microsoft.com/office/powerpoint/2010/main" val="1517801204"/>
+      </p:ext>
+    </p:extLst>
+  </p:cSld>
+  <p:clrMapOvr>
+    <a:masterClrMapping/>
+  </p:clrMapOvr>
+</p:sld>
+</file>
+
+<file path=ppt/slides/slide8.xml><?xml version="1.0" encoding="utf-8"?>
+<p:sld xmlns:a="http://schemas.openxmlformats.org/drawingml/2006/main" xmlns:r="http://schemas.openxmlformats.org/officeDocument/2006/relationships" xmlns:p="http://schemas.openxmlformats.org/presentationml/2006/main">
+  <p:cSld>
+    <p:spTree>
+      <p:nvGrpSpPr>
+        <p:cNvPr id="1" name=""/>
+        <p:cNvGrpSpPr/>
+        <p:nvPr/>
+      </p:nvGrpSpPr>
+      <p:grpSpPr>
+        <a:xfrm>
+          <a:off x="0" y="0"/>
+          <a:ext cx="0" cy="0"/>
+          <a:chOff x="0" y="0"/>
+          <a:chExt cx="0" cy="0"/>
+        </a:xfrm>
+      </p:grpSpPr>
+      <p:sp>
+        <p:nvSpPr>
+          <p:cNvPr id="2" name="Título 1">
+            <a:extLst>
+              <a:ext uri="{FF2B5EF4-FFF2-40B4-BE49-F238E27FC236}">
+                <a16:creationId xmlns:a16="http://schemas.microsoft.com/office/drawing/2014/main" id="{7176B555-C466-CB61-398F-6E7CDAF8FCB6}"/>
+              </a:ext>
+            </a:extLst>
+          </p:cNvPr>
+          <p:cNvSpPr>
+            <a:spLocks noGrp="1"/>
+          </p:cNvSpPr>
+          <p:nvPr>
+            <p:ph type="title"/>
+          </p:nvPr>
+        </p:nvSpPr>
+        <p:spPr/>
+        <p:txBody>
+          <a:bodyPr/>
+          <a:lstStyle/>
+          <a:p>
+            <a:r>
+              <a:rPr lang="es-CL" dirty="0"/>
+              <a:t>Resultados por Modelos</a:t>
+            </a:r>
+          </a:p>
+        </p:txBody>
+      </p:sp>
+      <p:pic>
+        <p:nvPicPr>
+          <p:cNvPr id="4" name="Picture 2" descr="YOM">
+            <a:extLst>
+              <a:ext uri="{FF2B5EF4-FFF2-40B4-BE49-F238E27FC236}">
+                <a16:creationId xmlns:a16="http://schemas.microsoft.com/office/drawing/2014/main" id="{C98CBC26-40CE-90C2-2B1B-F74B2396A85C}"/>
+              </a:ext>
+            </a:extLst>
+          </p:cNvPr>
+          <p:cNvPicPr>
+            <a:picLocks noChangeAspect="1" noChangeArrowheads="1"/>
+          </p:cNvPicPr>
+          <p:nvPr/>
+        </p:nvPicPr>
+        <p:blipFill rotWithShape="1">
+          <a:blip r:embed="rId2">
+            <a:extLst>
+              <a:ext uri="{28A0092B-C50C-407E-A947-70E740481C1C}">
+                <a14:useLocalDpi xmlns:a14="http://schemas.microsoft.com/office/drawing/2010/main" val="0"/>
+              </a:ext>
+            </a:extLst>
+          </a:blip>
+          <a:srcRect r="66899"/>
+          <a:stretch/>
+        </p:blipFill>
+        <p:spPr bwMode="auto">
+          <a:xfrm>
+            <a:off x="11387711" y="183183"/>
+            <a:ext cx="627289" cy="648970"/>
+          </a:xfrm>
+          <a:prstGeom prst="rect">
+            <a:avLst/>
+          </a:prstGeom>
+          <a:noFill/>
+          <a:extLst>
+            <a:ext uri="{909E8E84-426E-40DD-AFC4-6F175D3DCCD1}">
+              <a14:hiddenFill xmlns:a14="http://schemas.microsoft.com/office/drawing/2010/main">
+                <a:solidFill>
+                  <a:srgbClr val="FFFFFF"/>
+                </a:solidFill>
+              </a14:hiddenFill>
+            </a:ext>
+          </a:extLst>
+        </p:spPr>
+      </p:pic>
+      <p:pic>
+        <p:nvPicPr>
+          <p:cNvPr id="6" name="Imagen 5" descr="Tabla&#10;&#10;Descripción generada automáticamente">
+            <a:extLst>
+              <a:ext uri="{FF2B5EF4-FFF2-40B4-BE49-F238E27FC236}">
+                <a16:creationId xmlns:a16="http://schemas.microsoft.com/office/drawing/2014/main" id="{EFEC9CD6-7DFF-E349-A2BA-2AD698E2643F}"/>
+              </a:ext>
+            </a:extLst>
+          </p:cNvPr>
+          <p:cNvPicPr>
+            <a:picLocks noChangeAspect="1"/>
+          </p:cNvPicPr>
+          <p:nvPr/>
+        </p:nvPicPr>
+        <p:blipFill>
+          <a:blip r:embed="rId3">
+            <a:extLst>
+              <a:ext uri="{28A0092B-C50C-407E-A947-70E740481C1C}">
+                <a14:useLocalDpi xmlns:a14="http://schemas.microsoft.com/office/drawing/2010/main" val="0"/>
+              </a:ext>
+            </a:extLst>
+          </a:blip>
+          <a:srcRect t="27393" r="9177"/>
+          <a:stretch/>
+        </p:blipFill>
+        <p:spPr>
+          <a:xfrm>
+            <a:off x="838200" y="3512456"/>
+            <a:ext cx="3559210" cy="2253343"/>
+          </a:xfrm>
+          <a:prstGeom prst="rect">
+            <a:avLst/>
+          </a:prstGeom>
+        </p:spPr>
+      </p:pic>
+      <p:pic>
+        <p:nvPicPr>
+          <p:cNvPr id="8" name="Imagen 7" descr="Tabla&#10;&#10;Descripción generada automáticamente">
+            <a:extLst>
+              <a:ext uri="{FF2B5EF4-FFF2-40B4-BE49-F238E27FC236}">
+                <a16:creationId xmlns:a16="http://schemas.microsoft.com/office/drawing/2014/main" id="{56E7B31B-C247-617E-BC70-FA35A5463E63}"/>
+              </a:ext>
+            </a:extLst>
+          </p:cNvPr>
+          <p:cNvPicPr>
+            <a:picLocks noChangeAspect="1"/>
+          </p:cNvPicPr>
+          <p:nvPr/>
+        </p:nvPicPr>
+        <p:blipFill>
+          <a:blip r:embed="rId4">
+            <a:extLst>
+              <a:ext uri="{28A0092B-C50C-407E-A947-70E740481C1C}">
+                <a14:useLocalDpi xmlns:a14="http://schemas.microsoft.com/office/drawing/2010/main" val="0"/>
+              </a:ext>
+            </a:extLst>
+          </a:blip>
+          <a:srcRect t="28650" b="1"/>
+          <a:stretch/>
+        </p:blipFill>
+        <p:spPr>
+          <a:xfrm>
+            <a:off x="4829241" y="3512455"/>
+            <a:ext cx="3188193" cy="2253343"/>
+          </a:xfrm>
+          <a:prstGeom prst="rect">
+            <a:avLst/>
+          </a:prstGeom>
+        </p:spPr>
+      </p:pic>
+      <p:pic>
+        <p:nvPicPr>
+          <p:cNvPr id="10" name="Imagen 9" descr="Tabla&#10;&#10;Descripción generada automáticamente">
+            <a:extLst>
+              <a:ext uri="{FF2B5EF4-FFF2-40B4-BE49-F238E27FC236}">
+                <a16:creationId xmlns:a16="http://schemas.microsoft.com/office/drawing/2014/main" id="{E8668ED0-3B91-A238-E774-5BA460936387}"/>
+              </a:ext>
+            </a:extLst>
+          </p:cNvPr>
+          <p:cNvPicPr>
+            <a:picLocks noChangeAspect="1"/>
+          </p:cNvPicPr>
+          <p:nvPr/>
+        </p:nvPicPr>
+        <p:blipFill>
+          <a:blip r:embed="rId5">
+            <a:extLst>
+              <a:ext uri="{28A0092B-C50C-407E-A947-70E740481C1C}">
+                <a14:useLocalDpi xmlns:a14="http://schemas.microsoft.com/office/drawing/2010/main" val="0"/>
+              </a:ext>
+            </a:extLst>
+          </a:blip>
+          <a:srcRect t="26533" r="18642" b="1690"/>
+          <a:stretch/>
+        </p:blipFill>
+        <p:spPr>
+          <a:xfrm>
+            <a:off x="8222252" y="3506406"/>
+            <a:ext cx="3465920" cy="2259392"/>
+          </a:xfrm>
+          <a:prstGeom prst="rect">
+            <a:avLst/>
+          </a:prstGeom>
+        </p:spPr>
+      </p:pic>
+      <p:sp>
+        <p:nvSpPr>
+          <p:cNvPr id="11" name="CuadroTexto 10">
+            <a:extLst>
+              <a:ext uri="{FF2B5EF4-FFF2-40B4-BE49-F238E27FC236}">
+                <a16:creationId xmlns:a16="http://schemas.microsoft.com/office/drawing/2014/main" id="{ADFE9FAA-6200-7C4A-9C80-F550E60B473E}"/>
+              </a:ext>
+            </a:extLst>
+          </p:cNvPr>
+          <p:cNvSpPr txBox="1"/>
+          <p:nvPr/>
+        </p:nvSpPr>
+        <p:spPr>
+          <a:xfrm>
+            <a:off x="2140142" y="2895271"/>
+            <a:ext cx="991618" cy="369332"/>
+          </a:xfrm>
+          <a:prstGeom prst="rect">
+            <a:avLst/>
+          </a:prstGeom>
+          <a:noFill/>
+        </p:spPr>
+        <p:txBody>
+          <a:bodyPr wrap="none" rtlCol="0">
+            <a:spAutoFit/>
+          </a:bodyPr>
+          <a:lstStyle/>
+          <a:p>
+            <a:r>
+              <a:rPr lang="es-CL" b="1" dirty="0">
+                <a:solidFill>
+                  <a:srgbClr val="0070C0"/>
+                </a:solidFill>
+              </a:rPr>
+              <a:t>Jaccard</a:t>
+            </a:r>
+          </a:p>
+        </p:txBody>
+      </p:sp>
+      <p:sp>
+        <p:nvSpPr>
+          <p:cNvPr id="12" name="CuadroTexto 11">
+            <a:extLst>
+              <a:ext uri="{FF2B5EF4-FFF2-40B4-BE49-F238E27FC236}">
+                <a16:creationId xmlns:a16="http://schemas.microsoft.com/office/drawing/2014/main" id="{4C8D0BC9-7CB6-B619-26C4-F2E1FFBE2C90}"/>
+              </a:ext>
+            </a:extLst>
+          </p:cNvPr>
+          <p:cNvSpPr txBox="1"/>
+          <p:nvPr/>
+        </p:nvSpPr>
+        <p:spPr>
+          <a:xfrm>
+            <a:off x="5814021" y="2895271"/>
+            <a:ext cx="994183" cy="369332"/>
+          </a:xfrm>
+          <a:prstGeom prst="rect">
+            <a:avLst/>
+          </a:prstGeom>
+          <a:noFill/>
+        </p:spPr>
+        <p:txBody>
+          <a:bodyPr wrap="none" rtlCol="0">
+            <a:spAutoFit/>
+          </a:bodyPr>
+          <a:lstStyle/>
+          <a:p>
+            <a:r>
+              <a:rPr lang="es-CL" b="1" dirty="0">
+                <a:solidFill>
+                  <a:srgbClr val="0070C0"/>
+                </a:solidFill>
+              </a:rPr>
+              <a:t>Coseno</a:t>
+            </a:r>
+          </a:p>
+        </p:txBody>
+      </p:sp>
+      <p:sp>
+        <p:nvSpPr>
+          <p:cNvPr id="13" name="CuadroTexto 12">
+            <a:extLst>
+              <a:ext uri="{FF2B5EF4-FFF2-40B4-BE49-F238E27FC236}">
+                <a16:creationId xmlns:a16="http://schemas.microsoft.com/office/drawing/2014/main" id="{2A865C35-2FEB-65AF-78CF-6E66A27AFAF6}"/>
+              </a:ext>
+            </a:extLst>
+          </p:cNvPr>
+          <p:cNvSpPr txBox="1"/>
+          <p:nvPr/>
+        </p:nvSpPr>
+        <p:spPr>
+          <a:xfrm>
+            <a:off x="9396631" y="2889323"/>
+            <a:ext cx="662361" cy="369332"/>
+          </a:xfrm>
+          <a:prstGeom prst="rect">
+            <a:avLst/>
+          </a:prstGeom>
+          <a:noFill/>
+        </p:spPr>
+        <p:txBody>
+          <a:bodyPr wrap="none" rtlCol="0">
+            <a:spAutoFit/>
+          </a:bodyPr>
+          <a:lstStyle/>
+          <a:p>
+            <a:r>
+              <a:rPr lang="es-CL" b="1" dirty="0">
+                <a:solidFill>
+                  <a:srgbClr val="0070C0"/>
+                </a:solidFill>
+              </a:rPr>
+              <a:t>KNN</a:t>
+            </a:r>
+          </a:p>
+        </p:txBody>
+      </p:sp>
+      <p:sp>
+        <p:nvSpPr>
+          <p:cNvPr id="14" name="Marcador de contenido 2">
+            <a:extLst>
+              <a:ext uri="{FF2B5EF4-FFF2-40B4-BE49-F238E27FC236}">
+                <a16:creationId xmlns:a16="http://schemas.microsoft.com/office/drawing/2014/main" id="{4F1DAD73-5D1A-26BD-9E26-C1CB4DFE1D71}"/>
+              </a:ext>
+            </a:extLst>
+          </p:cNvPr>
+          <p:cNvSpPr>
+            <a:spLocks noGrp="1"/>
+          </p:cNvSpPr>
+          <p:nvPr>
+            <p:ph idx="1"/>
+          </p:nvPr>
+        </p:nvSpPr>
+        <p:spPr>
+          <a:xfrm>
+            <a:off x="838200" y="1690688"/>
+            <a:ext cx="10515600" cy="1063698"/>
+          </a:xfrm>
+        </p:spPr>
+        <p:txBody>
+          <a:bodyPr>
+            <a:normAutofit lnSpcReduction="10000"/>
+          </a:bodyPr>
+          <a:lstStyle/>
+          <a:p>
+            <a:pPr marL="0" indent="0" algn="ctr">
+              <a:buNone/>
+            </a:pPr>
+            <a:r>
+              <a:rPr lang="es-CL" sz="1800" b="1" dirty="0">
+                <a:latin typeface="Consolas" panose="020B0609020204030204" pitchFamily="49" charset="0"/>
+              </a:rPr>
+              <a:t>Top 10 recomendaciones</a:t>
+            </a:r>
+            <a:r>
+              <a:rPr lang="es-CL" sz="1800" dirty="0">
+                <a:latin typeface="Consolas" panose="020B0609020204030204" pitchFamily="49" charset="0"/>
+              </a:rPr>
+              <a:t> </a:t>
+            </a:r>
+            <a:r>
+              <a:rPr lang="es-CL" sz="1800" b="1" dirty="0">
+                <a:latin typeface="Consolas" panose="020B0609020204030204" pitchFamily="49" charset="0"/>
+              </a:rPr>
+              <a:t>(</a:t>
+            </a:r>
+            <a:r>
+              <a:rPr lang="es-CL" sz="1800" b="1" dirty="0" err="1">
+                <a:latin typeface="Consolas" panose="020B0609020204030204" pitchFamily="49" charset="0"/>
+              </a:rPr>
+              <a:t>adjusted_score</a:t>
+            </a:r>
+            <a:r>
+              <a:rPr lang="es-CL" sz="1800" b="1" dirty="0">
+                <a:latin typeface="Consolas" panose="020B0609020204030204" pitchFamily="49" charset="0"/>
+              </a:rPr>
+              <a:t>)</a:t>
+            </a:r>
+          </a:p>
+          <a:p>
+            <a:pPr marL="0" indent="0" algn="ctr">
+              <a:buNone/>
+            </a:pPr>
+            <a:r>
+              <a:rPr lang="es-CL" sz="1800" dirty="0">
+                <a:latin typeface="Consolas" panose="020B0609020204030204" pitchFamily="49" charset="0"/>
+              </a:rPr>
+              <a:t>Comuna: Macul</a:t>
+            </a:r>
+          </a:p>
+          <a:p>
+            <a:pPr marL="0" indent="0" algn="ctr">
+              <a:buNone/>
+            </a:pPr>
+            <a:r>
+              <a:rPr lang="es-CL" sz="1800" dirty="0">
+                <a:latin typeface="Consolas" panose="020B0609020204030204" pitchFamily="49" charset="0"/>
+              </a:rPr>
+              <a:t>Comercio: 10</a:t>
+            </a:r>
+          </a:p>
+        </p:txBody>
+      </p:sp>
+    </p:spTree>
+    <p:extLst>
+      <p:ext uri="{BB962C8B-B14F-4D97-AF65-F5344CB8AC3E}">
+        <p14:creationId xmlns:p14="http://schemas.microsoft.com/office/powerpoint/2010/main" val="4149787904"/>
+      </p:ext>
+    </p:extLst>
+  </p:cSld>
+  <p:clrMapOvr>
+    <a:masterClrMapping/>
+  </p:clrMapOvr>
+</p:sld>
+</file>
+
+<file path=ppt/slides/slide9.xml><?xml version="1.0" encoding="utf-8"?>
+<p:sld xmlns:a="http://schemas.openxmlformats.org/drawingml/2006/main" xmlns:r="http://schemas.openxmlformats.org/officeDocument/2006/relationships" xmlns:p="http://schemas.openxmlformats.org/presentationml/2006/main">
+  <p:cSld>
+    <p:spTree>
+      <p:nvGrpSpPr>
+        <p:cNvPr id="1" name=""/>
+        <p:cNvGrpSpPr/>
+        <p:nvPr/>
+      </p:nvGrpSpPr>
+      <p:grpSpPr>
+        <a:xfrm>
+          <a:off x="0" y="0"/>
+          <a:ext cx="0" cy="0"/>
+          <a:chOff x="0" y="0"/>
+          <a:chExt cx="0" cy="0"/>
+        </a:xfrm>
+      </p:grpSpPr>
+      <p:sp>
+        <p:nvSpPr>
+          <p:cNvPr id="2" name="Título 1">
+            <a:extLst>
+              <a:ext uri="{FF2B5EF4-FFF2-40B4-BE49-F238E27FC236}">
+                <a16:creationId xmlns:a16="http://schemas.microsoft.com/office/drawing/2014/main" id="{74D9167A-89D5-9D24-F1C8-BD59275C08D0}"/>
+              </a:ext>
+            </a:extLst>
+          </p:cNvPr>
+          <p:cNvSpPr>
+            <a:spLocks noGrp="1"/>
+          </p:cNvSpPr>
+          <p:nvPr>
+            <p:ph type="title"/>
+          </p:nvPr>
+        </p:nvSpPr>
+        <p:spPr/>
+        <p:txBody>
+          <a:bodyPr/>
+          <a:lstStyle/>
+          <a:p>
+            <a:r>
+              <a:rPr lang="es-CL" dirty="0"/>
+              <a:t>Evaluación del modelo</a:t>
+            </a:r>
+          </a:p>
+        </p:txBody>
+      </p:sp>
+      <p:graphicFrame>
+        <p:nvGraphicFramePr>
+          <p:cNvPr id="14" name="Tabla 13">
+            <a:extLst>
+              <a:ext uri="{FF2B5EF4-FFF2-40B4-BE49-F238E27FC236}">
+                <a16:creationId xmlns:a16="http://schemas.microsoft.com/office/drawing/2014/main" id="{7DFE51BF-6A1B-36AB-4E2F-FD6320E6C9DC}"/>
+              </a:ext>
+            </a:extLst>
+          </p:cNvPr>
+          <p:cNvGraphicFramePr>
+            <a:graphicFrameLocks noGrp="1"/>
+          </p:cNvGraphicFramePr>
+          <p:nvPr>
+            <p:extLst>
+              <p:ext uri="{D42A27DB-BD31-4B8C-83A1-F6EECF244321}">
+                <p14:modId xmlns:p14="http://schemas.microsoft.com/office/powerpoint/2010/main" val="315888162"/>
+              </p:ext>
+            </p:extLst>
+          </p:nvPr>
+        </p:nvGraphicFramePr>
+        <p:xfrm>
+          <a:off x="3840237" y="1821487"/>
+          <a:ext cx="4511524" cy="1783896"/>
+        </p:xfrm>
+        <a:graphic>
+          <a:graphicData uri="http://schemas.openxmlformats.org/drawingml/2006/table">
+            <a:tbl>
+              <a:tblPr firstRow="1">
+                <a:tableStyleId>{5C22544A-7EE6-4342-B048-85BDC9FD1C3A}</a:tableStyleId>
+              </a:tblPr>
+              <a:tblGrid>
+                <a:gridCol w="1127881">
+                  <a:extLst>
+                    <a:ext uri="{9D8B030D-6E8A-4147-A177-3AD203B41FA5}">
+                      <a16:colId xmlns:a16="http://schemas.microsoft.com/office/drawing/2014/main" val="2664316425"/>
+                    </a:ext>
+                  </a:extLst>
+                </a:gridCol>
+                <a:gridCol w="1127881">
+                  <a:extLst>
+                    <a:ext uri="{9D8B030D-6E8A-4147-A177-3AD203B41FA5}">
+                      <a16:colId xmlns:a16="http://schemas.microsoft.com/office/drawing/2014/main" val="2062412745"/>
+                    </a:ext>
+                  </a:extLst>
+                </a:gridCol>
+                <a:gridCol w="1127881">
+                  <a:extLst>
+                    <a:ext uri="{9D8B030D-6E8A-4147-A177-3AD203B41FA5}">
+                      <a16:colId xmlns:a16="http://schemas.microsoft.com/office/drawing/2014/main" val="2875433483"/>
+                    </a:ext>
+                  </a:extLst>
+                </a:gridCol>
+                <a:gridCol w="1127881">
+                  <a:extLst>
+                    <a:ext uri="{9D8B030D-6E8A-4147-A177-3AD203B41FA5}">
+                      <a16:colId xmlns:a16="http://schemas.microsoft.com/office/drawing/2014/main" val="4282397015"/>
+                    </a:ext>
+                  </a:extLst>
+                </a:gridCol>
+              </a:tblGrid>
+              <a:tr h="445974">
+                <a:tc>
+                  <a:txBody>
+                    <a:bodyPr/>
+                    <a:lstStyle/>
+                    <a:p>
+                      <a:pPr algn="ctr" fontAlgn="ctr"/>
+                      <a:r>
+                        <a:rPr lang="es-CL" sz="1100" u="none" strike="noStrike" dirty="0">
+                          <a:effectLst/>
+                        </a:rPr>
+                        <a:t>Modelo</a:t>
+                      </a:r>
+                      <a:endParaRPr lang="es-CL" sz="1100" b="1" i="0" u="none" strike="noStrike" dirty="0">
+                        <a:solidFill>
+                          <a:srgbClr val="000000"/>
+                        </a:solidFill>
+                        <a:effectLst/>
+                        <a:latin typeface="Aptos Narrow" panose="020B0004020202020204" pitchFamily="34" charset="0"/>
+                      </a:endParaRPr>
+                    </a:p>
+                  </a:txBody>
+                  <a:tcPr marL="3810" marR="3810" marT="3810" marB="0" anchor="ctr"/>
+                </a:tc>
+                <a:tc>
+                  <a:txBody>
+                    <a:bodyPr/>
+                    <a:lstStyle/>
+                    <a:p>
+                      <a:pPr algn="ctr" fontAlgn="ctr"/>
+                      <a:r>
+                        <a:rPr lang="es-CL" sz="1100" u="none" strike="noStrike">
+                          <a:effectLst/>
+                        </a:rPr>
+                        <a:t>Precisión</a:t>
+                      </a:r>
+                      <a:endParaRPr lang="es-CL" sz="1100" b="1" i="0" u="none" strike="noStrike">
+                        <a:solidFill>
+                          <a:srgbClr val="000000"/>
+                        </a:solidFill>
+                        <a:effectLst/>
+                        <a:latin typeface="Aptos Narrow" panose="020B0004020202020204" pitchFamily="34" charset="0"/>
+                      </a:endParaRPr>
+                    </a:p>
+                  </a:txBody>
+                  <a:tcPr marL="3810" marR="3810" marT="3810" marB="0" anchor="ctr"/>
+                </a:tc>
+                <a:tc>
+                  <a:txBody>
+                    <a:bodyPr/>
+                    <a:lstStyle/>
+                    <a:p>
+                      <a:pPr algn="ctr" fontAlgn="ctr"/>
+                      <a:r>
+                        <a:rPr lang="es-CL" sz="1100" u="none" strike="noStrike" dirty="0" err="1">
+                          <a:effectLst/>
+                        </a:rPr>
+                        <a:t>Recall</a:t>
+                      </a:r>
+                      <a:endParaRPr lang="es-CL" sz="1100" b="1" i="0" u="none" strike="noStrike" dirty="0">
+                        <a:solidFill>
+                          <a:srgbClr val="000000"/>
+                        </a:solidFill>
+                        <a:effectLst/>
+                        <a:latin typeface="Aptos Narrow" panose="020B0004020202020204" pitchFamily="34" charset="0"/>
+                      </a:endParaRPr>
+                    </a:p>
+                  </a:txBody>
+                  <a:tcPr marL="3810" marR="3810" marT="3810" marB="0" anchor="ctr"/>
+                </a:tc>
+                <a:tc>
+                  <a:txBody>
+                    <a:bodyPr/>
+                    <a:lstStyle/>
+                    <a:p>
+                      <a:pPr algn="ctr" fontAlgn="ctr"/>
+                      <a:r>
+                        <a:rPr lang="es-CL" sz="1100" u="none" strike="noStrike">
+                          <a:effectLst/>
+                        </a:rPr>
+                        <a:t>F1-Score</a:t>
+                      </a:r>
+                      <a:endParaRPr lang="es-CL" sz="1100" b="1" i="0" u="none" strike="noStrike">
+                        <a:solidFill>
+                          <a:srgbClr val="000000"/>
+                        </a:solidFill>
+                        <a:effectLst/>
+                        <a:latin typeface="Aptos Narrow" panose="020B0004020202020204" pitchFamily="34" charset="0"/>
+                      </a:endParaRPr>
+                    </a:p>
+                  </a:txBody>
+                  <a:tcPr marL="3810" marR="3810" marT="3810" marB="0" anchor="ctr"/>
+                </a:tc>
+                <a:extLst>
+                  <a:ext uri="{0D108BD9-81ED-4DB2-BD59-A6C34878D82A}">
+                    <a16:rowId xmlns:a16="http://schemas.microsoft.com/office/drawing/2014/main" val="1014159831"/>
+                  </a:ext>
+                </a:extLst>
+              </a:tr>
+              <a:tr h="445974">
+                <a:tc>
+                  <a:txBody>
+                    <a:bodyPr/>
+                    <a:lstStyle/>
+                    <a:p>
+                      <a:pPr algn="ctr" fontAlgn="ctr"/>
+                      <a:r>
+                        <a:rPr lang="es-CL" sz="1100" b="1" u="none" strike="noStrike" dirty="0">
+                          <a:effectLst/>
+                        </a:rPr>
+                        <a:t>Jaccard</a:t>
+                      </a:r>
+                      <a:endParaRPr lang="es-CL" sz="1100" b="1" i="0" u="none" strike="noStrike" dirty="0">
+                        <a:solidFill>
+                          <a:srgbClr val="000000"/>
+                        </a:solidFill>
+                        <a:effectLst/>
+                        <a:latin typeface="Aptos Narrow" panose="020B0004020202020204" pitchFamily="34" charset="0"/>
+                      </a:endParaRPr>
+                    </a:p>
+                  </a:txBody>
+                  <a:tcPr marL="3810" marR="3810" marT="3810" marB="0" anchor="ctr"/>
+                </a:tc>
+                <a:tc>
+                  <a:txBody>
+                    <a:bodyPr/>
+                    <a:lstStyle/>
+                    <a:p>
+                      <a:pPr algn="ctr" fontAlgn="ctr"/>
+                      <a:r>
+                        <a:rPr lang="es-CL" sz="1100" u="none" strike="noStrike">
+                          <a:effectLst/>
+                        </a:rPr>
+                        <a:t>0.6000</a:t>
+                      </a:r>
+                      <a:endParaRPr lang="es-CL" sz="1100" b="0" i="0" u="none" strike="noStrike">
+                        <a:solidFill>
+                          <a:srgbClr val="000000"/>
+                        </a:solidFill>
+                        <a:effectLst/>
+                        <a:latin typeface="Aptos Narrow" panose="020B0004020202020204" pitchFamily="34" charset="0"/>
+                      </a:endParaRPr>
+                    </a:p>
+                  </a:txBody>
+                  <a:tcPr marL="3810" marR="3810" marT="3810" marB="0" anchor="ctr"/>
+                </a:tc>
+                <a:tc>
+                  <a:txBody>
+                    <a:bodyPr/>
+                    <a:lstStyle/>
+                    <a:p>
+                      <a:pPr algn="ctr" fontAlgn="ctr"/>
+                      <a:r>
+                        <a:rPr lang="es-CL" sz="1100" u="none" strike="noStrike" dirty="0">
+                          <a:effectLst/>
+                        </a:rPr>
+                        <a:t>1</a:t>
+                      </a:r>
+                      <a:endParaRPr lang="es-CL" sz="1100" b="0" i="0" u="none" strike="noStrike" dirty="0">
+                        <a:solidFill>
+                          <a:srgbClr val="000000"/>
+                        </a:solidFill>
+                        <a:effectLst/>
+                        <a:latin typeface="Aptos Narrow" panose="020B0004020202020204" pitchFamily="34" charset="0"/>
+                      </a:endParaRPr>
+                    </a:p>
+                  </a:txBody>
+                  <a:tcPr marL="3810" marR="3810" marT="3810" marB="0" anchor="ctr"/>
+                </a:tc>
+                <a:tc>
+                  <a:txBody>
+                    <a:bodyPr/>
+                    <a:lstStyle/>
+                    <a:p>
+                      <a:pPr algn="ctr" fontAlgn="ctr"/>
+                      <a:r>
+                        <a:rPr lang="es-CL" sz="1100" u="none" strike="noStrike">
+                          <a:effectLst/>
+                        </a:rPr>
+                        <a:t>1</a:t>
+                      </a:r>
+                      <a:endParaRPr lang="es-CL" sz="1100" b="0" i="0" u="none" strike="noStrike">
+                        <a:solidFill>
+                          <a:srgbClr val="000000"/>
+                        </a:solidFill>
+                        <a:effectLst/>
+                        <a:latin typeface="Aptos Narrow" panose="020B0004020202020204" pitchFamily="34" charset="0"/>
+                      </a:endParaRPr>
+                    </a:p>
+                  </a:txBody>
+                  <a:tcPr marL="3810" marR="3810" marT="3810" marB="0" anchor="ctr"/>
+                </a:tc>
+                <a:extLst>
+                  <a:ext uri="{0D108BD9-81ED-4DB2-BD59-A6C34878D82A}">
+                    <a16:rowId xmlns:a16="http://schemas.microsoft.com/office/drawing/2014/main" val="3778778344"/>
+                  </a:ext>
+                </a:extLst>
+              </a:tr>
+              <a:tr h="445974">
+                <a:tc>
+                  <a:txBody>
+                    <a:bodyPr/>
+                    <a:lstStyle/>
+                    <a:p>
+                      <a:pPr algn="ctr" fontAlgn="ctr"/>
+                      <a:r>
+                        <a:rPr lang="es-CL" sz="1100" b="1" u="none" strike="noStrike" dirty="0">
+                          <a:effectLst/>
+                        </a:rPr>
+                        <a:t>Coseno</a:t>
+                      </a:r>
+                      <a:endParaRPr lang="es-CL" sz="1100" b="1" i="0" u="none" strike="noStrike" dirty="0">
+                        <a:solidFill>
+                          <a:srgbClr val="000000"/>
+                        </a:solidFill>
+                        <a:effectLst/>
+                        <a:latin typeface="Aptos Narrow" panose="020B0004020202020204" pitchFamily="34" charset="0"/>
+                      </a:endParaRPr>
+                    </a:p>
+                  </a:txBody>
+                  <a:tcPr marL="3810" marR="3810" marT="3810" marB="0" anchor="ctr"/>
+                </a:tc>
+                <a:tc>
+                  <a:txBody>
+                    <a:bodyPr/>
+                    <a:lstStyle/>
+                    <a:p>
+                      <a:pPr algn="ctr" fontAlgn="ctr"/>
+                      <a:r>
+                        <a:rPr lang="es-CL" sz="1100" u="none" strike="noStrike">
+                          <a:effectLst/>
+                        </a:rPr>
+                        <a:t>0.5000</a:t>
+                      </a:r>
+                      <a:endParaRPr lang="es-CL" sz="1100" b="0" i="0" u="none" strike="noStrike">
+                        <a:solidFill>
+                          <a:srgbClr val="000000"/>
+                        </a:solidFill>
+                        <a:effectLst/>
+                        <a:latin typeface="Aptos Narrow" panose="020B0004020202020204" pitchFamily="34" charset="0"/>
+                      </a:endParaRPr>
+                    </a:p>
+                  </a:txBody>
+                  <a:tcPr marL="3810" marR="3810" marT="3810" marB="0" anchor="ctr"/>
+                </a:tc>
+                <a:tc>
+                  <a:txBody>
+                    <a:bodyPr/>
+                    <a:lstStyle/>
+                    <a:p>
+                      <a:pPr algn="ctr" fontAlgn="ctr"/>
+                      <a:r>
+                        <a:rPr lang="es-CL" sz="1100" u="none" strike="noStrike">
+                          <a:effectLst/>
+                        </a:rPr>
+                        <a:t>0.8333</a:t>
+                      </a:r>
+                      <a:endParaRPr lang="es-CL" sz="1100" b="0" i="0" u="none" strike="noStrike">
+                        <a:solidFill>
+                          <a:srgbClr val="000000"/>
+                        </a:solidFill>
+                        <a:effectLst/>
+                        <a:latin typeface="Aptos Narrow" panose="020B0004020202020204" pitchFamily="34" charset="0"/>
+                      </a:endParaRPr>
+                    </a:p>
+                  </a:txBody>
+                  <a:tcPr marL="3810" marR="3810" marT="3810" marB="0" anchor="ctr"/>
+                </a:tc>
+                <a:tc>
+                  <a:txBody>
+                    <a:bodyPr/>
+                    <a:lstStyle/>
+                    <a:p>
+                      <a:pPr algn="ctr" fontAlgn="ctr"/>
+                      <a:r>
+                        <a:rPr lang="es-CL" sz="1100" u="none" strike="noStrike">
+                          <a:effectLst/>
+                        </a:rPr>
+                        <a:t>0.7273</a:t>
+                      </a:r>
+                      <a:endParaRPr lang="es-CL" sz="1100" b="0" i="0" u="none" strike="noStrike">
+                        <a:solidFill>
+                          <a:srgbClr val="000000"/>
+                        </a:solidFill>
+                        <a:effectLst/>
+                        <a:latin typeface="Aptos Narrow" panose="020B0004020202020204" pitchFamily="34" charset="0"/>
+                      </a:endParaRPr>
+                    </a:p>
+                  </a:txBody>
+                  <a:tcPr marL="3810" marR="3810" marT="3810" marB="0" anchor="ctr"/>
+                </a:tc>
+                <a:extLst>
+                  <a:ext uri="{0D108BD9-81ED-4DB2-BD59-A6C34878D82A}">
+                    <a16:rowId xmlns:a16="http://schemas.microsoft.com/office/drawing/2014/main" val="2305264158"/>
+                  </a:ext>
+                </a:extLst>
+              </a:tr>
+              <a:tr h="445974">
+                <a:tc>
+                  <a:txBody>
+                    <a:bodyPr/>
+                    <a:lstStyle/>
+                    <a:p>
+                      <a:pPr algn="ctr" fontAlgn="ctr"/>
+                      <a:r>
+                        <a:rPr lang="es-CL" sz="1100" b="1" u="none" strike="noStrike" dirty="0">
+                          <a:effectLst/>
+                        </a:rPr>
+                        <a:t>KNN</a:t>
+                      </a:r>
+                      <a:endParaRPr lang="es-CL" sz="1100" b="1" i="0" u="none" strike="noStrike" dirty="0">
+                        <a:solidFill>
+                          <a:srgbClr val="000000"/>
+                        </a:solidFill>
+                        <a:effectLst/>
+                        <a:latin typeface="Aptos Narrow" panose="020B0004020202020204" pitchFamily="34" charset="0"/>
+                      </a:endParaRPr>
+                    </a:p>
+                  </a:txBody>
+                  <a:tcPr marL="3810" marR="3810" marT="3810" marB="0" anchor="ctr"/>
+                </a:tc>
+                <a:tc>
+                  <a:txBody>
+                    <a:bodyPr/>
+                    <a:lstStyle/>
+                    <a:p>
+                      <a:pPr algn="ctr" fontAlgn="ctr"/>
+                      <a:r>
+                        <a:rPr lang="es-CL" sz="1100" u="none" strike="noStrike">
+                          <a:effectLst/>
+                        </a:rPr>
+                        <a:t>0.4000</a:t>
+                      </a:r>
+                      <a:endParaRPr lang="es-CL" sz="1100" b="0" i="0" u="none" strike="noStrike">
+                        <a:solidFill>
+                          <a:srgbClr val="000000"/>
+                        </a:solidFill>
+                        <a:effectLst/>
+                        <a:latin typeface="Aptos Narrow" panose="020B0004020202020204" pitchFamily="34" charset="0"/>
+                      </a:endParaRPr>
+                    </a:p>
+                  </a:txBody>
+                  <a:tcPr marL="3810" marR="3810" marT="3810" marB="0" anchor="ctr"/>
+                </a:tc>
+                <a:tc>
+                  <a:txBody>
+                    <a:bodyPr/>
+                    <a:lstStyle/>
+                    <a:p>
+                      <a:pPr algn="ctr" fontAlgn="ctr"/>
+                      <a:r>
+                        <a:rPr lang="es-CL" sz="1100" u="none" strike="noStrike">
+                          <a:effectLst/>
+                        </a:rPr>
+                        <a:t>0.6667</a:t>
+                      </a:r>
+                      <a:endParaRPr lang="es-CL" sz="1100" b="0" i="0" u="none" strike="noStrike">
+                        <a:solidFill>
+                          <a:srgbClr val="000000"/>
+                        </a:solidFill>
+                        <a:effectLst/>
+                        <a:latin typeface="Aptos Narrow" panose="020B0004020202020204" pitchFamily="34" charset="0"/>
+                      </a:endParaRPr>
+                    </a:p>
+                  </a:txBody>
+                  <a:tcPr marL="3810" marR="3810" marT="3810" marB="0" anchor="ctr"/>
+                </a:tc>
+                <a:tc>
+                  <a:txBody>
+                    <a:bodyPr/>
+                    <a:lstStyle/>
+                    <a:p>
+                      <a:pPr algn="ctr" fontAlgn="ctr"/>
+                      <a:r>
+                        <a:rPr lang="es-CL" sz="1100" u="none" strike="noStrike" dirty="0">
+                          <a:effectLst/>
+                        </a:rPr>
+                        <a:t>0.6000</a:t>
+                      </a:r>
+                      <a:endParaRPr lang="es-CL" sz="1100" b="0" i="0" u="none" strike="noStrike" dirty="0">
+                        <a:solidFill>
+                          <a:srgbClr val="000000"/>
+                        </a:solidFill>
+                        <a:effectLst/>
+                        <a:latin typeface="Aptos Narrow" panose="020B0004020202020204" pitchFamily="34" charset="0"/>
+                      </a:endParaRPr>
+                    </a:p>
+                  </a:txBody>
+                  <a:tcPr marL="3810" marR="3810" marT="3810" marB="0" anchor="ctr"/>
+                </a:tc>
+                <a:extLst>
+                  <a:ext uri="{0D108BD9-81ED-4DB2-BD59-A6C34878D82A}">
+                    <a16:rowId xmlns:a16="http://schemas.microsoft.com/office/drawing/2014/main" val="1481472615"/>
+                  </a:ext>
+                </a:extLst>
+              </a:tr>
+            </a:tbl>
+          </a:graphicData>
+        </a:graphic>
+      </p:graphicFrame>
+      <p:sp>
+        <p:nvSpPr>
+          <p:cNvPr id="17" name="CuadroTexto 16">
+            <a:extLst>
+              <a:ext uri="{FF2B5EF4-FFF2-40B4-BE49-F238E27FC236}">
+                <a16:creationId xmlns:a16="http://schemas.microsoft.com/office/drawing/2014/main" id="{9C462B11-C3BF-A34D-96A2-B42DFB886463}"/>
+              </a:ext>
+            </a:extLst>
+          </p:cNvPr>
+          <p:cNvSpPr txBox="1"/>
+          <p:nvPr/>
+        </p:nvSpPr>
+        <p:spPr>
+          <a:xfrm>
+            <a:off x="1362528" y="4144565"/>
+            <a:ext cx="9466943" cy="2308324"/>
+          </a:xfrm>
+          <a:prstGeom prst="rect">
+            <a:avLst/>
+          </a:prstGeom>
+          <a:noFill/>
+        </p:spPr>
+        <p:txBody>
+          <a:bodyPr wrap="square" rtlCol="0">
+            <a:spAutoFit/>
+          </a:bodyPr>
+          <a:lstStyle/>
+          <a:p>
+            <a:r>
+              <a:rPr lang="es-ES" b="1" dirty="0">
+                <a:solidFill>
+                  <a:srgbClr val="0070C0"/>
+                </a:solidFill>
+                <a:effectLst/>
+                <a:latin typeface="Consolas" panose="020B0609020204030204" pitchFamily="49" charset="0"/>
+              </a:rPr>
+              <a:t>Jaccard</a:t>
+            </a:r>
+            <a:r>
+              <a:rPr lang="es-ES" b="0" dirty="0">
+                <a:solidFill>
+                  <a:srgbClr val="CCCCCC"/>
+                </a:solidFill>
+                <a:effectLst/>
+                <a:latin typeface="Consolas" panose="020B0609020204030204" pitchFamily="49" charset="0"/>
+              </a:rPr>
+              <a:t>: </a:t>
+            </a:r>
+            <a:r>
+              <a:rPr lang="es-ES" dirty="0">
+                <a:latin typeface="Consolas" panose="020B0609020204030204" pitchFamily="49" charset="0"/>
+              </a:rPr>
+              <a:t>M</a:t>
+            </a:r>
+            <a:r>
+              <a:rPr lang="es-ES" b="0" dirty="0">
+                <a:effectLst/>
+                <a:latin typeface="Consolas" panose="020B0609020204030204" pitchFamily="49" charset="0"/>
+              </a:rPr>
+              <a:t>odelo más preciso con un </a:t>
+            </a:r>
+            <a:r>
+              <a:rPr lang="es-ES" b="0" dirty="0" err="1">
+                <a:effectLst/>
+                <a:latin typeface="Consolas" panose="020B0609020204030204" pitchFamily="49" charset="0"/>
+              </a:rPr>
+              <a:t>recall</a:t>
+            </a:r>
+            <a:r>
+              <a:rPr lang="es-ES" b="0" dirty="0">
+                <a:effectLst/>
+                <a:latin typeface="Consolas" panose="020B0609020204030204" pitchFamily="49" charset="0"/>
+              </a:rPr>
+              <a:t> perfecto y un F1-Score alto. Lo que indica un claro sobreajuste del modelo.</a:t>
+            </a:r>
+          </a:p>
+          <a:p>
+            <a:br>
+              <a:rPr lang="es-ES" b="0" dirty="0">
+                <a:solidFill>
+                  <a:srgbClr val="CCCCCC"/>
+                </a:solidFill>
+                <a:effectLst/>
+                <a:latin typeface="Consolas" panose="020B0609020204030204" pitchFamily="49" charset="0"/>
+              </a:rPr>
+            </a:br>
+            <a:r>
+              <a:rPr lang="es-ES" b="1" dirty="0">
+                <a:solidFill>
+                  <a:srgbClr val="0070C0"/>
+                </a:solidFill>
+                <a:effectLst/>
+                <a:latin typeface="Consolas" panose="020B0609020204030204" pitchFamily="49" charset="0"/>
+              </a:rPr>
+              <a:t>Coseno</a:t>
+            </a:r>
+            <a:r>
+              <a:rPr lang="es-ES" b="0" dirty="0">
+                <a:solidFill>
+                  <a:srgbClr val="CCCCCC"/>
+                </a:solidFill>
+                <a:effectLst/>
+                <a:latin typeface="Consolas" panose="020B0609020204030204" pitchFamily="49" charset="0"/>
+              </a:rPr>
+              <a:t>: </a:t>
+            </a:r>
+            <a:r>
+              <a:rPr lang="es-ES" b="0" dirty="0">
+                <a:effectLst/>
+                <a:latin typeface="Consolas" panose="020B0609020204030204" pitchFamily="49" charset="0"/>
+              </a:rPr>
+              <a:t>Ofrece un buen equilibrio entre precisión y </a:t>
+            </a:r>
+            <a:r>
+              <a:rPr lang="es-ES" b="0" dirty="0" err="1">
+                <a:effectLst/>
+                <a:latin typeface="Consolas" panose="020B0609020204030204" pitchFamily="49" charset="0"/>
+              </a:rPr>
+              <a:t>recall</a:t>
+            </a:r>
+            <a:r>
+              <a:rPr lang="es-ES" b="0" dirty="0">
+                <a:effectLst/>
+                <a:latin typeface="Consolas" panose="020B0609020204030204" pitchFamily="49" charset="0"/>
+              </a:rPr>
+              <a:t>.</a:t>
+            </a:r>
+          </a:p>
+          <a:p>
+            <a:br>
+              <a:rPr lang="es-ES" b="0" dirty="0">
+                <a:solidFill>
+                  <a:srgbClr val="CCCCCC"/>
+                </a:solidFill>
+                <a:effectLst/>
+                <a:latin typeface="Consolas" panose="020B0609020204030204" pitchFamily="49" charset="0"/>
+              </a:rPr>
+            </a:br>
+            <a:r>
+              <a:rPr lang="es-ES" b="1" dirty="0">
+                <a:solidFill>
+                  <a:srgbClr val="0070C0"/>
+                </a:solidFill>
+                <a:effectLst/>
+                <a:latin typeface="Consolas" panose="020B0609020204030204" pitchFamily="49" charset="0"/>
+              </a:rPr>
+              <a:t>KNN</a:t>
+            </a:r>
+            <a:r>
+              <a:rPr lang="es-ES" b="0" dirty="0">
+                <a:solidFill>
+                  <a:srgbClr val="CCCCCC"/>
+                </a:solidFill>
+                <a:effectLst/>
+                <a:latin typeface="Consolas" panose="020B0609020204030204" pitchFamily="49" charset="0"/>
+              </a:rPr>
+              <a:t>: </a:t>
+            </a:r>
+            <a:r>
+              <a:rPr lang="es-ES" b="0" dirty="0">
+                <a:effectLst/>
+                <a:latin typeface="Consolas" panose="020B0609020204030204" pitchFamily="49" charset="0"/>
+              </a:rPr>
+              <a:t>Aunque es una técnica válida, parece que no es la mejor opción para este caso, dado que tiene el rendimiento más bajo en todas las métricas.</a:t>
+            </a:r>
+          </a:p>
+          <a:p>
+            <a:endParaRPr lang="es-CL" dirty="0"/>
+          </a:p>
+        </p:txBody>
+      </p:sp>
+      <p:pic>
+        <p:nvPicPr>
+          <p:cNvPr id="18" name="Picture 2" descr="YOM">
+            <a:extLst>
+              <a:ext uri="{FF2B5EF4-FFF2-40B4-BE49-F238E27FC236}">
+                <a16:creationId xmlns:a16="http://schemas.microsoft.com/office/drawing/2014/main" id="{E8451088-6AC9-9463-0A83-1A4910C051FC}"/>
+              </a:ext>
+            </a:extLst>
+          </p:cNvPr>
+          <p:cNvPicPr>
+            <a:picLocks noChangeAspect="1" noChangeArrowheads="1"/>
+          </p:cNvPicPr>
+          <p:nvPr/>
+        </p:nvPicPr>
+        <p:blipFill rotWithShape="1">
+          <a:blip r:embed="rId2">
+            <a:extLst>
+              <a:ext uri="{28A0092B-C50C-407E-A947-70E740481C1C}">
+                <a14:useLocalDpi xmlns:a14="http://schemas.microsoft.com/office/drawing/2010/main" val="0"/>
+              </a:ext>
+            </a:extLst>
+          </a:blip>
+          <a:srcRect r="66899"/>
+          <a:stretch/>
+        </p:blipFill>
+        <p:spPr bwMode="auto">
+          <a:xfrm>
+            <a:off x="11387711" y="183183"/>
+            <a:ext cx="627289" cy="648970"/>
+          </a:xfrm>
+          <a:prstGeom prst="rect">
+            <a:avLst/>
+          </a:prstGeom>
+          <a:noFill/>
+          <a:extLst>
+            <a:ext uri="{909E8E84-426E-40DD-AFC4-6F175D3DCCD1}">
+              <a14:hiddenFill xmlns:a14="http://schemas.microsoft.com/office/drawing/2010/main">
+                <a:solidFill>
+                  <a:srgbClr val="FFFFFF"/>
+                </a:solidFill>
+              </a14:hiddenFill>
+            </a:ext>
+          </a:extLst>
+        </p:spPr>
+      </p:pic>
+    </p:spTree>
+    <p:extLst>
+      <p:ext uri="{BB962C8B-B14F-4D97-AF65-F5344CB8AC3E}">
+        <p14:creationId xmlns:p14="http://schemas.microsoft.com/office/powerpoint/2010/main" val="43287595"/>
       </p:ext>
     </p:extLst>
   </p:cSld>
